--- a/Project_Slide.pptx
+++ b/Project_Slide.pptx
@@ -13,6 +13,7 @@
     <p:sldId id="261" r:id="rId7"/>
     <p:sldId id="262" r:id="rId8"/>
     <p:sldId id="263" r:id="rId9"/>
+    <p:sldId id="264" r:id="rId10"/>
   </p:sldIdLst>
   <p:sldSz cx="12192000" cy="6858000"/>
   <p:notesSz cx="6858000" cy="9144000"/>
@@ -111,6 +112,11 @@
       </a:defRPr>
     </a:lvl9pPr>
   </p:defaultTextStyle>
+  <p:extLst>
+    <p:ext uri="{EFAFB233-063F-42B5-8137-9DF3F51BA10A}">
+      <p15:sldGuideLst xmlns:p15="http://schemas.microsoft.com/office/powerpoint/2012/main"/>
+    </p:ext>
+  </p:extLst>
 </p:presentation>
 </file>
 
@@ -245,7 +251,7 @@
           <a:p>
             <a:fld id="{EA0C0817-A112-4847-8014-A94B7D2A4EA3}" type="datetime1">
               <a:rPr lang="en-US" smtClean="0"/>
-              <a:t>12/28/2020</a:t>
+              <a:t>12/29/2020</a:t>
             </a:fld>
             <a:endParaRPr lang="en-US" dirty="0"/>
           </a:p>
@@ -415,7 +421,7 @@
           <a:p>
             <a:fld id="{134F40B7-36AB-4376-BE14-EF7004D79BB9}" type="datetime1">
               <a:rPr lang="en-US" smtClean="0"/>
-              <a:t>12/28/2020</a:t>
+              <a:t>12/29/2020</a:t>
             </a:fld>
             <a:endParaRPr lang="en-US"/>
           </a:p>
@@ -595,7 +601,7 @@
           <a:p>
             <a:fld id="{FF87CAB8-DCAE-46A5-AADA-B3FAD11A54E0}" type="datetime1">
               <a:rPr lang="en-US" smtClean="0"/>
-              <a:t>12/28/2020</a:t>
+              <a:t>12/29/2020</a:t>
             </a:fld>
             <a:endParaRPr lang="en-US"/>
           </a:p>
@@ -765,7 +771,7 @@
           <a:p>
             <a:fld id="{7332B432-ACDA-4023-A761-2BAB76577B62}" type="datetime1">
               <a:rPr lang="en-US" smtClean="0"/>
-              <a:t>12/28/2020</a:t>
+              <a:t>12/29/2020</a:t>
             </a:fld>
             <a:endParaRPr lang="en-US"/>
           </a:p>
@@ -1011,7 +1017,7 @@
           <a:p>
             <a:fld id="{D9C646AA-F36E-4540-911D-FFFC0A0EF24A}" type="datetime1">
               <a:rPr lang="en-US" smtClean="0"/>
-              <a:t>12/28/2020</a:t>
+              <a:t>12/29/2020</a:t>
             </a:fld>
             <a:endParaRPr lang="en-US" dirty="0"/>
           </a:p>
@@ -1243,7 +1249,7 @@
           <a:p>
             <a:fld id="{69186D26-FA5F-4637-B602-B7C2DC34CFD4}" type="datetime1">
               <a:rPr lang="en-US" smtClean="0"/>
-              <a:t>12/28/2020</a:t>
+              <a:t>12/29/2020</a:t>
             </a:fld>
             <a:endParaRPr lang="en-US"/>
           </a:p>
@@ -1610,7 +1616,7 @@
           <a:p>
             <a:fld id="{F6FA2B21-3FCD-4721-B95C-427943F61125}" type="datetime1">
               <a:rPr lang="en-US" smtClean="0"/>
-              <a:t>12/28/2020</a:t>
+              <a:t>12/29/2020</a:t>
             </a:fld>
             <a:endParaRPr lang="en-US"/>
           </a:p>
@@ -1729,7 +1735,7 @@
           <a:p>
             <a:fld id="{F9A96C99-B8F8-4528-BD05-0E16E943DC09}" type="datetime1">
               <a:rPr lang="en-US" smtClean="0"/>
-              <a:t>12/28/2020</a:t>
+              <a:t>12/29/2020</a:t>
             </a:fld>
             <a:endParaRPr lang="en-US"/>
           </a:p>
@@ -1824,7 +1830,7 @@
           <a:p>
             <a:fld id="{03636942-C211-4B28-8DBD-C953E00AF71B}" type="datetime1">
               <a:rPr lang="en-US" smtClean="0"/>
-              <a:t>12/28/2020</a:t>
+              <a:t>12/29/2020</a:t>
             </a:fld>
             <a:endParaRPr lang="en-US"/>
           </a:p>
@@ -2101,7 +2107,7 @@
           <a:p>
             <a:fld id="{7E8D12A6-918A-48BD-8CB9-CA713993B0EA}" type="datetime1">
               <a:rPr lang="en-US" smtClean="0"/>
-              <a:t>12/28/2020</a:t>
+              <a:t>12/29/2020</a:t>
             </a:fld>
             <a:endParaRPr lang="en-US"/>
           </a:p>
@@ -2359,7 +2365,7 @@
             <a:fld id="{E778CE86-875F-4587-BCF6-FA054AFC0D53}" type="datetime1">
               <a:rPr lang="en-US" smtClean="0"/>
               <a:pPr/>
-              <a:t>12/28/2020</a:t>
+              <a:t>12/29/2020</a:t>
             </a:fld>
             <a:endParaRPr lang="en-US" dirty="0"/>
           </a:p>
@@ -2573,7 +2579,7 @@
           <a:p>
             <a:fld id="{F6FA2B21-3FCD-4721-B95C-427943F61125}" type="datetime1">
               <a:rPr lang="en-US" smtClean="0"/>
-              <a:t>12/28/2020</a:t>
+              <a:t>12/29/2020</a:t>
             </a:fld>
             <a:endParaRPr lang="en-US"/>
           </a:p>
@@ -3665,15 +3671,6 @@
               </a:lnSpc>
               <a:buNone/>
             </a:pPr>
-            <a:endParaRPr lang="en-US" dirty="0"/>
-          </a:p>
-          <a:p>
-            <a:pPr marL="0" indent="0">
-              <a:lnSpc>
-                <a:spcPct val="150000"/>
-              </a:lnSpc>
-              <a:buNone/>
-            </a:pPr>
             <a:r>
               <a:rPr lang="en-US" dirty="0">
                 <a:sym typeface="Wingdings" panose="05000000000000000000" pitchFamily="2" charset="2"/>
@@ -3779,6 +3776,109 @@
               </a:rPr>
               <a:t> ra</a:t>
             </a:r>
+          </a:p>
+          <a:p>
+            <a:pPr marL="0" indent="0">
+              <a:lnSpc>
+                <a:spcPct val="150000"/>
+              </a:lnSpc>
+              <a:buNone/>
+            </a:pPr>
+            <a:r>
+              <a:rPr lang="en-US" dirty="0">
+                <a:sym typeface="Wingdings" panose="05000000000000000000" pitchFamily="2" charset="2"/>
+              </a:rPr>
+              <a:t>6. </a:t>
+            </a:r>
+            <a:r>
+              <a:rPr lang="en-US" dirty="0" err="1">
+                <a:sym typeface="Wingdings" panose="05000000000000000000" pitchFamily="2" charset="2"/>
+              </a:rPr>
+              <a:t>Truyền</a:t>
+            </a:r>
+            <a:r>
+              <a:rPr lang="en-US" dirty="0">
+                <a:sym typeface="Wingdings" panose="05000000000000000000" pitchFamily="2" charset="2"/>
+              </a:rPr>
+              <a:t> </a:t>
+            </a:r>
+            <a:r>
+              <a:rPr lang="en-US" dirty="0" err="1">
+                <a:sym typeface="Wingdings" panose="05000000000000000000" pitchFamily="2" charset="2"/>
+              </a:rPr>
+              <a:t>thông</a:t>
+            </a:r>
+            <a:r>
+              <a:rPr lang="en-US" dirty="0">
+                <a:sym typeface="Wingdings" panose="05000000000000000000" pitchFamily="2" charset="2"/>
+              </a:rPr>
+              <a:t> </a:t>
+            </a:r>
+            <a:r>
+              <a:rPr lang="en-US" dirty="0" err="1">
+                <a:sym typeface="Wingdings" panose="05000000000000000000" pitchFamily="2" charset="2"/>
+              </a:rPr>
+              <a:t>kết</a:t>
+            </a:r>
+            <a:r>
+              <a:rPr lang="en-US" dirty="0">
+                <a:sym typeface="Wingdings" panose="05000000000000000000" pitchFamily="2" charset="2"/>
+              </a:rPr>
+              <a:t> </a:t>
+            </a:r>
+            <a:r>
+              <a:rPr lang="en-US" dirty="0" err="1">
+                <a:sym typeface="Wingdings" panose="05000000000000000000" pitchFamily="2" charset="2"/>
+              </a:rPr>
+              <a:t>quả</a:t>
+            </a:r>
+            <a:r>
+              <a:rPr lang="en-US" dirty="0">
+                <a:sym typeface="Wingdings" panose="05000000000000000000" pitchFamily="2" charset="2"/>
+              </a:rPr>
+              <a:t>, </a:t>
+            </a:r>
+            <a:r>
+              <a:rPr lang="en-US" dirty="0" err="1">
+                <a:sym typeface="Wingdings" panose="05000000000000000000" pitchFamily="2" charset="2"/>
+              </a:rPr>
+              <a:t>đưa</a:t>
+            </a:r>
+            <a:r>
+              <a:rPr lang="en-US" dirty="0">
+                <a:sym typeface="Wingdings" panose="05000000000000000000" pitchFamily="2" charset="2"/>
+              </a:rPr>
+              <a:t> ra </a:t>
+            </a:r>
+            <a:r>
+              <a:rPr lang="en-US" dirty="0" err="1">
+                <a:sym typeface="Wingdings" panose="05000000000000000000" pitchFamily="2" charset="2"/>
+              </a:rPr>
+              <a:t>quyết</a:t>
+            </a:r>
+            <a:r>
+              <a:rPr lang="en-US" dirty="0">
+                <a:sym typeface="Wingdings" panose="05000000000000000000" pitchFamily="2" charset="2"/>
+              </a:rPr>
+              <a:t> </a:t>
+            </a:r>
+            <a:r>
+              <a:rPr lang="en-US" dirty="0" err="1">
+                <a:sym typeface="Wingdings" panose="05000000000000000000" pitchFamily="2" charset="2"/>
+              </a:rPr>
+              <a:t>định</a:t>
+            </a:r>
+            <a:endParaRPr lang="en-US" dirty="0">
+              <a:sym typeface="Wingdings" panose="05000000000000000000" pitchFamily="2" charset="2"/>
+            </a:endParaRPr>
+          </a:p>
+          <a:p>
+            <a:pPr marL="0" indent="0">
+              <a:lnSpc>
+                <a:spcPct val="150000"/>
+              </a:lnSpc>
+              <a:buNone/>
+            </a:pPr>
             <a:endParaRPr lang="en-US" dirty="0">
               <a:solidFill>
                 <a:srgbClr val="FF0000"/>
@@ -4431,6 +4531,91 @@
     <p:extLst>
       <p:ext uri="{BB962C8B-B14F-4D97-AF65-F5344CB8AC3E}">
         <p14:creationId xmlns:p14="http://schemas.microsoft.com/office/powerpoint/2010/main" val="2931203277"/>
+      </p:ext>
+    </p:extLst>
+  </p:cSld>
+  <p:clrMapOvr>
+    <a:masterClrMapping/>
+  </p:clrMapOvr>
+</p:sld>
+</file>
+
+<file path=ppt/slides/slide9.xml><?xml version="1.0" encoding="utf-8"?>
+<p:sld xmlns:a="http://schemas.openxmlformats.org/drawingml/2006/main" xmlns:r="http://schemas.openxmlformats.org/officeDocument/2006/relationships" xmlns:p="http://schemas.openxmlformats.org/presentationml/2006/main">
+  <p:cSld>
+    <p:spTree>
+      <p:nvGrpSpPr>
+        <p:cNvPr id="1" name=""/>
+        <p:cNvGrpSpPr/>
+        <p:nvPr/>
+      </p:nvGrpSpPr>
+      <p:grpSpPr>
+        <a:xfrm>
+          <a:off x="0" y="0"/>
+          <a:ext cx="0" cy="0"/>
+          <a:chOff x="0" y="0"/>
+          <a:chExt cx="0" cy="0"/>
+        </a:xfrm>
+      </p:grpSpPr>
+      <p:sp>
+        <p:nvSpPr>
+          <p:cNvPr id="2" name="Title 1">
+            <a:extLst>
+              <a:ext uri="{FF2B5EF4-FFF2-40B4-BE49-F238E27FC236}">
+                <a16:creationId xmlns:a16="http://schemas.microsoft.com/office/drawing/2014/main" id="{CB9CA0A3-9467-44C8-9A6A-614498D2580F}"/>
+              </a:ext>
+            </a:extLst>
+          </p:cNvPr>
+          <p:cNvSpPr>
+            <a:spLocks noGrp="1"/>
+          </p:cNvSpPr>
+          <p:nvPr>
+            <p:ph type="title"/>
+          </p:nvPr>
+        </p:nvSpPr>
+        <p:spPr/>
+        <p:txBody>
+          <a:bodyPr>
+            <a:normAutofit/>
+          </a:bodyPr>
+          <a:lstStyle/>
+          <a:p>
+            <a:r>
+              <a:rPr lang="en-US" dirty="0"/>
+              <a:t>TRUYỀN THÔNG KẾT QUẢ, ĐƯA RA QUYẾT ĐỊNH</a:t>
+            </a:r>
+          </a:p>
+        </p:txBody>
+      </p:sp>
+      <p:sp>
+        <p:nvSpPr>
+          <p:cNvPr id="3" name="Content Placeholder 2">
+            <a:extLst>
+              <a:ext uri="{FF2B5EF4-FFF2-40B4-BE49-F238E27FC236}">
+                <a16:creationId xmlns:a16="http://schemas.microsoft.com/office/drawing/2014/main" id="{3AB3627B-788E-4220-9FF4-E27AD7DAED2A}"/>
+              </a:ext>
+            </a:extLst>
+          </p:cNvPr>
+          <p:cNvSpPr>
+            <a:spLocks noGrp="1"/>
+          </p:cNvSpPr>
+          <p:nvPr>
+            <p:ph idx="1"/>
+          </p:nvPr>
+        </p:nvSpPr>
+        <p:spPr/>
+        <p:txBody>
+          <a:bodyPr/>
+          <a:lstStyle/>
+          <a:p>
+            <a:endParaRPr lang="en-US"/>
+          </a:p>
+        </p:txBody>
+      </p:sp>
+    </p:spTree>
+    <p:extLst>
+      <p:ext uri="{BB962C8B-B14F-4D97-AF65-F5344CB8AC3E}">
+        <p14:creationId xmlns:p14="http://schemas.microsoft.com/office/powerpoint/2010/main" val="3404310540"/>
       </p:ext>
     </p:extLst>
   </p:cSld>

--- a/Project_Slide.pptx
+++ b/Project_Slide.pptx
@@ -251,7 +251,7 @@
           <a:p>
             <a:fld id="{EA0C0817-A112-4847-8014-A94B7D2A4EA3}" type="datetime1">
               <a:rPr lang="en-US" smtClean="0"/>
-              <a:t>12/29/2020</a:t>
+              <a:t>1/5/2021</a:t>
             </a:fld>
             <a:endParaRPr lang="en-US" dirty="0"/>
           </a:p>
@@ -421,7 +421,7 @@
           <a:p>
             <a:fld id="{134F40B7-36AB-4376-BE14-EF7004D79BB9}" type="datetime1">
               <a:rPr lang="en-US" smtClean="0"/>
-              <a:t>12/29/2020</a:t>
+              <a:t>1/5/2021</a:t>
             </a:fld>
             <a:endParaRPr lang="en-US"/>
           </a:p>
@@ -601,7 +601,7 @@
           <a:p>
             <a:fld id="{FF87CAB8-DCAE-46A5-AADA-B3FAD11A54E0}" type="datetime1">
               <a:rPr lang="en-US" smtClean="0"/>
-              <a:t>12/29/2020</a:t>
+              <a:t>1/5/2021</a:t>
             </a:fld>
             <a:endParaRPr lang="en-US"/>
           </a:p>
@@ -771,7 +771,7 @@
           <a:p>
             <a:fld id="{7332B432-ACDA-4023-A761-2BAB76577B62}" type="datetime1">
               <a:rPr lang="en-US" smtClean="0"/>
-              <a:t>12/29/2020</a:t>
+              <a:t>1/5/2021</a:t>
             </a:fld>
             <a:endParaRPr lang="en-US"/>
           </a:p>
@@ -1017,7 +1017,7 @@
           <a:p>
             <a:fld id="{D9C646AA-F36E-4540-911D-FFFC0A0EF24A}" type="datetime1">
               <a:rPr lang="en-US" smtClean="0"/>
-              <a:t>12/29/2020</a:t>
+              <a:t>1/5/2021</a:t>
             </a:fld>
             <a:endParaRPr lang="en-US" dirty="0"/>
           </a:p>
@@ -1249,7 +1249,7 @@
           <a:p>
             <a:fld id="{69186D26-FA5F-4637-B602-B7C2DC34CFD4}" type="datetime1">
               <a:rPr lang="en-US" smtClean="0"/>
-              <a:t>12/29/2020</a:t>
+              <a:t>1/5/2021</a:t>
             </a:fld>
             <a:endParaRPr lang="en-US"/>
           </a:p>
@@ -1616,7 +1616,7 @@
           <a:p>
             <a:fld id="{F6FA2B21-3FCD-4721-B95C-427943F61125}" type="datetime1">
               <a:rPr lang="en-US" smtClean="0"/>
-              <a:t>12/29/2020</a:t>
+              <a:t>1/5/2021</a:t>
             </a:fld>
             <a:endParaRPr lang="en-US"/>
           </a:p>
@@ -1735,7 +1735,7 @@
           <a:p>
             <a:fld id="{F9A96C99-B8F8-4528-BD05-0E16E943DC09}" type="datetime1">
               <a:rPr lang="en-US" smtClean="0"/>
-              <a:t>12/29/2020</a:t>
+              <a:t>1/5/2021</a:t>
             </a:fld>
             <a:endParaRPr lang="en-US"/>
           </a:p>
@@ -1830,7 +1830,7 @@
           <a:p>
             <a:fld id="{03636942-C211-4B28-8DBD-C953E00AF71B}" type="datetime1">
               <a:rPr lang="en-US" smtClean="0"/>
-              <a:t>12/29/2020</a:t>
+              <a:t>1/5/2021</a:t>
             </a:fld>
             <a:endParaRPr lang="en-US"/>
           </a:p>
@@ -2107,7 +2107,7 @@
           <a:p>
             <a:fld id="{7E8D12A6-918A-48BD-8CB9-CA713993B0EA}" type="datetime1">
               <a:rPr lang="en-US" smtClean="0"/>
-              <a:t>12/29/2020</a:t>
+              <a:t>1/5/2021</a:t>
             </a:fld>
             <a:endParaRPr lang="en-US"/>
           </a:p>
@@ -2365,7 +2365,7 @@
             <a:fld id="{E778CE86-875F-4587-BCF6-FA054AFC0D53}" type="datetime1">
               <a:rPr lang="en-US" smtClean="0"/>
               <a:pPr/>
-              <a:t>12/29/2020</a:t>
+              <a:t>1/5/2021</a:t>
             </a:fld>
             <a:endParaRPr lang="en-US" dirty="0"/>
           </a:p>
@@ -2579,7 +2579,7 @@
           <a:p>
             <a:fld id="{F6FA2B21-3FCD-4721-B95C-427943F61125}" type="datetime1">
               <a:rPr lang="en-US" smtClean="0"/>
-              <a:t>12/29/2020</a:t>
+              <a:t>1/5/2021</a:t>
             </a:fld>
             <a:endParaRPr lang="en-US"/>
           </a:p>
@@ -3397,42 +3397,21 @@
             <p:ph type="title"/>
           </p:nvPr>
         </p:nvSpPr>
-        <p:spPr/>
-        <p:txBody>
-          <a:bodyPr/>
-          <a:lstStyle/>
-          <a:p>
-            <a:r>
-              <a:rPr lang="en-US" dirty="0" err="1"/>
-              <a:t>Các</a:t>
-            </a:r>
-            <a:r>
-              <a:rPr lang="en-US" dirty="0"/>
-              <a:t> </a:t>
-            </a:r>
-            <a:r>
-              <a:rPr lang="en-US" dirty="0" err="1"/>
-              <a:t>bước</a:t>
-            </a:r>
-            <a:r>
-              <a:rPr lang="en-US" dirty="0"/>
-              <a:t> </a:t>
-            </a:r>
-            <a:r>
-              <a:rPr lang="en-US" dirty="0" err="1"/>
-              <a:t>của</a:t>
-            </a:r>
-            <a:r>
-              <a:rPr lang="en-US" dirty="0"/>
-              <a:t> Qui </a:t>
-            </a:r>
-            <a:r>
-              <a:rPr lang="en-US" dirty="0" err="1"/>
-              <a:t>trình</a:t>
-            </a:r>
-            <a:r>
-              <a:rPr lang="en-US" dirty="0"/>
-              <a:t> KHDL</a:t>
+        <p:spPr>
+          <a:xfrm>
+            <a:off x="838200" y="365125"/>
+            <a:ext cx="10515600" cy="1028669"/>
+          </a:xfrm>
+        </p:spPr>
+        <p:txBody>
+          <a:bodyPr>
+            <a:normAutofit/>
+          </a:bodyPr>
+          <a:lstStyle/>
+          <a:p>
+            <a:r>
+              <a:rPr lang="en-US" sz="3600" dirty="0"/>
+              <a:t>CÁC BƯỚC CỦA QUI TRÌNH KHDL</a:t>
             </a:r>
           </a:p>
         </p:txBody>
@@ -3453,10 +3432,15 @@
             <p:ph idx="1"/>
           </p:nvPr>
         </p:nvSpPr>
-        <p:spPr/>
+        <p:spPr>
+          <a:xfrm>
+            <a:off x="838200" y="1393794"/>
+            <a:ext cx="10515600" cy="4783169"/>
+          </a:xfrm>
+        </p:spPr>
         <p:txBody>
           <a:bodyPr>
-            <a:normAutofit fontScale="85000" lnSpcReduction="20000"/>
+            <a:normAutofit fontScale="92500" lnSpcReduction="10000"/>
           </a:bodyPr>
           <a:lstStyle/>
           <a:p>
@@ -3936,15 +3920,17 @@
         <p:spPr>
           <a:xfrm>
             <a:off x="838200" y="436146"/>
-            <a:ext cx="10515600" cy="1325563"/>
+            <a:ext cx="10515600" cy="886627"/>
           </a:xfrm>
         </p:spPr>
         <p:txBody>
-          <a:bodyPr/>
-          <a:lstStyle/>
-          <a:p>
-            <a:r>
-              <a:rPr lang="en-US" dirty="0"/>
+          <a:bodyPr>
+            <a:normAutofit/>
+          </a:bodyPr>
+          <a:lstStyle/>
+          <a:p>
+            <a:r>
+              <a:rPr lang="en-US" sz="3600" dirty="0"/>
               <a:t>1. ĐƯA RA CÂU HỎI CẦN TRẢ LỜI</a:t>
             </a:r>
           </a:p>
@@ -3966,9 +3952,16 @@
             <p:ph idx="1"/>
           </p:nvPr>
         </p:nvSpPr>
-        <p:spPr/>
-        <p:txBody>
-          <a:bodyPr/>
+        <p:spPr>
+          <a:xfrm>
+            <a:off x="838200" y="1322773"/>
+            <a:ext cx="10515600" cy="4854190"/>
+          </a:xfrm>
+        </p:spPr>
+        <p:txBody>
+          <a:bodyPr>
+            <a:normAutofit/>
+          </a:bodyPr>
           <a:lstStyle/>
           <a:p>
             <a:r>
@@ -4007,21 +4000,6 @@
               <a:rPr lang="en-US" dirty="0" err="1"/>
               <a:t>hỏi</a:t>
             </a:r>
-            <a:r>
-              <a:rPr lang="en-US" dirty="0"/>
-              <a:t>:</a:t>
-            </a:r>
-          </a:p>
-          <a:p>
-            <a:pPr marL="0" indent="0" algn="ctr">
-              <a:buNone/>
-            </a:pPr>
-            <a:endParaRPr lang="en-US" sz="3200" b="1" dirty="0"/>
-          </a:p>
-          <a:p>
-            <a:pPr marL="0" indent="0" algn="ctr">
-              <a:buNone/>
-            </a:pPr>
             <a:endParaRPr lang="en-US" sz="3200" b="1" dirty="0"/>
           </a:p>
           <a:p>
@@ -4070,7 +4048,7 @@
             </a:r>
             <a:r>
               <a:rPr lang="en-US" sz="3200" b="1" dirty="0" err="1"/>
-              <a:t>thành</a:t>
+              <a:t>Thành</a:t>
             </a:r>
             <a:r>
               <a:rPr lang="en-US" sz="3200" b="1" dirty="0"/>
@@ -4098,6 +4076,202 @@
             </a:r>
             <a:r>
               <a:rPr lang="en-US" sz="3200" b="1" dirty="0"/>
+              <a:t> Minh</a:t>
+            </a:r>
+          </a:p>
+          <a:p>
+            <a:pPr marL="0" indent="0">
+              <a:buNone/>
+            </a:pPr>
+            <a:r>
+              <a:rPr lang="en-US" sz="3200" b="1" dirty="0"/>
+              <a:t>	</a:t>
+            </a:r>
+          </a:p>
+          <a:p>
+            <a:pPr marL="0" indent="0">
+              <a:buNone/>
+            </a:pPr>
+            <a:r>
+              <a:rPr lang="en-US" sz="2400" b="1" dirty="0"/>
+              <a:t>	Input</a:t>
+            </a:r>
+            <a:r>
+              <a:rPr lang="en-US" sz="2400" dirty="0"/>
+              <a:t>: </a:t>
+            </a:r>
+            <a:r>
+              <a:rPr lang="en-US" sz="2400" dirty="0" err="1"/>
+              <a:t>Các</a:t>
+            </a:r>
+            <a:r>
+              <a:rPr lang="en-US" sz="2400" dirty="0"/>
+              <a:t> </a:t>
+            </a:r>
+            <a:r>
+              <a:rPr lang="en-US" sz="2400" dirty="0" err="1"/>
+              <a:t>đặc</a:t>
+            </a:r>
+            <a:r>
+              <a:rPr lang="en-US" sz="2400" dirty="0"/>
+              <a:t> </a:t>
+            </a:r>
+            <a:r>
+              <a:rPr lang="en-US" sz="2400" dirty="0" err="1"/>
+              <a:t>trưng</a:t>
+            </a:r>
+            <a:r>
+              <a:rPr lang="en-US" sz="2400" dirty="0"/>
+              <a:t> </a:t>
+            </a:r>
+            <a:r>
+              <a:rPr lang="en-US" sz="2400" dirty="0" err="1"/>
+              <a:t>của</a:t>
+            </a:r>
+            <a:r>
+              <a:rPr lang="en-US" sz="2400" dirty="0"/>
+              <a:t> </a:t>
+            </a:r>
+            <a:r>
+              <a:rPr lang="en-US" sz="2400" dirty="0" err="1"/>
+              <a:t>ngôi</a:t>
+            </a:r>
+            <a:r>
+              <a:rPr lang="en-US" sz="2400" dirty="0"/>
+              <a:t> </a:t>
+            </a:r>
+            <a:r>
+              <a:rPr lang="en-US" sz="2400" dirty="0" err="1"/>
+              <a:t>nhà</a:t>
+            </a:r>
+            <a:endParaRPr lang="en-US" sz="2400" dirty="0"/>
+          </a:p>
+          <a:p>
+            <a:pPr marL="0" indent="0">
+              <a:buNone/>
+            </a:pPr>
+            <a:r>
+              <a:rPr lang="en-US" sz="2400" b="1" dirty="0"/>
+              <a:t>	Output</a:t>
+            </a:r>
+            <a:r>
+              <a:rPr lang="en-US" sz="2400" dirty="0"/>
+              <a:t>: </a:t>
+            </a:r>
+            <a:r>
+              <a:rPr lang="en-US" sz="2400" dirty="0" err="1"/>
+              <a:t>Giá</a:t>
+            </a:r>
+            <a:r>
+              <a:rPr lang="en-US" sz="2400" dirty="0"/>
+              <a:t> </a:t>
+            </a:r>
+            <a:r>
+              <a:rPr lang="en-US" sz="2400" dirty="0" err="1"/>
+              <a:t>nhà</a:t>
+            </a:r>
+            <a:r>
+              <a:rPr lang="en-US" sz="2400" dirty="0"/>
+              <a:t> </a:t>
+            </a:r>
+            <a:r>
+              <a:rPr lang="en-US" sz="2400" dirty="0" err="1"/>
+              <a:t>dự</a:t>
+            </a:r>
+            <a:r>
+              <a:rPr lang="en-US" sz="2400" dirty="0"/>
+              <a:t> </a:t>
+            </a:r>
+            <a:r>
+              <a:rPr lang="en-US" sz="2400" dirty="0" err="1"/>
+              <a:t>đoán</a:t>
+            </a:r>
+            <a:endParaRPr lang="en-US" sz="2400" dirty="0"/>
+          </a:p>
+          <a:p>
+            <a:pPr marL="0" indent="0">
+              <a:buNone/>
+            </a:pPr>
+            <a:endParaRPr lang="en-US" sz="2400" dirty="0"/>
+          </a:p>
+          <a:p>
+            <a:pPr marL="0" indent="0">
+              <a:buNone/>
+            </a:pPr>
+            <a:endParaRPr lang="en-US" sz="2400" dirty="0"/>
+          </a:p>
+          <a:p>
+            <a:pPr marL="0" indent="0">
+              <a:buNone/>
+            </a:pPr>
+            <a:r>
+              <a:rPr lang="en-US" sz="2400" b="1" dirty="0">
+                <a:sym typeface="Wingdings" panose="05000000000000000000" pitchFamily="2" charset="2"/>
+              </a:rPr>
+              <a:t> </a:t>
+            </a:r>
+            <a:r>
+              <a:rPr lang="vi-VN" sz="2400" b="1" dirty="0"/>
+              <a:t>Lợi ích</a:t>
+            </a:r>
+            <a:r>
+              <a:rPr lang="vi-VN" sz="2400" dirty="0"/>
+              <a:t>: </a:t>
+            </a:r>
+            <a:r>
+              <a:rPr lang="en-US" sz="2400" dirty="0"/>
+              <a:t>Đ</a:t>
+            </a:r>
+            <a:r>
+              <a:rPr lang="vi-VN" sz="2400" dirty="0"/>
+              <a:t>em lại các thông tin cần thiết cho người muốn mua</a:t>
+            </a:r>
+            <a:r>
+              <a:rPr lang="en-US" sz="2400" dirty="0"/>
+              <a:t> (</a:t>
+            </a:r>
+            <a:r>
+              <a:rPr lang="en-US" sz="2400" dirty="0" err="1"/>
+              <a:t>bán</a:t>
+            </a:r>
+            <a:r>
+              <a:rPr lang="en-US" sz="2400" dirty="0"/>
+              <a:t>)</a:t>
+            </a:r>
+            <a:r>
+              <a:rPr lang="vi-VN" sz="2400" dirty="0"/>
+              <a:t> </a:t>
+            </a:r>
+            <a:r>
+              <a:rPr lang="en-US" sz="2400" dirty="0" err="1"/>
+              <a:t>nhà</a:t>
+            </a:r>
+            <a:r>
+              <a:rPr lang="vi-VN" sz="2400" dirty="0"/>
+              <a:t>, muốn tìm hiểu về </a:t>
+            </a:r>
+            <a:r>
+              <a:rPr lang="en-US" sz="2400" dirty="0" err="1"/>
+              <a:t>nhà</a:t>
+            </a:r>
+            <a:r>
+              <a:rPr lang="en-US" sz="2400" dirty="0"/>
+              <a:t> ở TP </a:t>
+            </a:r>
+            <a:r>
+              <a:rPr lang="en-US" sz="2400" dirty="0" err="1"/>
+              <a:t>Hồ</a:t>
+            </a:r>
+            <a:r>
+              <a:rPr lang="en-US" sz="2400" dirty="0"/>
+              <a:t> </a:t>
+            </a:r>
+            <a:r>
+              <a:rPr lang="en-US" sz="2400" dirty="0" err="1"/>
+              <a:t>Chí</a:t>
+            </a:r>
+            <a:r>
+              <a:rPr lang="en-US" sz="2400" dirty="0"/>
               <a:t> Minh</a:t>
             </a:r>
           </a:p>
@@ -4155,13 +4329,20 @@
             <p:ph type="title"/>
           </p:nvPr>
         </p:nvSpPr>
-        <p:spPr/>
-        <p:txBody>
-          <a:bodyPr/>
-          <a:lstStyle/>
-          <a:p>
-            <a:r>
-              <a:rPr lang="en-US" dirty="0"/>
+        <p:spPr>
+          <a:xfrm>
+            <a:off x="838200" y="365126"/>
+            <a:ext cx="10515600" cy="904382"/>
+          </a:xfrm>
+        </p:spPr>
+        <p:txBody>
+          <a:bodyPr>
+            <a:normAutofit/>
+          </a:bodyPr>
+          <a:lstStyle/>
+          <a:p>
+            <a:r>
+              <a:rPr lang="en-US" sz="3600" dirty="0"/>
               <a:t>2. THU THẬP DỮ LIỆU</a:t>
             </a:r>
           </a:p>
@@ -4183,12 +4364,235 @@
             <p:ph idx="1"/>
           </p:nvPr>
         </p:nvSpPr>
-        <p:spPr/>
-        <p:txBody>
-          <a:bodyPr/>
-          <a:lstStyle/>
-          <a:p>
-            <a:endParaRPr lang="en-US"/>
+        <p:spPr>
+          <a:xfrm>
+            <a:off x="838200" y="1269508"/>
+            <a:ext cx="10515600" cy="4907455"/>
+          </a:xfrm>
+        </p:spPr>
+        <p:txBody>
+          <a:bodyPr/>
+          <a:lstStyle/>
+          <a:p>
+            <a:r>
+              <a:rPr lang="en-US" dirty="0" err="1"/>
+              <a:t>Dữ</a:t>
+            </a:r>
+            <a:r>
+              <a:rPr lang="en-US" dirty="0"/>
+              <a:t> </a:t>
+            </a:r>
+            <a:r>
+              <a:rPr lang="en-US" dirty="0" err="1"/>
+              <a:t>liệu</a:t>
+            </a:r>
+            <a:r>
+              <a:rPr lang="en-US" dirty="0"/>
+              <a:t> </a:t>
+            </a:r>
+            <a:r>
+              <a:rPr lang="en-US" dirty="0" err="1"/>
+              <a:t>được</a:t>
+            </a:r>
+            <a:r>
+              <a:rPr lang="en-US" dirty="0"/>
+              <a:t> </a:t>
+            </a:r>
+            <a:r>
+              <a:rPr lang="en-US" dirty="0" err="1"/>
+              <a:t>thu</a:t>
+            </a:r>
+            <a:r>
+              <a:rPr lang="en-US" dirty="0"/>
+              <a:t> </a:t>
+            </a:r>
+            <a:r>
+              <a:rPr lang="en-US" dirty="0" err="1"/>
+              <a:t>thập</a:t>
+            </a:r>
+            <a:r>
+              <a:rPr lang="en-US" dirty="0"/>
+              <a:t> </a:t>
+            </a:r>
+            <a:r>
+              <a:rPr lang="en-US" dirty="0" err="1"/>
+              <a:t>từ</a:t>
+            </a:r>
+            <a:r>
+              <a:rPr lang="en-US" dirty="0"/>
+              <a:t> </a:t>
+            </a:r>
+            <a:r>
+              <a:rPr lang="en-US" dirty="0" err="1"/>
+              <a:t>trang</a:t>
+            </a:r>
+            <a:r>
+              <a:rPr lang="en-US" dirty="0"/>
+              <a:t>:  </a:t>
+            </a:r>
+            <a:r>
+              <a:rPr lang="en-US" dirty="0" err="1">
+                <a:hlinkClick r:id="rId2"/>
+              </a:rPr>
+              <a:t>Rever</a:t>
+            </a:r>
+            <a:r>
+              <a:rPr lang="en-US" dirty="0">
+                <a:hlinkClick r:id="rId2"/>
+              </a:rPr>
+              <a:t> | </a:t>
+            </a:r>
+            <a:r>
+              <a:rPr lang="en-US" dirty="0" err="1">
+                <a:hlinkClick r:id="rId2"/>
+              </a:rPr>
+              <a:t>Mua</a:t>
+            </a:r>
+            <a:r>
+              <a:rPr lang="en-US" dirty="0">
+                <a:hlinkClick r:id="rId2"/>
+              </a:rPr>
+              <a:t> </a:t>
+            </a:r>
+            <a:r>
+              <a:rPr lang="en-US" dirty="0" err="1">
+                <a:hlinkClick r:id="rId2"/>
+              </a:rPr>
+              <a:t>bán</a:t>
+            </a:r>
+            <a:r>
+              <a:rPr lang="en-US" dirty="0">
+                <a:hlinkClick r:id="rId2"/>
+              </a:rPr>
+              <a:t>, </a:t>
+            </a:r>
+            <a:r>
+              <a:rPr lang="en-US" dirty="0" err="1">
+                <a:hlinkClick r:id="rId2"/>
+              </a:rPr>
+              <a:t>cho</a:t>
+            </a:r>
+            <a:r>
+              <a:rPr lang="en-US" dirty="0">
+                <a:hlinkClick r:id="rId2"/>
+              </a:rPr>
+              <a:t> </a:t>
+            </a:r>
+            <a:r>
+              <a:rPr lang="en-US" dirty="0" err="1">
+                <a:hlinkClick r:id="rId2"/>
+              </a:rPr>
+              <a:t>thuê</a:t>
+            </a:r>
+            <a:r>
+              <a:rPr lang="en-US" dirty="0">
+                <a:hlinkClick r:id="rId2"/>
+              </a:rPr>
+              <a:t> </a:t>
+            </a:r>
+            <a:r>
+              <a:rPr lang="en-US" dirty="0" err="1">
+                <a:hlinkClick r:id="rId2"/>
+              </a:rPr>
+              <a:t>nhà</a:t>
+            </a:r>
+            <a:r>
+              <a:rPr lang="en-US" dirty="0">
+                <a:hlinkClick r:id="rId2"/>
+              </a:rPr>
+              <a:t> </a:t>
+            </a:r>
+            <a:r>
+              <a:rPr lang="en-US" dirty="0" err="1">
+                <a:hlinkClick r:id="rId2"/>
+              </a:rPr>
+              <a:t>đất</a:t>
+            </a:r>
+            <a:r>
+              <a:rPr lang="en-US" dirty="0">
+                <a:hlinkClick r:id="rId2"/>
+              </a:rPr>
+              <a:t>, </a:t>
+            </a:r>
+            <a:r>
+              <a:rPr lang="en-US" dirty="0" err="1">
+                <a:hlinkClick r:id="rId2"/>
+              </a:rPr>
+              <a:t>căn</a:t>
+            </a:r>
+            <a:r>
+              <a:rPr lang="en-US" dirty="0">
+                <a:hlinkClick r:id="rId2"/>
+              </a:rPr>
+              <a:t> </a:t>
+            </a:r>
+            <a:r>
+              <a:rPr lang="en-US" dirty="0" err="1">
+                <a:hlinkClick r:id="rId2"/>
+              </a:rPr>
+              <a:t>hộ</a:t>
+            </a:r>
+            <a:r>
+              <a:rPr lang="en-US" dirty="0">
+                <a:hlinkClick r:id="rId2"/>
+              </a:rPr>
+              <a:t>, </a:t>
+            </a:r>
+            <a:r>
+              <a:rPr lang="en-US" dirty="0" err="1">
+                <a:hlinkClick r:id="rId2"/>
+              </a:rPr>
+              <a:t>đất</a:t>
+            </a:r>
+            <a:r>
+              <a:rPr lang="en-US" dirty="0">
+                <a:hlinkClick r:id="rId2"/>
+              </a:rPr>
+              <a:t> </a:t>
+            </a:r>
+            <a:r>
+              <a:rPr lang="en-US" dirty="0" err="1">
+                <a:hlinkClick r:id="rId2"/>
+              </a:rPr>
+              <a:t>nền</a:t>
+            </a:r>
+            <a:r>
+              <a:rPr lang="en-US" dirty="0">
+                <a:hlinkClick r:id="rId2"/>
+              </a:rPr>
+              <a:t> </a:t>
+            </a:r>
+            <a:r>
+              <a:rPr lang="en-US" dirty="0" err="1">
+                <a:hlinkClick r:id="rId2"/>
+              </a:rPr>
+              <a:t>và</a:t>
+            </a:r>
+            <a:r>
+              <a:rPr lang="en-US" dirty="0">
+                <a:hlinkClick r:id="rId2"/>
+              </a:rPr>
+              <a:t> </a:t>
+            </a:r>
+            <a:r>
+              <a:rPr lang="en-US" dirty="0" err="1">
+                <a:hlinkClick r:id="rId2"/>
+              </a:rPr>
+              <a:t>văn</a:t>
+            </a:r>
+            <a:r>
+              <a:rPr lang="en-US" dirty="0">
+                <a:hlinkClick r:id="rId2"/>
+              </a:rPr>
+              <a:t> </a:t>
+            </a:r>
+            <a:r>
+              <a:rPr lang="en-US" dirty="0" err="1">
+                <a:hlinkClick r:id="rId2"/>
+              </a:rPr>
+              <a:t>phòng</a:t>
+            </a:r>
+            <a:endParaRPr lang="en-US" dirty="0"/>
           </a:p>
         </p:txBody>
       </p:sp>
@@ -4240,11 +4644,13 @@
         </p:nvSpPr>
         <p:spPr/>
         <p:txBody>
-          <a:bodyPr/>
-          <a:lstStyle/>
-          <a:p>
-            <a:r>
-              <a:rPr lang="en-US" dirty="0"/>
+          <a:bodyPr>
+            <a:normAutofit/>
+          </a:bodyPr>
+          <a:lstStyle/>
+          <a:p>
+            <a:r>
+              <a:rPr lang="en-US" sz="3600" dirty="0"/>
               <a:t>3. KHÁM PHÁ DỮ LIỆU </a:t>
             </a:r>
           </a:p>

--- a/Project_Slide.pptx
+++ b/Project_Slide.pptx
@@ -4,16 +4,21 @@
   <p:sldMasterIdLst>
     <p:sldMasterId id="2147483734" r:id="rId1"/>
   </p:sldMasterIdLst>
+  <p:notesMasterIdLst>
+    <p:notesMasterId r:id="rId13"/>
+  </p:notesMasterIdLst>
   <p:sldIdLst>
     <p:sldId id="256" r:id="rId2"/>
     <p:sldId id="257" r:id="rId3"/>
     <p:sldId id="258" r:id="rId4"/>
     <p:sldId id="259" r:id="rId5"/>
-    <p:sldId id="260" r:id="rId6"/>
-    <p:sldId id="261" r:id="rId7"/>
-    <p:sldId id="262" r:id="rId8"/>
-    <p:sldId id="263" r:id="rId9"/>
-    <p:sldId id="264" r:id="rId10"/>
+    <p:sldId id="265" r:id="rId6"/>
+    <p:sldId id="260" r:id="rId7"/>
+    <p:sldId id="261" r:id="rId8"/>
+    <p:sldId id="262" r:id="rId9"/>
+    <p:sldId id="263" r:id="rId10"/>
+    <p:sldId id="264" r:id="rId11"/>
+    <p:sldId id="266" r:id="rId12"/>
   </p:sldIdLst>
   <p:sldSz cx="12192000" cy="6858000"/>
   <p:notesSz cx="6858000" cy="9144000"/>
@@ -120,6 +125,869 @@
 </p:presentation>
 </file>
 
+<file path=ppt/revisionInfo.xml><?xml version="1.0" encoding="utf-8"?>
+<p1510:revInfo xmlns:a="http://schemas.openxmlformats.org/drawingml/2006/main" xmlns:r="http://schemas.openxmlformats.org/officeDocument/2006/relationships" xmlns:p1510="http://schemas.microsoft.com/office/powerpoint/2015/10/main">
+  <p1510:revLst>
+    <p1510:client id="{527F3ADB-F1E3-4A5C-AAD0-03074BFA86FB}" v="5" dt="2021-01-15T05:35:55.583"/>
+  </p1510:revLst>
+</p1510:revInfo>
+</file>
+
+<file path=ppt/changesInfos/changesInfo1.xml><?xml version="1.0" encoding="utf-8"?>
+<pc:chgInfo xmlns:a="http://schemas.openxmlformats.org/drawingml/2006/main" xmlns:r="http://schemas.openxmlformats.org/officeDocument/2006/relationships" xmlns:ac="http://schemas.microsoft.com/office/drawing/2013/main/command" xmlns:pc="http://schemas.microsoft.com/office/powerpoint/2013/main/command">
+  <pc:docChgLst>
+    <pc:chgData name="Thuc Pham Dinh" userId="98580a2fcffdd115" providerId="LiveId" clId="{527F3ADB-F1E3-4A5C-AAD0-03074BFA86FB}"/>
+    <pc:docChg chg="undo custSel mod addSld delSld modSld">
+      <pc:chgData name="Thuc Pham Dinh" userId="98580a2fcffdd115" providerId="LiveId" clId="{527F3ADB-F1E3-4A5C-AAD0-03074BFA86FB}" dt="2021-01-15T09:25:20.743" v="4655" actId="20577"/>
+      <pc:docMkLst>
+        <pc:docMk/>
+      </pc:docMkLst>
+      <pc:sldChg chg="addSp delSp modSp mod">
+        <pc:chgData name="Thuc Pham Dinh" userId="98580a2fcffdd115" providerId="LiveId" clId="{527F3ADB-F1E3-4A5C-AAD0-03074BFA86FB}" dt="2021-01-15T05:01:02.068" v="870" actId="113"/>
+        <pc:sldMkLst>
+          <pc:docMk/>
+          <pc:sldMk cId="2399206957" sldId="256"/>
+        </pc:sldMkLst>
+        <pc:spChg chg="mod">
+          <ac:chgData name="Thuc Pham Dinh" userId="98580a2fcffdd115" providerId="LiveId" clId="{527F3ADB-F1E3-4A5C-AAD0-03074BFA86FB}" dt="2021-01-15T05:01:02.068" v="870" actId="113"/>
+          <ac:spMkLst>
+            <pc:docMk/>
+            <pc:sldMk cId="2399206957" sldId="256"/>
+            <ac:spMk id="2" creationId="{FFB1E8C0-B907-4DDC-A367-DA449D37FDB3}"/>
+          </ac:spMkLst>
+        </pc:spChg>
+        <pc:spChg chg="add del">
+          <ac:chgData name="Thuc Pham Dinh" userId="98580a2fcffdd115" providerId="LiveId" clId="{527F3ADB-F1E3-4A5C-AAD0-03074BFA86FB}" dt="2021-01-15T04:56:46.620" v="854"/>
+          <ac:spMkLst>
+            <pc:docMk/>
+            <pc:sldMk cId="2399206957" sldId="256"/>
+            <ac:spMk id="4" creationId="{9FB5B2D7-2E10-41FD-B4A1-BD15E141137B}"/>
+          </ac:spMkLst>
+        </pc:spChg>
+      </pc:sldChg>
+      <pc:sldChg chg="delSp modSp mod">
+        <pc:chgData name="Thuc Pham Dinh" userId="98580a2fcffdd115" providerId="LiveId" clId="{527F3ADB-F1E3-4A5C-AAD0-03074BFA86FB}" dt="2021-01-15T04:56:46.620" v="854"/>
+        <pc:sldMkLst>
+          <pc:docMk/>
+          <pc:sldMk cId="3882075603" sldId="257"/>
+        </pc:sldMkLst>
+        <pc:spChg chg="mod">
+          <ac:chgData name="Thuc Pham Dinh" userId="98580a2fcffdd115" providerId="LiveId" clId="{527F3ADB-F1E3-4A5C-AAD0-03074BFA86FB}" dt="2021-01-15T04:46:06.603" v="21" actId="20577"/>
+          <ac:spMkLst>
+            <pc:docMk/>
+            <pc:sldMk cId="3882075603" sldId="257"/>
+            <ac:spMk id="3" creationId="{1A21D589-C023-4C24-A6B7-9769B6ECB001}"/>
+          </ac:spMkLst>
+        </pc:spChg>
+        <pc:spChg chg="del mod">
+          <ac:chgData name="Thuc Pham Dinh" userId="98580a2fcffdd115" providerId="LiveId" clId="{527F3ADB-F1E3-4A5C-AAD0-03074BFA86FB}" dt="2021-01-15T04:56:46.620" v="854"/>
+          <ac:spMkLst>
+            <pc:docMk/>
+            <pc:sldMk cId="3882075603" sldId="257"/>
+            <ac:spMk id="4" creationId="{7102D3A5-96CF-4EE6-A5EA-AE9A3C031E33}"/>
+          </ac:spMkLst>
+        </pc:spChg>
+      </pc:sldChg>
+      <pc:sldChg chg="delSp">
+        <pc:chgData name="Thuc Pham Dinh" userId="98580a2fcffdd115" providerId="LiveId" clId="{527F3ADB-F1E3-4A5C-AAD0-03074BFA86FB}" dt="2021-01-15T04:56:46.620" v="854"/>
+        <pc:sldMkLst>
+          <pc:docMk/>
+          <pc:sldMk cId="627518273" sldId="258"/>
+        </pc:sldMkLst>
+        <pc:spChg chg="del">
+          <ac:chgData name="Thuc Pham Dinh" userId="98580a2fcffdd115" providerId="LiveId" clId="{527F3ADB-F1E3-4A5C-AAD0-03074BFA86FB}" dt="2021-01-15T04:56:46.620" v="854"/>
+          <ac:spMkLst>
+            <pc:docMk/>
+            <pc:sldMk cId="627518273" sldId="258"/>
+            <ac:spMk id="4" creationId="{82136E21-8221-4E8B-B868-374FFD64E355}"/>
+          </ac:spMkLst>
+        </pc:spChg>
+      </pc:sldChg>
+      <pc:sldChg chg="delSp modSp mod">
+        <pc:chgData name="Thuc Pham Dinh" userId="98580a2fcffdd115" providerId="LiveId" clId="{527F3ADB-F1E3-4A5C-AAD0-03074BFA86FB}" dt="2021-01-15T04:56:46.620" v="854"/>
+        <pc:sldMkLst>
+          <pc:docMk/>
+          <pc:sldMk cId="2800527668" sldId="259"/>
+        </pc:sldMkLst>
+        <pc:spChg chg="mod">
+          <ac:chgData name="Thuc Pham Dinh" userId="98580a2fcffdd115" providerId="LiveId" clId="{527F3ADB-F1E3-4A5C-AAD0-03074BFA86FB}" dt="2021-01-15T04:54:45.703" v="845" actId="20577"/>
+          <ac:spMkLst>
+            <pc:docMk/>
+            <pc:sldMk cId="2800527668" sldId="259"/>
+            <ac:spMk id="3" creationId="{F3B25212-25BA-4914-8006-BDB2FB20BF2D}"/>
+          </ac:spMkLst>
+        </pc:spChg>
+        <pc:spChg chg="del">
+          <ac:chgData name="Thuc Pham Dinh" userId="98580a2fcffdd115" providerId="LiveId" clId="{527F3ADB-F1E3-4A5C-AAD0-03074BFA86FB}" dt="2021-01-15T04:56:46.620" v="854"/>
+          <ac:spMkLst>
+            <pc:docMk/>
+            <pc:sldMk cId="2800527668" sldId="259"/>
+            <ac:spMk id="4" creationId="{F2B8FD19-9AB8-45A4-BC33-5DE83D64D5BE}"/>
+          </ac:spMkLst>
+        </pc:spChg>
+      </pc:sldChg>
+      <pc:sldChg chg="addSp delSp modSp mod setBg">
+        <pc:chgData name="Thuc Pham Dinh" userId="98580a2fcffdd115" providerId="LiveId" clId="{527F3ADB-F1E3-4A5C-AAD0-03074BFA86FB}" dt="2021-01-15T05:31:16.272" v="1672" actId="1076"/>
+        <pc:sldMkLst>
+          <pc:docMk/>
+          <pc:sldMk cId="2050609007" sldId="260"/>
+        </pc:sldMkLst>
+        <pc:spChg chg="mod">
+          <ac:chgData name="Thuc Pham Dinh" userId="98580a2fcffdd115" providerId="LiveId" clId="{527F3ADB-F1E3-4A5C-AAD0-03074BFA86FB}" dt="2021-01-15T05:24:05.548" v="885" actId="26606"/>
+          <ac:spMkLst>
+            <pc:docMk/>
+            <pc:sldMk cId="2050609007" sldId="260"/>
+            <ac:spMk id="2" creationId="{9E5D42ED-4E5B-4BAB-8969-949BE50950EB}"/>
+          </ac:spMkLst>
+        </pc:spChg>
+        <pc:spChg chg="del">
+          <ac:chgData name="Thuc Pham Dinh" userId="98580a2fcffdd115" providerId="LiveId" clId="{527F3ADB-F1E3-4A5C-AAD0-03074BFA86FB}" dt="2021-01-15T04:55:30.237" v="846" actId="22"/>
+          <ac:spMkLst>
+            <pc:docMk/>
+            <pc:sldMk cId="2050609007" sldId="260"/>
+            <ac:spMk id="3" creationId="{09515745-3ED8-45F6-BC64-626BAD21941A}"/>
+          </ac:spMkLst>
+        </pc:spChg>
+        <pc:spChg chg="del">
+          <ac:chgData name="Thuc Pham Dinh" userId="98580a2fcffdd115" providerId="LiveId" clId="{527F3ADB-F1E3-4A5C-AAD0-03074BFA86FB}" dt="2021-01-15T04:56:46.620" v="854"/>
+          <ac:spMkLst>
+            <pc:docMk/>
+            <pc:sldMk cId="2050609007" sldId="260"/>
+            <ac:spMk id="6" creationId="{084E8B88-0DE6-4264-98CD-DCDA326E8BB4}"/>
+          </ac:spMkLst>
+        </pc:spChg>
+        <pc:spChg chg="add del mod">
+          <ac:chgData name="Thuc Pham Dinh" userId="98580a2fcffdd115" providerId="LiveId" clId="{527F3ADB-F1E3-4A5C-AAD0-03074BFA86FB}" dt="2021-01-15T04:59:24.412" v="856" actId="478"/>
+          <ac:spMkLst>
+            <pc:docMk/>
+            <pc:sldMk cId="2050609007" sldId="260"/>
+            <ac:spMk id="8" creationId="{B8ED2995-7B02-4BE6-AE53-BEC472E4D841}"/>
+          </ac:spMkLst>
+        </pc:spChg>
+        <pc:spChg chg="add del mod">
+          <ac:chgData name="Thuc Pham Dinh" userId="98580a2fcffdd115" providerId="LiveId" clId="{527F3ADB-F1E3-4A5C-AAD0-03074BFA86FB}" dt="2021-01-15T05:23:46.063" v="873" actId="22"/>
+          <ac:spMkLst>
+            <pc:docMk/>
+            <pc:sldMk cId="2050609007" sldId="260"/>
+            <ac:spMk id="10" creationId="{2D58CA2B-D93F-47EC-A2F4-61347B476831}"/>
+          </ac:spMkLst>
+        </pc:spChg>
+        <pc:spChg chg="add mod">
+          <ac:chgData name="Thuc Pham Dinh" userId="98580a2fcffdd115" providerId="LiveId" clId="{527F3ADB-F1E3-4A5C-AAD0-03074BFA86FB}" dt="2021-01-15T05:30:38.265" v="1664" actId="5793"/>
+          <ac:spMkLst>
+            <pc:docMk/>
+            <pc:sldMk cId="2050609007" sldId="260"/>
+            <ac:spMk id="14" creationId="{A8D01AA7-01C9-4EC0-A140-6B46C662A5FD}"/>
+          </ac:spMkLst>
+        </pc:spChg>
+        <pc:spChg chg="add del">
+          <ac:chgData name="Thuc Pham Dinh" userId="98580a2fcffdd115" providerId="LiveId" clId="{527F3ADB-F1E3-4A5C-AAD0-03074BFA86FB}" dt="2021-01-15T05:23:54.127" v="875" actId="26606"/>
+          <ac:spMkLst>
+            <pc:docMk/>
+            <pc:sldMk cId="2050609007" sldId="260"/>
+            <ac:spMk id="16" creationId="{7AEAD7C0-AAEF-4ECA-AD95-B1B84E805DC4}"/>
+          </ac:spMkLst>
+        </pc:spChg>
+        <pc:spChg chg="add del">
+          <ac:chgData name="Thuc Pham Dinh" userId="98580a2fcffdd115" providerId="LiveId" clId="{527F3ADB-F1E3-4A5C-AAD0-03074BFA86FB}" dt="2021-01-15T05:24:05.548" v="885" actId="26606"/>
+          <ac:spMkLst>
+            <pc:docMk/>
+            <pc:sldMk cId="2050609007" sldId="260"/>
+            <ac:spMk id="17" creationId="{53F29798-D584-4792-9B62-3F5F5C36D619}"/>
+          </ac:spMkLst>
+        </pc:spChg>
+        <pc:spChg chg="add del">
+          <ac:chgData name="Thuc Pham Dinh" userId="98580a2fcffdd115" providerId="LiveId" clId="{527F3ADB-F1E3-4A5C-AAD0-03074BFA86FB}" dt="2021-01-15T05:23:54.127" v="875" actId="26606"/>
+          <ac:spMkLst>
+            <pc:docMk/>
+            <pc:sldMk cId="2050609007" sldId="260"/>
+            <ac:spMk id="19" creationId="{EBF87945-A001-489F-9D9B-7D9435F0B9CA}"/>
+          </ac:spMkLst>
+        </pc:spChg>
+        <pc:spChg chg="add del">
+          <ac:chgData name="Thuc Pham Dinh" userId="98580a2fcffdd115" providerId="LiveId" clId="{527F3ADB-F1E3-4A5C-AAD0-03074BFA86FB}" dt="2021-01-15T05:23:55.105" v="877" actId="26606"/>
+          <ac:spMkLst>
+            <pc:docMk/>
+            <pc:sldMk cId="2050609007" sldId="260"/>
+            <ac:spMk id="27" creationId="{F4C0B10B-D2C4-4A54-AFAD-3D27DF88BB37}"/>
+          </ac:spMkLst>
+        </pc:spChg>
+        <pc:spChg chg="add del">
+          <ac:chgData name="Thuc Pham Dinh" userId="98580a2fcffdd115" providerId="LiveId" clId="{527F3ADB-F1E3-4A5C-AAD0-03074BFA86FB}" dt="2021-01-15T05:23:55.105" v="877" actId="26606"/>
+          <ac:spMkLst>
+            <pc:docMk/>
+            <pc:sldMk cId="2050609007" sldId="260"/>
+            <ac:spMk id="28" creationId="{69FAD6D8-B1E9-4542-874E-EB8D6605F705}"/>
+          </ac:spMkLst>
+        </pc:spChg>
+        <pc:spChg chg="add del">
+          <ac:chgData name="Thuc Pham Dinh" userId="98580a2fcffdd115" providerId="LiveId" clId="{527F3ADB-F1E3-4A5C-AAD0-03074BFA86FB}" dt="2021-01-15T05:23:57.887" v="879" actId="26606"/>
+          <ac:spMkLst>
+            <pc:docMk/>
+            <pc:sldMk cId="2050609007" sldId="260"/>
+            <ac:spMk id="30" creationId="{EBF87945-A001-489F-9D9B-7D9435F0B9CA}"/>
+          </ac:spMkLst>
+        </pc:spChg>
+        <pc:spChg chg="add del">
+          <ac:chgData name="Thuc Pham Dinh" userId="98580a2fcffdd115" providerId="LiveId" clId="{527F3ADB-F1E3-4A5C-AAD0-03074BFA86FB}" dt="2021-01-15T05:23:57.887" v="879" actId="26606"/>
+          <ac:spMkLst>
+            <pc:docMk/>
+            <pc:sldMk cId="2050609007" sldId="260"/>
+            <ac:spMk id="31" creationId="{7AEAD7C0-AAEF-4ECA-AD95-B1B84E805DC4}"/>
+          </ac:spMkLst>
+        </pc:spChg>
+        <pc:grpChg chg="add del">
+          <ac:chgData name="Thuc Pham Dinh" userId="98580a2fcffdd115" providerId="LiveId" clId="{527F3ADB-F1E3-4A5C-AAD0-03074BFA86FB}" dt="2021-01-15T05:23:55.105" v="877" actId="26606"/>
+          <ac:grpSpMkLst>
+            <pc:docMk/>
+            <pc:sldMk cId="2050609007" sldId="260"/>
+            <ac:grpSpMk id="21" creationId="{B6BADB90-C74B-40D6-86DC-503F65FCE8DC}"/>
+          </ac:grpSpMkLst>
+        </pc:grpChg>
+        <pc:picChg chg="add del mod ord">
+          <ac:chgData name="Thuc Pham Dinh" userId="98580a2fcffdd115" providerId="LiveId" clId="{527F3ADB-F1E3-4A5C-AAD0-03074BFA86FB}" dt="2021-01-15T04:59:27.743" v="858" actId="478"/>
+          <ac:picMkLst>
+            <pc:docMk/>
+            <pc:sldMk cId="2050609007" sldId="260"/>
+            <ac:picMk id="5" creationId="{A148862F-AAFB-41E7-82E3-5097D9E285F4}"/>
+          </ac:picMkLst>
+        </pc:picChg>
+        <pc:picChg chg="add del mod ord">
+          <ac:chgData name="Thuc Pham Dinh" userId="98580a2fcffdd115" providerId="LiveId" clId="{527F3ADB-F1E3-4A5C-AAD0-03074BFA86FB}" dt="2021-01-15T05:24:20.154" v="888" actId="478"/>
+          <ac:picMkLst>
+            <pc:docMk/>
+            <pc:sldMk cId="2050609007" sldId="260"/>
+            <ac:picMk id="12" creationId="{40C858A4-1752-43FF-B451-656D393E5E86}"/>
+          </ac:picMkLst>
+        </pc:picChg>
+        <pc:picChg chg="add del mod">
+          <ac:chgData name="Thuc Pham Dinh" userId="98580a2fcffdd115" providerId="LiveId" clId="{527F3ADB-F1E3-4A5C-AAD0-03074BFA86FB}" dt="2021-01-15T05:29:48.553" v="1640" actId="478"/>
+          <ac:picMkLst>
+            <pc:docMk/>
+            <pc:sldMk cId="2050609007" sldId="260"/>
+            <ac:picMk id="18" creationId="{BA165B39-2DDA-440F-AC38-C26673E76183}"/>
+          </ac:picMkLst>
+        </pc:picChg>
+        <pc:picChg chg="add del mod">
+          <ac:chgData name="Thuc Pham Dinh" userId="98580a2fcffdd115" providerId="LiveId" clId="{527F3ADB-F1E3-4A5C-AAD0-03074BFA86FB}" dt="2021-01-15T05:26:31.770" v="1278" actId="478"/>
+          <ac:picMkLst>
+            <pc:docMk/>
+            <pc:sldMk cId="2050609007" sldId="260"/>
+            <ac:picMk id="29" creationId="{B47B507B-8B84-4F42-84AD-78CCC1B94EEC}"/>
+          </ac:picMkLst>
+        </pc:picChg>
+        <pc:picChg chg="add mod">
+          <ac:chgData name="Thuc Pham Dinh" userId="98580a2fcffdd115" providerId="LiveId" clId="{527F3ADB-F1E3-4A5C-AAD0-03074BFA86FB}" dt="2021-01-15T05:31:16.272" v="1672" actId="1076"/>
+          <ac:picMkLst>
+            <pc:docMk/>
+            <pc:sldMk cId="2050609007" sldId="260"/>
+            <ac:picMk id="32" creationId="{9A47D39E-4F61-4251-B27E-E9C819B0ACA3}"/>
+          </ac:picMkLst>
+        </pc:picChg>
+      </pc:sldChg>
+      <pc:sldChg chg="addSp delSp modSp mod">
+        <pc:chgData name="Thuc Pham Dinh" userId="98580a2fcffdd115" providerId="LiveId" clId="{527F3ADB-F1E3-4A5C-AAD0-03074BFA86FB}" dt="2021-01-15T05:41:13.562" v="2940" actId="20577"/>
+        <pc:sldMkLst>
+          <pc:docMk/>
+          <pc:sldMk cId="1318265834" sldId="261"/>
+        </pc:sldMkLst>
+        <pc:spChg chg="mod">
+          <ac:chgData name="Thuc Pham Dinh" userId="98580a2fcffdd115" providerId="LiveId" clId="{527F3ADB-F1E3-4A5C-AAD0-03074BFA86FB}" dt="2021-01-15T05:31:05.638" v="1668" actId="27636"/>
+          <ac:spMkLst>
+            <pc:docMk/>
+            <pc:sldMk cId="1318265834" sldId="261"/>
+            <ac:spMk id="2" creationId="{FBDD48B5-F843-4731-B794-2953139379F9}"/>
+          </ac:spMkLst>
+        </pc:spChg>
+        <pc:spChg chg="mod">
+          <ac:chgData name="Thuc Pham Dinh" userId="98580a2fcffdd115" providerId="LiveId" clId="{527F3ADB-F1E3-4A5C-AAD0-03074BFA86FB}" dt="2021-01-15T05:41:13.562" v="2940" actId="20577"/>
+          <ac:spMkLst>
+            <pc:docMk/>
+            <pc:sldMk cId="1318265834" sldId="261"/>
+            <ac:spMk id="3" creationId="{AB73B5AC-8169-4FA3-9024-C2C2392F7993}"/>
+          </ac:spMkLst>
+        </pc:spChg>
+        <pc:spChg chg="del">
+          <ac:chgData name="Thuc Pham Dinh" userId="98580a2fcffdd115" providerId="LiveId" clId="{527F3ADB-F1E3-4A5C-AAD0-03074BFA86FB}" dt="2021-01-15T04:56:46.620" v="854"/>
+          <ac:spMkLst>
+            <pc:docMk/>
+            <pc:sldMk cId="1318265834" sldId="261"/>
+            <ac:spMk id="4" creationId="{8434C443-8C64-473F-81D4-5758DA7A125B}"/>
+          </ac:spMkLst>
+        </pc:spChg>
+        <pc:spChg chg="add del">
+          <ac:chgData name="Thuc Pham Dinh" userId="98580a2fcffdd115" providerId="LiveId" clId="{527F3ADB-F1E3-4A5C-AAD0-03074BFA86FB}" dt="2021-01-15T05:35:55.583" v="2232"/>
+          <ac:spMkLst>
+            <pc:docMk/>
+            <pc:sldMk cId="1318265834" sldId="261"/>
+            <ac:spMk id="5" creationId="{810DA254-E8DD-4D0F-BC63-69576F7C34A4}"/>
+          </ac:spMkLst>
+        </pc:spChg>
+      </pc:sldChg>
+      <pc:sldChg chg="addSp delSp modSp mod">
+        <pc:chgData name="Thuc Pham Dinh" userId="98580a2fcffdd115" providerId="LiveId" clId="{527F3ADB-F1E3-4A5C-AAD0-03074BFA86FB}" dt="2021-01-15T05:56:38.817" v="3455" actId="1076"/>
+        <pc:sldMkLst>
+          <pc:docMk/>
+          <pc:sldMk cId="4225187407" sldId="262"/>
+        </pc:sldMkLst>
+        <pc:spChg chg="mod">
+          <ac:chgData name="Thuc Pham Dinh" userId="98580a2fcffdd115" providerId="LiveId" clId="{527F3ADB-F1E3-4A5C-AAD0-03074BFA86FB}" dt="2021-01-15T05:52:33.269" v="3032" actId="14100"/>
+          <ac:spMkLst>
+            <pc:docMk/>
+            <pc:sldMk cId="4225187407" sldId="262"/>
+            <ac:spMk id="2" creationId="{20B2A865-B223-4F25-96A9-6AA025377E5F}"/>
+          </ac:spMkLst>
+        </pc:spChg>
+        <pc:spChg chg="mod">
+          <ac:chgData name="Thuc Pham Dinh" userId="98580a2fcffdd115" providerId="LiveId" clId="{527F3ADB-F1E3-4A5C-AAD0-03074BFA86FB}" dt="2021-01-15T05:56:11.557" v="3449"/>
+          <ac:spMkLst>
+            <pc:docMk/>
+            <pc:sldMk cId="4225187407" sldId="262"/>
+            <ac:spMk id="3" creationId="{0C1B28F9-2B74-403F-8C72-26FE66A7974C}"/>
+          </ac:spMkLst>
+        </pc:spChg>
+        <pc:spChg chg="del">
+          <ac:chgData name="Thuc Pham Dinh" userId="98580a2fcffdd115" providerId="LiveId" clId="{527F3ADB-F1E3-4A5C-AAD0-03074BFA86FB}" dt="2021-01-15T04:56:46.620" v="854"/>
+          <ac:spMkLst>
+            <pc:docMk/>
+            <pc:sldMk cId="4225187407" sldId="262"/>
+            <ac:spMk id="4" creationId="{779D0A49-C42D-484C-9DFB-91C37001962D}"/>
+          </ac:spMkLst>
+        </pc:spChg>
+        <pc:picChg chg="add mod">
+          <ac:chgData name="Thuc Pham Dinh" userId="98580a2fcffdd115" providerId="LiveId" clId="{527F3ADB-F1E3-4A5C-AAD0-03074BFA86FB}" dt="2021-01-15T05:56:38.817" v="3455" actId="1076"/>
+          <ac:picMkLst>
+            <pc:docMk/>
+            <pc:sldMk cId="4225187407" sldId="262"/>
+            <ac:picMk id="6" creationId="{9DBCBEFE-EAEB-4B91-9823-7D50773D7B27}"/>
+          </ac:picMkLst>
+        </pc:picChg>
+      </pc:sldChg>
+      <pc:sldChg chg="addSp delSp modSp mod">
+        <pc:chgData name="Thuc Pham Dinh" userId="98580a2fcffdd115" providerId="LiveId" clId="{527F3ADB-F1E3-4A5C-AAD0-03074BFA86FB}" dt="2021-01-15T09:19:31.819" v="3819" actId="1076"/>
+        <pc:sldMkLst>
+          <pc:docMk/>
+          <pc:sldMk cId="2931203277" sldId="263"/>
+        </pc:sldMkLst>
+        <pc:spChg chg="mod">
+          <ac:chgData name="Thuc Pham Dinh" userId="98580a2fcffdd115" providerId="LiveId" clId="{527F3ADB-F1E3-4A5C-AAD0-03074BFA86FB}" dt="2021-01-15T09:19:28.102" v="3817" actId="20577"/>
+          <ac:spMkLst>
+            <pc:docMk/>
+            <pc:sldMk cId="2931203277" sldId="263"/>
+            <ac:spMk id="3" creationId="{0940FBA7-8F25-44B2-97DE-6FD16A769C16}"/>
+          </ac:spMkLst>
+        </pc:spChg>
+        <pc:spChg chg="del">
+          <ac:chgData name="Thuc Pham Dinh" userId="98580a2fcffdd115" providerId="LiveId" clId="{527F3ADB-F1E3-4A5C-AAD0-03074BFA86FB}" dt="2021-01-15T04:56:46.620" v="854"/>
+          <ac:spMkLst>
+            <pc:docMk/>
+            <pc:sldMk cId="2931203277" sldId="263"/>
+            <ac:spMk id="4" creationId="{071C406A-0C34-475A-B7C3-DF70DFE79E77}"/>
+          </ac:spMkLst>
+        </pc:spChg>
+        <pc:picChg chg="add mod">
+          <ac:chgData name="Thuc Pham Dinh" userId="98580a2fcffdd115" providerId="LiveId" clId="{527F3ADB-F1E3-4A5C-AAD0-03074BFA86FB}" dt="2021-01-15T09:19:29.748" v="3818" actId="1076"/>
+          <ac:picMkLst>
+            <pc:docMk/>
+            <pc:sldMk cId="2931203277" sldId="263"/>
+            <ac:picMk id="6" creationId="{2BB05A40-071B-4908-977D-0168E1CD1FE4}"/>
+          </ac:picMkLst>
+        </pc:picChg>
+        <pc:picChg chg="add mod">
+          <ac:chgData name="Thuc Pham Dinh" userId="98580a2fcffdd115" providerId="LiveId" clId="{527F3ADB-F1E3-4A5C-AAD0-03074BFA86FB}" dt="2021-01-15T09:19:31.819" v="3819" actId="1076"/>
+          <ac:picMkLst>
+            <pc:docMk/>
+            <pc:sldMk cId="2931203277" sldId="263"/>
+            <ac:picMk id="8" creationId="{1249E3A0-B9A5-4B18-95DE-9FD8639536FC}"/>
+          </ac:picMkLst>
+        </pc:picChg>
+      </pc:sldChg>
+      <pc:sldChg chg="delSp modSp mod">
+        <pc:chgData name="Thuc Pham Dinh" userId="98580a2fcffdd115" providerId="LiveId" clId="{527F3ADB-F1E3-4A5C-AAD0-03074BFA86FB}" dt="2021-01-15T09:24:19.710" v="4589" actId="20577"/>
+        <pc:sldMkLst>
+          <pc:docMk/>
+          <pc:sldMk cId="3404310540" sldId="264"/>
+        </pc:sldMkLst>
+        <pc:spChg chg="mod">
+          <ac:chgData name="Thuc Pham Dinh" userId="98580a2fcffdd115" providerId="LiveId" clId="{527F3ADB-F1E3-4A5C-AAD0-03074BFA86FB}" dt="2021-01-15T09:21:10.861" v="3898" actId="20577"/>
+          <ac:spMkLst>
+            <pc:docMk/>
+            <pc:sldMk cId="3404310540" sldId="264"/>
+            <ac:spMk id="2" creationId="{CB9CA0A3-9467-44C8-9A6A-614498D2580F}"/>
+          </ac:spMkLst>
+        </pc:spChg>
+        <pc:spChg chg="mod">
+          <ac:chgData name="Thuc Pham Dinh" userId="98580a2fcffdd115" providerId="LiveId" clId="{527F3ADB-F1E3-4A5C-AAD0-03074BFA86FB}" dt="2021-01-15T09:24:19.710" v="4589" actId="20577"/>
+          <ac:spMkLst>
+            <pc:docMk/>
+            <pc:sldMk cId="3404310540" sldId="264"/>
+            <ac:spMk id="3" creationId="{3AB3627B-788E-4220-9FF4-E27AD7DAED2A}"/>
+          </ac:spMkLst>
+        </pc:spChg>
+        <pc:spChg chg="del">
+          <ac:chgData name="Thuc Pham Dinh" userId="98580a2fcffdd115" providerId="LiveId" clId="{527F3ADB-F1E3-4A5C-AAD0-03074BFA86FB}" dt="2021-01-15T04:56:46.620" v="854"/>
+          <ac:spMkLst>
+            <pc:docMk/>
+            <pc:sldMk cId="3404310540" sldId="264"/>
+            <ac:spMk id="4" creationId="{0D8E884C-8768-468E-973B-30FFBA7414FE}"/>
+          </ac:spMkLst>
+        </pc:spChg>
+      </pc:sldChg>
+      <pc:sldChg chg="addSp delSp modSp new mod">
+        <pc:chgData name="Thuc Pham Dinh" userId="98580a2fcffdd115" providerId="LiveId" clId="{527F3ADB-F1E3-4A5C-AAD0-03074BFA86FB}" dt="2021-01-15T05:00:06.301" v="869" actId="1076"/>
+        <pc:sldMkLst>
+          <pc:docMk/>
+          <pc:sldMk cId="833916804" sldId="265"/>
+        </pc:sldMkLst>
+        <pc:spChg chg="mod">
+          <ac:chgData name="Thuc Pham Dinh" userId="98580a2fcffdd115" providerId="LiveId" clId="{527F3ADB-F1E3-4A5C-AAD0-03074BFA86FB}" dt="2021-01-15T04:59:56.261" v="863" actId="14100"/>
+          <ac:spMkLst>
+            <pc:docMk/>
+            <pc:sldMk cId="833916804" sldId="265"/>
+            <ac:spMk id="2" creationId="{E33657BE-7C78-43E1-B13E-B17DCCE9F9AE}"/>
+          </ac:spMkLst>
+        </pc:spChg>
+        <pc:spChg chg="del">
+          <ac:chgData name="Thuc Pham Dinh" userId="98580a2fcffdd115" providerId="LiveId" clId="{527F3ADB-F1E3-4A5C-AAD0-03074BFA86FB}" dt="2021-01-15T04:59:39.276" v="860" actId="22"/>
+          <ac:spMkLst>
+            <pc:docMk/>
+            <pc:sldMk cId="833916804" sldId="265"/>
+            <ac:spMk id="3" creationId="{9EB59BBB-2A7D-4227-8D9D-0BE5EF6909BE}"/>
+          </ac:spMkLst>
+        </pc:spChg>
+        <pc:picChg chg="add mod ord">
+          <ac:chgData name="Thuc Pham Dinh" userId="98580a2fcffdd115" providerId="LiveId" clId="{527F3ADB-F1E3-4A5C-AAD0-03074BFA86FB}" dt="2021-01-15T05:00:06.301" v="869" actId="1076"/>
+          <ac:picMkLst>
+            <pc:docMk/>
+            <pc:sldMk cId="833916804" sldId="265"/>
+            <ac:picMk id="5" creationId="{439A0C12-0BA0-4071-BDAC-20797E17E2B1}"/>
+          </ac:picMkLst>
+        </pc:picChg>
+      </pc:sldChg>
+      <pc:sldChg chg="addSp delSp modSp new del mod">
+        <pc:chgData name="Thuc Pham Dinh" userId="98580a2fcffdd115" providerId="LiveId" clId="{527F3ADB-F1E3-4A5C-AAD0-03074BFA86FB}" dt="2021-01-15T05:43:49.168" v="3031" actId="47"/>
+        <pc:sldMkLst>
+          <pc:docMk/>
+          <pc:sldMk cId="1206721603" sldId="266"/>
+        </pc:sldMkLst>
+        <pc:spChg chg="mod">
+          <ac:chgData name="Thuc Pham Dinh" userId="98580a2fcffdd115" providerId="LiveId" clId="{527F3ADB-F1E3-4A5C-AAD0-03074BFA86FB}" dt="2021-01-15T05:42:51.841" v="3025" actId="14100"/>
+          <ac:spMkLst>
+            <pc:docMk/>
+            <pc:sldMk cId="1206721603" sldId="266"/>
+            <ac:spMk id="2" creationId="{5BA566BA-42EE-4E53-91F4-6626C8DB5C27}"/>
+          </ac:spMkLst>
+        </pc:spChg>
+        <pc:spChg chg="del">
+          <ac:chgData name="Thuc Pham Dinh" userId="98580a2fcffdd115" providerId="LiveId" clId="{527F3ADB-F1E3-4A5C-AAD0-03074BFA86FB}" dt="2021-01-15T05:42:06.345" v="2970" actId="22"/>
+          <ac:spMkLst>
+            <pc:docMk/>
+            <pc:sldMk cId="1206721603" sldId="266"/>
+            <ac:spMk id="3" creationId="{D176FAA0-23C4-42F6-8777-D5535C6E7AA7}"/>
+          </ac:spMkLst>
+        </pc:spChg>
+        <pc:spChg chg="add mod">
+          <ac:chgData name="Thuc Pham Dinh" userId="98580a2fcffdd115" providerId="LiveId" clId="{527F3ADB-F1E3-4A5C-AAD0-03074BFA86FB}" dt="2021-01-15T05:42:54.400" v="3026" actId="14100"/>
+          <ac:spMkLst>
+            <pc:docMk/>
+            <pc:sldMk cId="1206721603" sldId="266"/>
+            <ac:spMk id="7" creationId="{93B04099-671B-4F85-BFC2-100C1B5A3B59}"/>
+          </ac:spMkLst>
+        </pc:spChg>
+        <pc:picChg chg="add del mod ord">
+          <ac:chgData name="Thuc Pham Dinh" userId="98580a2fcffdd115" providerId="LiveId" clId="{527F3ADB-F1E3-4A5C-AAD0-03074BFA86FB}" dt="2021-01-15T05:42:14.247" v="2973" actId="478"/>
+          <ac:picMkLst>
+            <pc:docMk/>
+            <pc:sldMk cId="1206721603" sldId="266"/>
+            <ac:picMk id="5" creationId="{0FE8B65B-4323-4DE7-B826-672E8345BF6A}"/>
+          </ac:picMkLst>
+        </pc:picChg>
+        <pc:picChg chg="add del mod">
+          <ac:chgData name="Thuc Pham Dinh" userId="98580a2fcffdd115" providerId="LiveId" clId="{527F3ADB-F1E3-4A5C-AAD0-03074BFA86FB}" dt="2021-01-15T05:43:14.288" v="3030" actId="478"/>
+          <ac:picMkLst>
+            <pc:docMk/>
+            <pc:sldMk cId="1206721603" sldId="266"/>
+            <ac:picMk id="9" creationId="{2D121EA7-99EC-4B73-87A5-63116E1A70E7}"/>
+          </ac:picMkLst>
+        </pc:picChg>
+      </pc:sldChg>
+      <pc:sldChg chg="delSp modSp new mod">
+        <pc:chgData name="Thuc Pham Dinh" userId="98580a2fcffdd115" providerId="LiveId" clId="{527F3ADB-F1E3-4A5C-AAD0-03074BFA86FB}" dt="2021-01-15T09:25:20.743" v="4655" actId="20577"/>
+        <pc:sldMkLst>
+          <pc:docMk/>
+          <pc:sldMk cId="2397671373" sldId="266"/>
+        </pc:sldMkLst>
+        <pc:spChg chg="del mod">
+          <ac:chgData name="Thuc Pham Dinh" userId="98580a2fcffdd115" providerId="LiveId" clId="{527F3ADB-F1E3-4A5C-AAD0-03074BFA86FB}" dt="2021-01-15T09:25:18.396" v="4654" actId="478"/>
+          <ac:spMkLst>
+            <pc:docMk/>
+            <pc:sldMk cId="2397671373" sldId="266"/>
+            <ac:spMk id="2" creationId="{77115E1A-85E5-4806-A14A-95EB1FF88B04}"/>
+          </ac:spMkLst>
+        </pc:spChg>
+        <pc:spChg chg="mod">
+          <ac:chgData name="Thuc Pham Dinh" userId="98580a2fcffdd115" providerId="LiveId" clId="{527F3ADB-F1E3-4A5C-AAD0-03074BFA86FB}" dt="2021-01-15T09:25:20.743" v="4655" actId="20577"/>
+          <ac:spMkLst>
+            <pc:docMk/>
+            <pc:sldMk cId="2397671373" sldId="266"/>
+            <ac:spMk id="3" creationId="{D4405420-B843-4312-8BF5-88077031A310}"/>
+          </ac:spMkLst>
+        </pc:spChg>
+      </pc:sldChg>
+    </pc:docChg>
+  </pc:docChgLst>
+</pc:chgInfo>
+</file>
+
+<file path=ppt/notesMasters/notesMaster1.xml><?xml version="1.0" encoding="utf-8"?>
+<p:notesMaster xmlns:a="http://schemas.openxmlformats.org/drawingml/2006/main" xmlns:r="http://schemas.openxmlformats.org/officeDocument/2006/relationships" xmlns:p="http://schemas.openxmlformats.org/presentationml/2006/main">
+  <p:cSld>
+    <p:bg>
+      <p:bgRef idx="1001">
+        <a:schemeClr val="bg1"/>
+      </p:bgRef>
+    </p:bg>
+    <p:spTree>
+      <p:nvGrpSpPr>
+        <p:cNvPr id="1" name=""/>
+        <p:cNvGrpSpPr/>
+        <p:nvPr/>
+      </p:nvGrpSpPr>
+      <p:grpSpPr>
+        <a:xfrm>
+          <a:off x="0" y="0"/>
+          <a:ext cx="0" cy="0"/>
+          <a:chOff x="0" y="0"/>
+          <a:chExt cx="0" cy="0"/>
+        </a:xfrm>
+      </p:grpSpPr>
+      <p:sp>
+        <p:nvSpPr>
+          <p:cNvPr id="2" name="Header Placeholder 1"/>
+          <p:cNvSpPr>
+            <a:spLocks noGrp="1"/>
+          </p:cNvSpPr>
+          <p:nvPr>
+            <p:ph type="hdr" sz="quarter"/>
+          </p:nvPr>
+        </p:nvSpPr>
+        <p:spPr>
+          <a:xfrm>
+            <a:off x="0" y="0"/>
+            <a:ext cx="2971800" cy="458788"/>
+          </a:xfrm>
+          <a:prstGeom prst="rect">
+            <a:avLst/>
+          </a:prstGeom>
+        </p:spPr>
+        <p:txBody>
+          <a:bodyPr vert="horz" lIns="91440" tIns="45720" rIns="91440" bIns="45720" rtlCol="0"/>
+          <a:lstStyle>
+            <a:lvl1pPr algn="l">
+              <a:defRPr sz="1200"/>
+            </a:lvl1pPr>
+          </a:lstStyle>
+          <a:p>
+            <a:endParaRPr lang="en-US"/>
+          </a:p>
+        </p:txBody>
+      </p:sp>
+      <p:sp>
+        <p:nvSpPr>
+          <p:cNvPr id="3" name="Date Placeholder 2"/>
+          <p:cNvSpPr>
+            <a:spLocks noGrp="1"/>
+          </p:cNvSpPr>
+          <p:nvPr>
+            <p:ph type="dt" idx="1"/>
+          </p:nvPr>
+        </p:nvSpPr>
+        <p:spPr>
+          <a:xfrm>
+            <a:off x="3884613" y="0"/>
+            <a:ext cx="2971800" cy="458788"/>
+          </a:xfrm>
+          <a:prstGeom prst="rect">
+            <a:avLst/>
+          </a:prstGeom>
+        </p:spPr>
+        <p:txBody>
+          <a:bodyPr vert="horz" lIns="91440" tIns="45720" rIns="91440" bIns="45720" rtlCol="0"/>
+          <a:lstStyle>
+            <a:lvl1pPr algn="r">
+              <a:defRPr sz="1200"/>
+            </a:lvl1pPr>
+          </a:lstStyle>
+          <a:p>
+            <a:fld id="{4D68F667-C465-44EF-A621-394405BC0F37}" type="datetimeFigureOut">
+              <a:rPr lang="en-US" smtClean="0"/>
+              <a:t>1/15/2021</a:t>
+            </a:fld>
+            <a:endParaRPr lang="en-US"/>
+          </a:p>
+        </p:txBody>
+      </p:sp>
+      <p:sp>
+        <p:nvSpPr>
+          <p:cNvPr id="4" name="Slide Image Placeholder 3"/>
+          <p:cNvSpPr>
+            <a:spLocks noGrp="1" noRot="1" noChangeAspect="1"/>
+          </p:cNvSpPr>
+          <p:nvPr>
+            <p:ph type="sldImg" idx="2"/>
+          </p:nvPr>
+        </p:nvSpPr>
+        <p:spPr>
+          <a:xfrm>
+            <a:off x="685800" y="1143000"/>
+            <a:ext cx="5486400" cy="3086100"/>
+          </a:xfrm>
+          <a:prstGeom prst="rect">
+            <a:avLst/>
+          </a:prstGeom>
+          <a:noFill/>
+          <a:ln w="12700">
+            <a:solidFill>
+              <a:prstClr val="black"/>
+            </a:solidFill>
+          </a:ln>
+        </p:spPr>
+        <p:txBody>
+          <a:bodyPr vert="horz" lIns="91440" tIns="45720" rIns="91440" bIns="45720" rtlCol="0" anchor="ctr"/>
+          <a:lstStyle/>
+          <a:p>
+            <a:endParaRPr lang="en-US"/>
+          </a:p>
+        </p:txBody>
+      </p:sp>
+      <p:sp>
+        <p:nvSpPr>
+          <p:cNvPr id="5" name="Notes Placeholder 4"/>
+          <p:cNvSpPr>
+            <a:spLocks noGrp="1"/>
+          </p:cNvSpPr>
+          <p:nvPr>
+            <p:ph type="body" sz="quarter" idx="3"/>
+          </p:nvPr>
+        </p:nvSpPr>
+        <p:spPr>
+          <a:xfrm>
+            <a:off x="685800" y="4400550"/>
+            <a:ext cx="5486400" cy="3600450"/>
+          </a:xfrm>
+          <a:prstGeom prst="rect">
+            <a:avLst/>
+          </a:prstGeom>
+        </p:spPr>
+        <p:txBody>
+          <a:bodyPr vert="horz" lIns="91440" tIns="45720" rIns="91440" bIns="45720" rtlCol="0"/>
+          <a:lstStyle/>
+          <a:p>
+            <a:pPr lvl="0"/>
+            <a:r>
+              <a:rPr lang="en-US"/>
+              <a:t>Click to edit Master text styles</a:t>
+            </a:r>
+          </a:p>
+          <a:p>
+            <a:pPr lvl="1"/>
+            <a:r>
+              <a:rPr lang="en-US"/>
+              <a:t>Second level</a:t>
+            </a:r>
+          </a:p>
+          <a:p>
+            <a:pPr lvl="2"/>
+            <a:r>
+              <a:rPr lang="en-US"/>
+              <a:t>Third level</a:t>
+            </a:r>
+          </a:p>
+          <a:p>
+            <a:pPr lvl="3"/>
+            <a:r>
+              <a:rPr lang="en-US"/>
+              <a:t>Fourth level</a:t>
+            </a:r>
+          </a:p>
+          <a:p>
+            <a:pPr lvl="4"/>
+            <a:r>
+              <a:rPr lang="en-US"/>
+              <a:t>Fifth level</a:t>
+            </a:r>
+          </a:p>
+        </p:txBody>
+      </p:sp>
+      <p:sp>
+        <p:nvSpPr>
+          <p:cNvPr id="6" name="Footer Placeholder 5"/>
+          <p:cNvSpPr>
+            <a:spLocks noGrp="1"/>
+          </p:cNvSpPr>
+          <p:nvPr>
+            <p:ph type="ftr" sz="quarter" idx="4"/>
+          </p:nvPr>
+        </p:nvSpPr>
+        <p:spPr>
+          <a:xfrm>
+            <a:off x="0" y="8685213"/>
+            <a:ext cx="2971800" cy="458787"/>
+          </a:xfrm>
+          <a:prstGeom prst="rect">
+            <a:avLst/>
+          </a:prstGeom>
+        </p:spPr>
+        <p:txBody>
+          <a:bodyPr vert="horz" lIns="91440" tIns="45720" rIns="91440" bIns="45720" rtlCol="0" anchor="b"/>
+          <a:lstStyle>
+            <a:lvl1pPr algn="l">
+              <a:defRPr sz="1200"/>
+            </a:lvl1pPr>
+          </a:lstStyle>
+          <a:p>
+            <a:endParaRPr lang="en-US"/>
+          </a:p>
+        </p:txBody>
+      </p:sp>
+      <p:sp>
+        <p:nvSpPr>
+          <p:cNvPr id="7" name="Slide Number Placeholder 6"/>
+          <p:cNvSpPr>
+            <a:spLocks noGrp="1"/>
+          </p:cNvSpPr>
+          <p:nvPr>
+            <p:ph type="sldNum" sz="quarter" idx="5"/>
+          </p:nvPr>
+        </p:nvSpPr>
+        <p:spPr>
+          <a:xfrm>
+            <a:off x="3884613" y="8685213"/>
+            <a:ext cx="2971800" cy="458787"/>
+          </a:xfrm>
+          <a:prstGeom prst="rect">
+            <a:avLst/>
+          </a:prstGeom>
+        </p:spPr>
+        <p:txBody>
+          <a:bodyPr vert="horz" lIns="91440" tIns="45720" rIns="91440" bIns="45720" rtlCol="0" anchor="b"/>
+          <a:lstStyle>
+            <a:lvl1pPr algn="r">
+              <a:defRPr sz="1200"/>
+            </a:lvl1pPr>
+          </a:lstStyle>
+          <a:p>
+            <a:fld id="{539A82ED-4E1F-4724-9454-1F48A2066CFD}" type="slidenum">
+              <a:rPr lang="en-US" smtClean="0"/>
+              <a:t>‹#›</a:t>
+            </a:fld>
+            <a:endParaRPr lang="en-US"/>
+          </a:p>
+        </p:txBody>
+      </p:sp>
+    </p:spTree>
+    <p:extLst>
+      <p:ext uri="{BB962C8B-B14F-4D97-AF65-F5344CB8AC3E}">
+        <p14:creationId xmlns:p14="http://schemas.microsoft.com/office/powerpoint/2010/main" val="2160149427"/>
+      </p:ext>
+    </p:extLst>
+  </p:cSld>
+  <p:clrMap bg1="lt1" tx1="dk1" bg2="lt2" tx2="dk2" accent1="accent1" accent2="accent2" accent3="accent3" accent4="accent4" accent5="accent5" accent6="accent6" hlink="hlink" folHlink="folHlink"/>
+  <p:notesStyle>
+    <a:lvl1pPr marL="0" algn="l" defTabSz="914400" rtl="0" eaLnBrk="1" latinLnBrk="0" hangingPunct="1">
+      <a:defRPr sz="1200" kern="1200">
+        <a:solidFill>
+          <a:schemeClr val="tx1"/>
+        </a:solidFill>
+        <a:latin typeface="+mn-lt"/>
+        <a:ea typeface="+mn-ea"/>
+        <a:cs typeface="+mn-cs"/>
+      </a:defRPr>
+    </a:lvl1pPr>
+    <a:lvl2pPr marL="457200" algn="l" defTabSz="914400" rtl="0" eaLnBrk="1" latinLnBrk="0" hangingPunct="1">
+      <a:defRPr sz="1200" kern="1200">
+        <a:solidFill>
+          <a:schemeClr val="tx1"/>
+        </a:solidFill>
+        <a:latin typeface="+mn-lt"/>
+        <a:ea typeface="+mn-ea"/>
+        <a:cs typeface="+mn-cs"/>
+      </a:defRPr>
+    </a:lvl2pPr>
+    <a:lvl3pPr marL="914400" algn="l" defTabSz="914400" rtl="0" eaLnBrk="1" latinLnBrk="0" hangingPunct="1">
+      <a:defRPr sz="1200" kern="1200">
+        <a:solidFill>
+          <a:schemeClr val="tx1"/>
+        </a:solidFill>
+        <a:latin typeface="+mn-lt"/>
+        <a:ea typeface="+mn-ea"/>
+        <a:cs typeface="+mn-cs"/>
+      </a:defRPr>
+    </a:lvl3pPr>
+    <a:lvl4pPr marL="1371600" algn="l" defTabSz="914400" rtl="0" eaLnBrk="1" latinLnBrk="0" hangingPunct="1">
+      <a:defRPr sz="1200" kern="1200">
+        <a:solidFill>
+          <a:schemeClr val="tx1"/>
+        </a:solidFill>
+        <a:latin typeface="+mn-lt"/>
+        <a:ea typeface="+mn-ea"/>
+        <a:cs typeface="+mn-cs"/>
+      </a:defRPr>
+    </a:lvl4pPr>
+    <a:lvl5pPr marL="1828800" algn="l" defTabSz="914400" rtl="0" eaLnBrk="1" latinLnBrk="0" hangingPunct="1">
+      <a:defRPr sz="1200" kern="1200">
+        <a:solidFill>
+          <a:schemeClr val="tx1"/>
+        </a:solidFill>
+        <a:latin typeface="+mn-lt"/>
+        <a:ea typeface="+mn-ea"/>
+        <a:cs typeface="+mn-cs"/>
+      </a:defRPr>
+    </a:lvl5pPr>
+    <a:lvl6pPr marL="2286000" algn="l" defTabSz="914400" rtl="0" eaLnBrk="1" latinLnBrk="0" hangingPunct="1">
+      <a:defRPr sz="1200" kern="1200">
+        <a:solidFill>
+          <a:schemeClr val="tx1"/>
+        </a:solidFill>
+        <a:latin typeface="+mn-lt"/>
+        <a:ea typeface="+mn-ea"/>
+        <a:cs typeface="+mn-cs"/>
+      </a:defRPr>
+    </a:lvl6pPr>
+    <a:lvl7pPr marL="2743200" algn="l" defTabSz="914400" rtl="0" eaLnBrk="1" latinLnBrk="0" hangingPunct="1">
+      <a:defRPr sz="1200" kern="1200">
+        <a:solidFill>
+          <a:schemeClr val="tx1"/>
+        </a:solidFill>
+        <a:latin typeface="+mn-lt"/>
+        <a:ea typeface="+mn-ea"/>
+        <a:cs typeface="+mn-cs"/>
+      </a:defRPr>
+    </a:lvl7pPr>
+    <a:lvl8pPr marL="3200400" algn="l" defTabSz="914400" rtl="0" eaLnBrk="1" latinLnBrk="0" hangingPunct="1">
+      <a:defRPr sz="1200" kern="1200">
+        <a:solidFill>
+          <a:schemeClr val="tx1"/>
+        </a:solidFill>
+        <a:latin typeface="+mn-lt"/>
+        <a:ea typeface="+mn-ea"/>
+        <a:cs typeface="+mn-cs"/>
+      </a:defRPr>
+    </a:lvl8pPr>
+    <a:lvl9pPr marL="3657600" algn="l" defTabSz="914400" rtl="0" eaLnBrk="1" latinLnBrk="0" hangingPunct="1">
+      <a:defRPr sz="1200" kern="1200">
+        <a:solidFill>
+          <a:schemeClr val="tx1"/>
+        </a:solidFill>
+        <a:latin typeface="+mn-lt"/>
+        <a:ea typeface="+mn-ea"/>
+        <a:cs typeface="+mn-cs"/>
+      </a:defRPr>
+    </a:lvl9pPr>
+  </p:notesStyle>
+</p:notesMaster>
+</file>
+
 <file path=ppt/slideLayouts/slideLayout1.xml><?xml version="1.0" encoding="utf-8"?>
 <p:sldLayout xmlns:a="http://schemas.openxmlformats.org/drawingml/2006/main" xmlns:r="http://schemas.openxmlformats.org/officeDocument/2006/relationships" xmlns:p="http://schemas.openxmlformats.org/presentationml/2006/main" type="title" preserve="1">
   <p:cSld name="Title Slide">
@@ -251,7 +1119,7 @@
           <a:p>
             <a:fld id="{EA0C0817-A112-4847-8014-A94B7D2A4EA3}" type="datetime1">
               <a:rPr lang="en-US" smtClean="0"/>
-              <a:t>1/5/2021</a:t>
+              <a:t>1/15/2021</a:t>
             </a:fld>
             <a:endParaRPr lang="en-US" dirty="0"/>
           </a:p>
@@ -421,7 +1289,7 @@
           <a:p>
             <a:fld id="{134F40B7-36AB-4376-BE14-EF7004D79BB9}" type="datetime1">
               <a:rPr lang="en-US" smtClean="0"/>
-              <a:t>1/5/2021</a:t>
+              <a:t>1/15/2021</a:t>
             </a:fld>
             <a:endParaRPr lang="en-US"/>
           </a:p>
@@ -601,7 +1469,7 @@
           <a:p>
             <a:fld id="{FF87CAB8-DCAE-46A5-AADA-B3FAD11A54E0}" type="datetime1">
               <a:rPr lang="en-US" smtClean="0"/>
-              <a:t>1/5/2021</a:t>
+              <a:t>1/15/2021</a:t>
             </a:fld>
             <a:endParaRPr lang="en-US"/>
           </a:p>
@@ -771,7 +1639,7 @@
           <a:p>
             <a:fld id="{7332B432-ACDA-4023-A761-2BAB76577B62}" type="datetime1">
               <a:rPr lang="en-US" smtClean="0"/>
-              <a:t>1/5/2021</a:t>
+              <a:t>1/15/2021</a:t>
             </a:fld>
             <a:endParaRPr lang="en-US"/>
           </a:p>
@@ -1017,7 +1885,7 @@
           <a:p>
             <a:fld id="{D9C646AA-F36E-4540-911D-FFFC0A0EF24A}" type="datetime1">
               <a:rPr lang="en-US" smtClean="0"/>
-              <a:t>1/5/2021</a:t>
+              <a:t>1/15/2021</a:t>
             </a:fld>
             <a:endParaRPr lang="en-US" dirty="0"/>
           </a:p>
@@ -1249,7 +2117,7 @@
           <a:p>
             <a:fld id="{69186D26-FA5F-4637-B602-B7C2DC34CFD4}" type="datetime1">
               <a:rPr lang="en-US" smtClean="0"/>
-              <a:t>1/5/2021</a:t>
+              <a:t>1/15/2021</a:t>
             </a:fld>
             <a:endParaRPr lang="en-US"/>
           </a:p>
@@ -1616,7 +2484,7 @@
           <a:p>
             <a:fld id="{F6FA2B21-3FCD-4721-B95C-427943F61125}" type="datetime1">
               <a:rPr lang="en-US" smtClean="0"/>
-              <a:t>1/5/2021</a:t>
+              <a:t>1/15/2021</a:t>
             </a:fld>
             <a:endParaRPr lang="en-US"/>
           </a:p>
@@ -1735,7 +2603,7 @@
           <a:p>
             <a:fld id="{F9A96C99-B8F8-4528-BD05-0E16E943DC09}" type="datetime1">
               <a:rPr lang="en-US" smtClean="0"/>
-              <a:t>1/5/2021</a:t>
+              <a:t>1/15/2021</a:t>
             </a:fld>
             <a:endParaRPr lang="en-US"/>
           </a:p>
@@ -1830,7 +2698,7 @@
           <a:p>
             <a:fld id="{03636942-C211-4B28-8DBD-C953E00AF71B}" type="datetime1">
               <a:rPr lang="en-US" smtClean="0"/>
-              <a:t>1/5/2021</a:t>
+              <a:t>1/15/2021</a:t>
             </a:fld>
             <a:endParaRPr lang="en-US"/>
           </a:p>
@@ -2107,7 +2975,7 @@
           <a:p>
             <a:fld id="{7E8D12A6-918A-48BD-8CB9-CA713993B0EA}" type="datetime1">
               <a:rPr lang="en-US" smtClean="0"/>
-              <a:t>1/5/2021</a:t>
+              <a:t>1/15/2021</a:t>
             </a:fld>
             <a:endParaRPr lang="en-US"/>
           </a:p>
@@ -2365,7 +3233,7 @@
             <a:fld id="{E778CE86-875F-4587-BCF6-FA054AFC0D53}" type="datetime1">
               <a:rPr lang="en-US" smtClean="0"/>
               <a:pPr/>
-              <a:t>1/5/2021</a:t>
+              <a:t>1/15/2021</a:t>
             </a:fld>
             <a:endParaRPr lang="en-US" dirty="0"/>
           </a:p>
@@ -2579,7 +3447,7 @@
           <a:p>
             <a:fld id="{F6FA2B21-3FCD-4721-B95C-427943F61125}" type="datetime1">
               <a:rPr lang="en-US" smtClean="0"/>
-              <a:t>1/5/2021</a:t>
+              <a:t>1/15/2021</a:t>
             </a:fld>
             <a:endParaRPr lang="en-US"/>
           </a:p>
@@ -3007,7 +3875,7 @@
           <a:lstStyle/>
           <a:p>
             <a:r>
-              <a:rPr lang="en-US" dirty="0">
+              <a:rPr lang="en-US" b="1" dirty="0">
                 <a:latin typeface="Cambria" panose="02040503050406030204" pitchFamily="18" charset="0"/>
                 <a:ea typeface="Cambria" panose="02040503050406030204" pitchFamily="18" charset="0"/>
               </a:rPr>
@@ -3364,6 +4232,694 @@
 </p:sld>
 </file>
 
+<file path=ppt/slides/slide10.xml><?xml version="1.0" encoding="utf-8"?>
+<p:sld xmlns:a="http://schemas.openxmlformats.org/drawingml/2006/main" xmlns:r="http://schemas.openxmlformats.org/officeDocument/2006/relationships" xmlns:p="http://schemas.openxmlformats.org/presentationml/2006/main">
+  <p:cSld>
+    <p:spTree>
+      <p:nvGrpSpPr>
+        <p:cNvPr id="1" name=""/>
+        <p:cNvGrpSpPr/>
+        <p:nvPr/>
+      </p:nvGrpSpPr>
+      <p:grpSpPr>
+        <a:xfrm>
+          <a:off x="0" y="0"/>
+          <a:ext cx="0" cy="0"/>
+          <a:chOff x="0" y="0"/>
+          <a:chExt cx="0" cy="0"/>
+        </a:xfrm>
+      </p:grpSpPr>
+      <p:sp>
+        <p:nvSpPr>
+          <p:cNvPr id="2" name="Title 1">
+            <a:extLst>
+              <a:ext uri="{FF2B5EF4-FFF2-40B4-BE49-F238E27FC236}">
+                <a16:creationId xmlns:a16="http://schemas.microsoft.com/office/drawing/2014/main" id="{CB9CA0A3-9467-44C8-9A6A-614498D2580F}"/>
+              </a:ext>
+            </a:extLst>
+          </p:cNvPr>
+          <p:cNvSpPr>
+            <a:spLocks noGrp="1"/>
+          </p:cNvSpPr>
+          <p:nvPr>
+            <p:ph type="title"/>
+          </p:nvPr>
+        </p:nvSpPr>
+        <p:spPr/>
+        <p:txBody>
+          <a:bodyPr>
+            <a:normAutofit/>
+          </a:bodyPr>
+          <a:lstStyle/>
+          <a:p>
+            <a:r>
+              <a:rPr lang="en-US" dirty="0"/>
+              <a:t>TỔNG KẾT ĐỒ ÁN</a:t>
+            </a:r>
+          </a:p>
+        </p:txBody>
+      </p:sp>
+      <p:sp>
+        <p:nvSpPr>
+          <p:cNvPr id="3" name="Content Placeholder 2">
+            <a:extLst>
+              <a:ext uri="{FF2B5EF4-FFF2-40B4-BE49-F238E27FC236}">
+                <a16:creationId xmlns:a16="http://schemas.microsoft.com/office/drawing/2014/main" id="{3AB3627B-788E-4220-9FF4-E27AD7DAED2A}"/>
+              </a:ext>
+            </a:extLst>
+          </p:cNvPr>
+          <p:cNvSpPr>
+            <a:spLocks noGrp="1"/>
+          </p:cNvSpPr>
+          <p:nvPr>
+            <p:ph idx="1"/>
+          </p:nvPr>
+        </p:nvSpPr>
+        <p:spPr/>
+        <p:txBody>
+          <a:bodyPr/>
+          <a:lstStyle/>
+          <a:p>
+            <a:r>
+              <a:rPr lang="en-US" dirty="0"/>
+              <a:t>Qua </a:t>
+            </a:r>
+            <a:r>
+              <a:rPr lang="en-US" dirty="0" err="1"/>
+              <a:t>đồ</a:t>
+            </a:r>
+            <a:r>
+              <a:rPr lang="en-US" dirty="0"/>
+              <a:t> </a:t>
+            </a:r>
+            <a:r>
+              <a:rPr lang="en-US" dirty="0" err="1"/>
+              <a:t>án</a:t>
+            </a:r>
+            <a:r>
+              <a:rPr lang="en-US" dirty="0"/>
+              <a:t>, </a:t>
+            </a:r>
+            <a:r>
+              <a:rPr lang="en-US" dirty="0" err="1"/>
+              <a:t>nhóm</a:t>
+            </a:r>
+            <a:r>
+              <a:rPr lang="en-US" dirty="0"/>
+              <a:t> </a:t>
+            </a:r>
+            <a:r>
+              <a:rPr lang="en-US" dirty="0" err="1"/>
+              <a:t>đã</a:t>
+            </a:r>
+            <a:r>
+              <a:rPr lang="en-US" dirty="0"/>
+              <a:t> </a:t>
+            </a:r>
+            <a:r>
+              <a:rPr lang="en-US" dirty="0" err="1"/>
+              <a:t>hiểu</a:t>
+            </a:r>
+            <a:r>
+              <a:rPr lang="en-US" dirty="0"/>
+              <a:t> </a:t>
+            </a:r>
+            <a:r>
+              <a:rPr lang="en-US" dirty="0" err="1"/>
+              <a:t>được</a:t>
+            </a:r>
+            <a:r>
+              <a:rPr lang="en-US" dirty="0"/>
+              <a:t>:</a:t>
+            </a:r>
+          </a:p>
+          <a:p>
+            <a:pPr lvl="1"/>
+            <a:r>
+              <a:rPr lang="en-US" dirty="0" err="1"/>
+              <a:t>Thực</a:t>
+            </a:r>
+            <a:r>
+              <a:rPr lang="en-US" dirty="0"/>
+              <a:t> </a:t>
+            </a:r>
+            <a:r>
+              <a:rPr lang="en-US" dirty="0" err="1"/>
+              <a:t>hành</a:t>
+            </a:r>
+            <a:r>
+              <a:rPr lang="en-US" dirty="0"/>
+              <a:t> </a:t>
+            </a:r>
+            <a:r>
+              <a:rPr lang="en-US" dirty="0" err="1"/>
+              <a:t>quy</a:t>
+            </a:r>
+            <a:r>
+              <a:rPr lang="en-US" dirty="0"/>
+              <a:t> </a:t>
+            </a:r>
+            <a:r>
+              <a:rPr lang="en-US" dirty="0" err="1"/>
+              <a:t>trình</a:t>
+            </a:r>
+            <a:r>
+              <a:rPr lang="en-US" dirty="0"/>
+              <a:t> </a:t>
+            </a:r>
+            <a:r>
+              <a:rPr lang="en-US" dirty="0" err="1"/>
+              <a:t>của</a:t>
+            </a:r>
+            <a:r>
+              <a:rPr lang="en-US" dirty="0"/>
+              <a:t> 1 </a:t>
+            </a:r>
+            <a:r>
+              <a:rPr lang="en-US" dirty="0" err="1"/>
+              <a:t>bài</a:t>
+            </a:r>
+            <a:r>
+              <a:rPr lang="en-US" dirty="0"/>
+              <a:t> </a:t>
+            </a:r>
+            <a:r>
+              <a:rPr lang="en-US" dirty="0" err="1"/>
+              <a:t>toán</a:t>
+            </a:r>
+            <a:r>
+              <a:rPr lang="en-US" dirty="0"/>
+              <a:t> Khoa </a:t>
+            </a:r>
+            <a:r>
+              <a:rPr lang="en-US" dirty="0" err="1"/>
+              <a:t>học</a:t>
+            </a:r>
+            <a:r>
+              <a:rPr lang="en-US" dirty="0"/>
+              <a:t> </a:t>
+            </a:r>
+            <a:r>
+              <a:rPr lang="en-US" dirty="0" err="1"/>
+              <a:t>Dữ</a:t>
+            </a:r>
+            <a:r>
+              <a:rPr lang="en-US" dirty="0"/>
+              <a:t> </a:t>
+            </a:r>
+            <a:r>
+              <a:rPr lang="en-US" dirty="0" err="1"/>
+              <a:t>liệu</a:t>
+            </a:r>
+            <a:endParaRPr lang="en-US" dirty="0"/>
+          </a:p>
+          <a:p>
+            <a:pPr lvl="1"/>
+            <a:r>
+              <a:rPr lang="en-US" dirty="0" err="1"/>
+              <a:t>Biết</a:t>
+            </a:r>
+            <a:r>
+              <a:rPr lang="en-US" dirty="0"/>
+              <a:t> </a:t>
+            </a:r>
+            <a:r>
+              <a:rPr lang="en-US" dirty="0" err="1"/>
+              <a:t>được</a:t>
+            </a:r>
+            <a:r>
+              <a:rPr lang="en-US" dirty="0"/>
+              <a:t> </a:t>
+            </a:r>
+            <a:r>
+              <a:rPr lang="en-US" dirty="0" err="1"/>
+              <a:t>cách</a:t>
+            </a:r>
+            <a:r>
+              <a:rPr lang="en-US" dirty="0"/>
+              <a:t> </a:t>
+            </a:r>
+            <a:r>
+              <a:rPr lang="en-US" dirty="0" err="1"/>
+              <a:t>sử</a:t>
+            </a:r>
+            <a:r>
+              <a:rPr lang="en-US" dirty="0"/>
+              <a:t> </a:t>
+            </a:r>
+            <a:r>
+              <a:rPr lang="en-US" dirty="0" err="1"/>
+              <a:t>dụng</a:t>
+            </a:r>
+            <a:r>
+              <a:rPr lang="en-US" dirty="0"/>
+              <a:t> </a:t>
+            </a:r>
+            <a:r>
+              <a:rPr lang="en-US" dirty="0" err="1"/>
+              <a:t>mô</a:t>
+            </a:r>
+            <a:r>
+              <a:rPr lang="en-US" dirty="0"/>
+              <a:t> </a:t>
+            </a:r>
+            <a:r>
+              <a:rPr lang="en-US" dirty="0" err="1"/>
+              <a:t>hình</a:t>
+            </a:r>
+            <a:r>
+              <a:rPr lang="en-US" dirty="0"/>
+              <a:t> </a:t>
+            </a:r>
+            <a:r>
+              <a:rPr lang="en-US" dirty="0" err="1"/>
+              <a:t>hoá</a:t>
+            </a:r>
+            <a:r>
+              <a:rPr lang="en-US" dirty="0"/>
+              <a:t> </a:t>
+            </a:r>
+            <a:r>
+              <a:rPr lang="en-US" dirty="0" err="1"/>
+              <a:t>cho</a:t>
+            </a:r>
+            <a:r>
+              <a:rPr lang="en-US" dirty="0"/>
+              <a:t> </a:t>
+            </a:r>
+            <a:r>
+              <a:rPr lang="en-US" dirty="0" err="1"/>
+              <a:t>bài</a:t>
+            </a:r>
+            <a:r>
+              <a:rPr lang="en-US" dirty="0"/>
+              <a:t> </a:t>
+            </a:r>
+            <a:r>
+              <a:rPr lang="en-US" dirty="0" err="1"/>
+              <a:t>toán</a:t>
+            </a:r>
+            <a:r>
+              <a:rPr lang="en-US" dirty="0"/>
+              <a:t> </a:t>
+            </a:r>
+            <a:r>
+              <a:rPr lang="en-US" dirty="0" err="1"/>
+              <a:t>dự</a:t>
+            </a:r>
+            <a:r>
+              <a:rPr lang="en-US" dirty="0"/>
+              <a:t> </a:t>
+            </a:r>
+            <a:r>
+              <a:rPr lang="en-US" dirty="0" err="1"/>
+              <a:t>đoán</a:t>
+            </a:r>
+            <a:r>
+              <a:rPr lang="en-US" dirty="0"/>
+              <a:t> 1 </a:t>
+            </a:r>
+            <a:r>
+              <a:rPr lang="en-US" dirty="0" err="1"/>
+              <a:t>đối</a:t>
+            </a:r>
+            <a:r>
+              <a:rPr lang="en-US" dirty="0"/>
+              <a:t> </a:t>
+            </a:r>
+            <a:r>
+              <a:rPr lang="en-US" dirty="0" err="1"/>
+              <a:t>tượng</a:t>
+            </a:r>
+            <a:endParaRPr lang="en-US" dirty="0"/>
+          </a:p>
+          <a:p>
+            <a:pPr lvl="1"/>
+            <a:r>
+              <a:rPr lang="en-US" dirty="0" err="1"/>
+              <a:t>Biết</a:t>
+            </a:r>
+            <a:r>
+              <a:rPr lang="en-US" dirty="0"/>
+              <a:t> </a:t>
+            </a:r>
+            <a:r>
+              <a:rPr lang="en-US" dirty="0" err="1"/>
+              <a:t>được</a:t>
+            </a:r>
+            <a:r>
+              <a:rPr lang="en-US" dirty="0"/>
+              <a:t> </a:t>
+            </a:r>
+            <a:r>
+              <a:rPr lang="en-US" dirty="0" err="1"/>
+              <a:t>các</a:t>
+            </a:r>
+            <a:r>
+              <a:rPr lang="en-US" dirty="0"/>
+              <a:t> </a:t>
+            </a:r>
+            <a:r>
+              <a:rPr lang="en-US" dirty="0" err="1"/>
+              <a:t>phương</a:t>
+            </a:r>
+            <a:r>
+              <a:rPr lang="en-US" dirty="0"/>
+              <a:t> </a:t>
+            </a:r>
+            <a:r>
+              <a:rPr lang="en-US" dirty="0" err="1"/>
+              <a:t>thức</a:t>
+            </a:r>
+            <a:r>
+              <a:rPr lang="en-US" dirty="0"/>
+              <a:t>: Neural Network</a:t>
+            </a:r>
+          </a:p>
+          <a:p>
+            <a:pPr marL="457200" lvl="1" indent="0">
+              <a:buNone/>
+            </a:pPr>
+            <a:endParaRPr lang="en-US" dirty="0"/>
+          </a:p>
+          <a:p>
+            <a:pPr marL="457200" lvl="1" indent="0">
+              <a:buNone/>
+            </a:pPr>
+            <a:r>
+              <a:rPr lang="en-US" dirty="0" err="1"/>
+              <a:t>Ngoài</a:t>
+            </a:r>
+            <a:r>
+              <a:rPr lang="en-US" dirty="0"/>
+              <a:t> ra </a:t>
+            </a:r>
+            <a:r>
+              <a:rPr lang="en-US" dirty="0" err="1"/>
+              <a:t>còn</a:t>
+            </a:r>
+            <a:r>
+              <a:rPr lang="en-US" dirty="0"/>
+              <a:t> </a:t>
+            </a:r>
+            <a:r>
+              <a:rPr lang="en-US" dirty="0" err="1"/>
+              <a:t>có</a:t>
+            </a:r>
+            <a:r>
+              <a:rPr lang="en-US" dirty="0"/>
+              <a:t> </a:t>
+            </a:r>
+            <a:r>
+              <a:rPr lang="en-US" dirty="0" err="1"/>
+              <a:t>một</a:t>
+            </a:r>
+            <a:r>
+              <a:rPr lang="en-US" dirty="0"/>
+              <a:t> </a:t>
+            </a:r>
+            <a:r>
+              <a:rPr lang="en-US" dirty="0" err="1"/>
+              <a:t>số</a:t>
+            </a:r>
+            <a:r>
+              <a:rPr lang="en-US" dirty="0"/>
+              <a:t> </a:t>
+            </a:r>
+            <a:r>
+              <a:rPr lang="en-US" dirty="0" err="1"/>
+              <a:t>vấn</a:t>
+            </a:r>
+            <a:r>
+              <a:rPr lang="en-US" dirty="0"/>
+              <a:t> </a:t>
+            </a:r>
+            <a:r>
+              <a:rPr lang="en-US" dirty="0" err="1"/>
+              <a:t>đề</a:t>
+            </a:r>
+            <a:r>
+              <a:rPr lang="en-US" dirty="0"/>
+              <a:t> </a:t>
+            </a:r>
+            <a:r>
+              <a:rPr lang="en-US" dirty="0" err="1"/>
+              <a:t>cần</a:t>
+            </a:r>
+            <a:r>
+              <a:rPr lang="en-US" dirty="0"/>
+              <a:t> </a:t>
+            </a:r>
+            <a:r>
+              <a:rPr lang="en-US" dirty="0" err="1"/>
+              <a:t>khắc</a:t>
+            </a:r>
+            <a:r>
+              <a:rPr lang="en-US" dirty="0"/>
+              <a:t> </a:t>
+            </a:r>
+            <a:r>
+              <a:rPr lang="en-US" dirty="0" err="1"/>
+              <a:t>phục</a:t>
+            </a:r>
+            <a:r>
+              <a:rPr lang="en-US" dirty="0"/>
+              <a:t>:</a:t>
+            </a:r>
+          </a:p>
+          <a:p>
+            <a:pPr marL="457200" lvl="1" indent="0">
+              <a:buNone/>
+            </a:pPr>
+            <a:r>
+              <a:rPr lang="en-US" dirty="0"/>
+              <a:t>	</a:t>
+            </a:r>
+            <a:r>
+              <a:rPr lang="en-US" dirty="0" err="1"/>
+              <a:t>Chưa</a:t>
+            </a:r>
+            <a:r>
+              <a:rPr lang="en-US" dirty="0"/>
+              <a:t> </a:t>
+            </a:r>
+            <a:r>
+              <a:rPr lang="en-US" dirty="0" err="1"/>
+              <a:t>tối</a:t>
+            </a:r>
+            <a:r>
+              <a:rPr lang="en-US" dirty="0"/>
+              <a:t> </a:t>
+            </a:r>
+            <a:r>
+              <a:rPr lang="en-US" dirty="0" err="1"/>
+              <a:t>ưu</a:t>
+            </a:r>
+            <a:r>
+              <a:rPr lang="en-US" dirty="0"/>
+              <a:t> </a:t>
+            </a:r>
+            <a:r>
+              <a:rPr lang="en-US" dirty="0" err="1"/>
+              <a:t>thuật</a:t>
+            </a:r>
+            <a:r>
+              <a:rPr lang="en-US" dirty="0"/>
+              <a:t> </a:t>
+            </a:r>
+            <a:r>
+              <a:rPr lang="en-US" dirty="0" err="1"/>
+              <a:t>toán</a:t>
+            </a:r>
+            <a:endParaRPr lang="en-US" dirty="0"/>
+          </a:p>
+          <a:p>
+            <a:pPr marL="457200" lvl="1" indent="0">
+              <a:buNone/>
+            </a:pPr>
+            <a:r>
+              <a:rPr lang="en-US" dirty="0"/>
+              <a:t>	</a:t>
+            </a:r>
+            <a:r>
+              <a:rPr lang="en-US" dirty="0" err="1"/>
+              <a:t>Độ</a:t>
+            </a:r>
+            <a:r>
+              <a:rPr lang="en-US" dirty="0"/>
+              <a:t> </a:t>
+            </a:r>
+            <a:r>
+              <a:rPr lang="en-US" dirty="0" err="1"/>
+              <a:t>lỗi</a:t>
+            </a:r>
+            <a:r>
+              <a:rPr lang="en-US" dirty="0"/>
+              <a:t> </a:t>
+            </a:r>
+            <a:r>
+              <a:rPr lang="en-US" dirty="0" err="1"/>
+              <a:t>của</a:t>
+            </a:r>
+            <a:r>
+              <a:rPr lang="en-US" dirty="0"/>
+              <a:t> </a:t>
+            </a:r>
+            <a:r>
+              <a:rPr lang="en-US" dirty="0" err="1"/>
+              <a:t>quá</a:t>
+            </a:r>
+            <a:r>
+              <a:rPr lang="en-US" dirty="0"/>
+              <a:t> </a:t>
+            </a:r>
+            <a:r>
+              <a:rPr lang="en-US" dirty="0" err="1"/>
+              <a:t>trình</a:t>
+            </a:r>
+            <a:r>
+              <a:rPr lang="en-US" dirty="0"/>
+              <a:t> </a:t>
+            </a:r>
+            <a:r>
+              <a:rPr lang="en-US" dirty="0" err="1"/>
+              <a:t>huấn</a:t>
+            </a:r>
+            <a:r>
+              <a:rPr lang="en-US" dirty="0"/>
+              <a:t> </a:t>
+            </a:r>
+            <a:r>
+              <a:rPr lang="en-US" dirty="0" err="1"/>
+              <a:t>luyện</a:t>
+            </a:r>
+            <a:r>
+              <a:rPr lang="en-US" dirty="0"/>
+              <a:t> </a:t>
+            </a:r>
+            <a:r>
+              <a:rPr lang="en-US" dirty="0" err="1"/>
+              <a:t>còn</a:t>
+            </a:r>
+            <a:r>
+              <a:rPr lang="en-US" dirty="0"/>
+              <a:t> </a:t>
+            </a:r>
+            <a:r>
+              <a:rPr lang="en-US" dirty="0" err="1"/>
+              <a:t>cao</a:t>
+            </a:r>
+            <a:endParaRPr lang="en-US" dirty="0"/>
+          </a:p>
+          <a:p>
+            <a:pPr marL="457200" lvl="1" indent="0">
+              <a:buNone/>
+            </a:pPr>
+            <a:r>
+              <a:rPr lang="en-US" dirty="0"/>
+              <a:t>	</a:t>
+            </a:r>
+          </a:p>
+          <a:p>
+            <a:pPr marL="457200" lvl="1" indent="0">
+              <a:buNone/>
+            </a:pPr>
+            <a:endParaRPr lang="en-US" dirty="0"/>
+          </a:p>
+        </p:txBody>
+      </p:sp>
+    </p:spTree>
+    <p:extLst>
+      <p:ext uri="{BB962C8B-B14F-4D97-AF65-F5344CB8AC3E}">
+        <p14:creationId xmlns:p14="http://schemas.microsoft.com/office/powerpoint/2010/main" val="3404310540"/>
+      </p:ext>
+    </p:extLst>
+  </p:cSld>
+  <p:clrMapOvr>
+    <a:masterClrMapping/>
+  </p:clrMapOvr>
+</p:sld>
+</file>
+
+<file path=ppt/slides/slide11.xml><?xml version="1.0" encoding="utf-8"?>
+<p:sld xmlns:a="http://schemas.openxmlformats.org/drawingml/2006/main" xmlns:r="http://schemas.openxmlformats.org/officeDocument/2006/relationships" xmlns:p="http://schemas.openxmlformats.org/presentationml/2006/main">
+  <p:cSld>
+    <p:spTree>
+      <p:nvGrpSpPr>
+        <p:cNvPr id="1" name=""/>
+        <p:cNvGrpSpPr/>
+        <p:nvPr/>
+      </p:nvGrpSpPr>
+      <p:grpSpPr>
+        <a:xfrm>
+          <a:off x="0" y="0"/>
+          <a:ext cx="0" cy="0"/>
+          <a:chOff x="0" y="0"/>
+          <a:chExt cx="0" cy="0"/>
+        </a:xfrm>
+      </p:grpSpPr>
+      <p:sp>
+        <p:nvSpPr>
+          <p:cNvPr id="3" name="Content Placeholder 2">
+            <a:extLst>
+              <a:ext uri="{FF2B5EF4-FFF2-40B4-BE49-F238E27FC236}">
+                <a16:creationId xmlns:a16="http://schemas.microsoft.com/office/drawing/2014/main" id="{D4405420-B843-4312-8BF5-88077031A310}"/>
+              </a:ext>
+            </a:extLst>
+          </p:cNvPr>
+          <p:cNvSpPr>
+            <a:spLocks noGrp="1"/>
+          </p:cNvSpPr>
+          <p:nvPr>
+            <p:ph idx="1"/>
+          </p:nvPr>
+        </p:nvSpPr>
+        <p:spPr/>
+        <p:txBody>
+          <a:bodyPr/>
+          <a:lstStyle/>
+          <a:p>
+            <a:pPr marL="0" indent="0" algn="ctr">
+              <a:buNone/>
+            </a:pPr>
+            <a:endParaRPr lang="en-US" dirty="0"/>
+          </a:p>
+          <a:p>
+            <a:pPr marL="0" indent="0" algn="ctr">
+              <a:buNone/>
+            </a:pPr>
+            <a:endParaRPr lang="en-US" dirty="0"/>
+          </a:p>
+          <a:p>
+            <a:pPr marL="0" indent="0" algn="ctr">
+              <a:buNone/>
+            </a:pPr>
+            <a:endParaRPr lang="en-US" dirty="0"/>
+          </a:p>
+          <a:p>
+            <a:pPr marL="0" indent="0" algn="ctr">
+              <a:buNone/>
+            </a:pPr>
+            <a:r>
+              <a:rPr lang="en-US" sz="4000" b="1" dirty="0"/>
+              <a:t>THANKS FOR WATCHING</a:t>
+            </a:r>
+          </a:p>
+        </p:txBody>
+      </p:sp>
+    </p:spTree>
+    <p:extLst>
+      <p:ext uri="{BB962C8B-B14F-4D97-AF65-F5344CB8AC3E}">
+        <p14:creationId xmlns:p14="http://schemas.microsoft.com/office/powerpoint/2010/main" val="2397671373"/>
+      </p:ext>
+    </p:extLst>
+  </p:cSld>
+  <p:clrMapOvr>
+    <a:masterClrMapping/>
+  </p:clrMapOvr>
+</p:sld>
+</file>
+
 <file path=ppt/slides/slide2.xml><?xml version="1.0" encoding="utf-8"?>
 <p:sld xmlns:a="http://schemas.openxmlformats.org/drawingml/2006/main" xmlns:r="http://schemas.openxmlformats.org/officeDocument/2006/relationships" xmlns:p="http://schemas.openxmlformats.org/presentationml/2006/main">
   <p:cSld>
@@ -3620,15 +5176,23 @@
             </a:r>
             <a:r>
               <a:rPr lang="en-US" dirty="0" err="1"/>
-              <a:t>Phân</a:t>
-            </a:r>
-            <a:r>
-              <a:rPr lang="en-US" dirty="0"/>
-              <a:t> </a:t>
-            </a:r>
-            <a:r>
-              <a:rPr lang="en-US" dirty="0" err="1"/>
-              <a:t>tích</a:t>
+              <a:t>Mô</a:t>
+            </a:r>
+            <a:r>
+              <a:rPr lang="en-US" dirty="0"/>
+              <a:t> </a:t>
+            </a:r>
+            <a:r>
+              <a:rPr lang="en-US" dirty="0" err="1"/>
+              <a:t>hình</a:t>
+            </a:r>
+            <a:r>
+              <a:rPr lang="en-US" dirty="0"/>
+              <a:t> </a:t>
+            </a:r>
+            <a:r>
+              <a:rPr lang="en-US" dirty="0" err="1"/>
+              <a:t>hoá</a:t>
             </a:r>
             <a:r>
               <a:rPr lang="en-US" dirty="0"/>
@@ -4371,228 +5935,711 @@
           </a:xfrm>
         </p:spPr>
         <p:txBody>
-          <a:bodyPr/>
+          <a:bodyPr>
+            <a:normAutofit/>
+          </a:bodyPr>
           <a:lstStyle/>
           <a:p>
             <a:r>
-              <a:rPr lang="en-US" dirty="0" err="1"/>
+              <a:rPr lang="en-US" sz="2400" dirty="0" err="1"/>
               <a:t>Dữ</a:t>
             </a:r>
             <a:r>
-              <a:rPr lang="en-US" dirty="0"/>
-              <a:t> </a:t>
-            </a:r>
-            <a:r>
-              <a:rPr lang="en-US" dirty="0" err="1"/>
+              <a:rPr lang="en-US" sz="2400" dirty="0"/>
+              <a:t> </a:t>
+            </a:r>
+            <a:r>
+              <a:rPr lang="en-US" sz="2400" dirty="0" err="1"/>
               <a:t>liệu</a:t>
             </a:r>
             <a:r>
-              <a:rPr lang="en-US" dirty="0"/>
-              <a:t> </a:t>
-            </a:r>
-            <a:r>
-              <a:rPr lang="en-US" dirty="0" err="1"/>
+              <a:rPr lang="en-US" sz="2400" dirty="0"/>
+              <a:t> </a:t>
+            </a:r>
+            <a:r>
+              <a:rPr lang="en-US" sz="2400" dirty="0" err="1"/>
               <a:t>được</a:t>
             </a:r>
             <a:r>
-              <a:rPr lang="en-US" dirty="0"/>
-              <a:t> </a:t>
-            </a:r>
-            <a:r>
-              <a:rPr lang="en-US" dirty="0" err="1"/>
+              <a:rPr lang="en-US" sz="2400" dirty="0"/>
+              <a:t> </a:t>
+            </a:r>
+            <a:r>
+              <a:rPr lang="en-US" sz="2400" dirty="0" err="1"/>
               <a:t>thu</a:t>
             </a:r>
             <a:r>
-              <a:rPr lang="en-US" dirty="0"/>
-              <a:t> </a:t>
-            </a:r>
-            <a:r>
-              <a:rPr lang="en-US" dirty="0" err="1"/>
+              <a:rPr lang="en-US" sz="2400" dirty="0"/>
+              <a:t> </a:t>
+            </a:r>
+            <a:r>
+              <a:rPr lang="en-US" sz="2400" dirty="0" err="1"/>
               <a:t>thập</a:t>
             </a:r>
             <a:r>
-              <a:rPr lang="en-US" dirty="0"/>
-              <a:t> </a:t>
-            </a:r>
-            <a:r>
-              <a:rPr lang="en-US" dirty="0" err="1"/>
+              <a:rPr lang="en-US" sz="2400" dirty="0"/>
+              <a:t> </a:t>
+            </a:r>
+            <a:r>
+              <a:rPr lang="en-US" sz="2400" dirty="0" err="1"/>
               <a:t>từ</a:t>
             </a:r>
             <a:r>
-              <a:rPr lang="en-US" dirty="0"/>
-              <a:t> </a:t>
-            </a:r>
-            <a:r>
-              <a:rPr lang="en-US" dirty="0" err="1"/>
+              <a:rPr lang="en-US" sz="2400" dirty="0"/>
+              <a:t> </a:t>
+            </a:r>
+            <a:r>
+              <a:rPr lang="en-US" sz="2400" dirty="0" err="1"/>
               <a:t>trang</a:t>
             </a:r>
             <a:r>
-              <a:rPr lang="en-US" dirty="0"/>
+              <a:rPr lang="en-US" sz="2400" dirty="0"/>
               <a:t>:  </a:t>
             </a:r>
             <a:r>
-              <a:rPr lang="en-US" dirty="0" err="1">
+              <a:rPr lang="en-US" sz="2400" dirty="0" err="1">
                 <a:hlinkClick r:id="rId2"/>
               </a:rPr>
               <a:t>Rever</a:t>
             </a:r>
             <a:r>
-              <a:rPr lang="en-US" dirty="0">
+              <a:rPr lang="en-US" sz="2400" dirty="0">
                 <a:hlinkClick r:id="rId2"/>
               </a:rPr>
               <a:t> | </a:t>
             </a:r>
             <a:r>
-              <a:rPr lang="en-US" dirty="0" err="1">
+              <a:rPr lang="en-US" sz="2400" dirty="0" err="1">
                 <a:hlinkClick r:id="rId2"/>
               </a:rPr>
               <a:t>Mua</a:t>
             </a:r>
             <a:r>
-              <a:rPr lang="en-US" dirty="0">
+              <a:rPr lang="en-US" sz="2400" dirty="0">
                 <a:hlinkClick r:id="rId2"/>
               </a:rPr>
               <a:t> </a:t>
             </a:r>
             <a:r>
-              <a:rPr lang="en-US" dirty="0" err="1">
+              <a:rPr lang="en-US" sz="2400" dirty="0" err="1">
                 <a:hlinkClick r:id="rId2"/>
               </a:rPr>
               <a:t>bán</a:t>
             </a:r>
             <a:r>
-              <a:rPr lang="en-US" dirty="0">
+              <a:rPr lang="en-US" sz="2400" dirty="0">
                 <a:hlinkClick r:id="rId2"/>
               </a:rPr>
               <a:t>, </a:t>
             </a:r>
             <a:r>
-              <a:rPr lang="en-US" dirty="0" err="1">
+              <a:rPr lang="en-US" sz="2400" dirty="0" err="1">
                 <a:hlinkClick r:id="rId2"/>
               </a:rPr>
               <a:t>cho</a:t>
             </a:r>
             <a:r>
-              <a:rPr lang="en-US" dirty="0">
+              <a:rPr lang="en-US" sz="2400" dirty="0">
                 <a:hlinkClick r:id="rId2"/>
               </a:rPr>
               <a:t> </a:t>
             </a:r>
             <a:r>
-              <a:rPr lang="en-US" dirty="0" err="1">
+              <a:rPr lang="en-US" sz="2400" dirty="0" err="1">
                 <a:hlinkClick r:id="rId2"/>
               </a:rPr>
               <a:t>thuê</a:t>
             </a:r>
             <a:r>
-              <a:rPr lang="en-US" dirty="0">
+              <a:rPr lang="en-US" sz="2400" dirty="0">
                 <a:hlinkClick r:id="rId2"/>
               </a:rPr>
               <a:t> </a:t>
             </a:r>
             <a:r>
-              <a:rPr lang="en-US" dirty="0" err="1">
+              <a:rPr lang="en-US" sz="2400" dirty="0" err="1">
                 <a:hlinkClick r:id="rId2"/>
               </a:rPr>
               <a:t>nhà</a:t>
             </a:r>
             <a:r>
-              <a:rPr lang="en-US" dirty="0">
+              <a:rPr lang="en-US" sz="2400" dirty="0">
                 <a:hlinkClick r:id="rId2"/>
               </a:rPr>
               <a:t> </a:t>
             </a:r>
             <a:r>
-              <a:rPr lang="en-US" dirty="0" err="1">
+              <a:rPr lang="en-US" sz="2400" dirty="0" err="1">
                 <a:hlinkClick r:id="rId2"/>
               </a:rPr>
               <a:t>đất</a:t>
             </a:r>
             <a:r>
-              <a:rPr lang="en-US" dirty="0">
+              <a:rPr lang="en-US" sz="2400" dirty="0">
                 <a:hlinkClick r:id="rId2"/>
               </a:rPr>
               <a:t>, </a:t>
             </a:r>
             <a:r>
-              <a:rPr lang="en-US" dirty="0" err="1">
+              <a:rPr lang="en-US" sz="2400" dirty="0" err="1">
                 <a:hlinkClick r:id="rId2"/>
               </a:rPr>
               <a:t>căn</a:t>
             </a:r>
             <a:r>
-              <a:rPr lang="en-US" dirty="0">
+              <a:rPr lang="en-US" sz="2400" dirty="0">
                 <a:hlinkClick r:id="rId2"/>
               </a:rPr>
               <a:t> </a:t>
             </a:r>
             <a:r>
-              <a:rPr lang="en-US" dirty="0" err="1">
+              <a:rPr lang="en-US" sz="2400" dirty="0" err="1">
                 <a:hlinkClick r:id="rId2"/>
               </a:rPr>
               <a:t>hộ</a:t>
             </a:r>
             <a:r>
-              <a:rPr lang="en-US" dirty="0">
+              <a:rPr lang="en-US" sz="2400" dirty="0">
                 <a:hlinkClick r:id="rId2"/>
               </a:rPr>
               <a:t>, </a:t>
             </a:r>
             <a:r>
-              <a:rPr lang="en-US" dirty="0" err="1">
+              <a:rPr lang="en-US" sz="2400" dirty="0" err="1">
                 <a:hlinkClick r:id="rId2"/>
               </a:rPr>
               <a:t>đất</a:t>
             </a:r>
             <a:r>
-              <a:rPr lang="en-US" dirty="0">
+              <a:rPr lang="en-US" sz="2400" dirty="0">
                 <a:hlinkClick r:id="rId2"/>
               </a:rPr>
               <a:t> </a:t>
             </a:r>
             <a:r>
-              <a:rPr lang="en-US" dirty="0" err="1">
+              <a:rPr lang="en-US" sz="2400" dirty="0" err="1">
                 <a:hlinkClick r:id="rId2"/>
               </a:rPr>
               <a:t>nền</a:t>
             </a:r>
             <a:r>
-              <a:rPr lang="en-US" dirty="0">
+              <a:rPr lang="en-US" sz="2400" dirty="0">
                 <a:hlinkClick r:id="rId2"/>
               </a:rPr>
               <a:t> </a:t>
             </a:r>
             <a:r>
-              <a:rPr lang="en-US" dirty="0" err="1">
+              <a:rPr lang="en-US" sz="2400" dirty="0" err="1">
                 <a:hlinkClick r:id="rId2"/>
               </a:rPr>
               <a:t>và</a:t>
             </a:r>
             <a:r>
-              <a:rPr lang="en-US" dirty="0">
+              <a:rPr lang="en-US" sz="2400" dirty="0">
                 <a:hlinkClick r:id="rId2"/>
               </a:rPr>
               <a:t> </a:t>
             </a:r>
             <a:r>
-              <a:rPr lang="en-US" dirty="0" err="1">
+              <a:rPr lang="en-US" sz="2400" dirty="0" err="1">
                 <a:hlinkClick r:id="rId2"/>
               </a:rPr>
               <a:t>văn</a:t>
             </a:r>
             <a:r>
-              <a:rPr lang="en-US" dirty="0">
+              <a:rPr lang="en-US" sz="2400" dirty="0">
                 <a:hlinkClick r:id="rId2"/>
               </a:rPr>
               <a:t> </a:t>
             </a:r>
             <a:r>
-              <a:rPr lang="en-US" dirty="0" err="1">
+              <a:rPr lang="en-US" sz="2400" dirty="0" err="1">
                 <a:hlinkClick r:id="rId2"/>
               </a:rPr>
               <a:t>phòng</a:t>
             </a:r>
-            <a:endParaRPr lang="en-US" dirty="0"/>
+            <a:endParaRPr lang="en-US" sz="2400" dirty="0"/>
+          </a:p>
+          <a:p>
+            <a:endParaRPr lang="en-US" sz="2400" dirty="0"/>
+          </a:p>
+          <a:p>
+            <a:r>
+              <a:rPr lang="en-US" sz="2400" dirty="0" err="1"/>
+              <a:t>Các</a:t>
+            </a:r>
+            <a:r>
+              <a:rPr lang="en-US" sz="2400" dirty="0"/>
+              <a:t> </a:t>
+            </a:r>
+            <a:r>
+              <a:rPr lang="en-US" sz="2400" dirty="0" err="1"/>
+              <a:t>thông</a:t>
+            </a:r>
+            <a:r>
+              <a:rPr lang="en-US" sz="2400" dirty="0"/>
+              <a:t> tin (</a:t>
+            </a:r>
+            <a:r>
+              <a:rPr lang="en-US" sz="2400" dirty="0" err="1"/>
+              <a:t>thuộc</a:t>
+            </a:r>
+            <a:r>
+              <a:rPr lang="en-US" sz="2400" dirty="0"/>
+              <a:t> </a:t>
+            </a:r>
+            <a:r>
+              <a:rPr lang="en-US" sz="2400" dirty="0" err="1"/>
+              <a:t>tính</a:t>
+            </a:r>
+            <a:r>
+              <a:rPr lang="en-US" sz="2400" dirty="0"/>
+              <a:t>) </a:t>
+            </a:r>
+            <a:r>
+              <a:rPr lang="en-US" sz="2400" dirty="0" err="1"/>
+              <a:t>cần</a:t>
+            </a:r>
+            <a:r>
+              <a:rPr lang="en-US" sz="2400" dirty="0"/>
+              <a:t> </a:t>
+            </a:r>
+            <a:r>
+              <a:rPr lang="en-US" sz="2400" dirty="0" err="1"/>
+              <a:t>thu</a:t>
+            </a:r>
+            <a:r>
+              <a:rPr lang="en-US" sz="2400" dirty="0"/>
+              <a:t> </a:t>
+            </a:r>
+            <a:r>
+              <a:rPr lang="en-US" sz="2400" dirty="0" err="1"/>
+              <a:t>thập</a:t>
+            </a:r>
+            <a:r>
+              <a:rPr lang="en-US" sz="2400" dirty="0"/>
+              <a:t>: </a:t>
+            </a:r>
+            <a:r>
+              <a:rPr lang="en-US" sz="2400" dirty="0" err="1"/>
+              <a:t>Giá</a:t>
+            </a:r>
+            <a:r>
+              <a:rPr lang="en-US" sz="2400" dirty="0"/>
+              <a:t> </a:t>
+            </a:r>
+            <a:r>
+              <a:rPr lang="en-US" sz="2400" dirty="0" err="1"/>
+              <a:t>nhà</a:t>
+            </a:r>
+            <a:r>
+              <a:rPr lang="en-US" sz="2400" dirty="0"/>
+              <a:t>, </a:t>
+            </a:r>
+            <a:r>
+              <a:rPr lang="en-US" sz="2400" dirty="0" err="1"/>
+              <a:t>tên</a:t>
+            </a:r>
+            <a:r>
+              <a:rPr lang="en-US" sz="2400" dirty="0"/>
+              <a:t> </a:t>
+            </a:r>
+            <a:r>
+              <a:rPr lang="en-US" sz="2400" dirty="0" err="1"/>
+              <a:t>quận</a:t>
+            </a:r>
+            <a:r>
+              <a:rPr lang="en-US" sz="2400" dirty="0"/>
+              <a:t>, </a:t>
+            </a:r>
+            <a:r>
+              <a:rPr lang="en-US" sz="2400" dirty="0" err="1"/>
+              <a:t>loại</a:t>
+            </a:r>
+            <a:r>
+              <a:rPr lang="en-US" sz="2400" dirty="0"/>
+              <a:t> </a:t>
+            </a:r>
+            <a:r>
+              <a:rPr lang="en-US" sz="2400" dirty="0" err="1"/>
+              <a:t>hình</a:t>
+            </a:r>
+            <a:r>
+              <a:rPr lang="en-US" sz="2400" dirty="0"/>
+              <a:t>, </a:t>
+            </a:r>
+            <a:r>
+              <a:rPr lang="en-US" sz="2400" dirty="0" err="1"/>
+              <a:t>số</a:t>
+            </a:r>
+            <a:r>
+              <a:rPr lang="en-US" sz="2400" dirty="0"/>
+              <a:t> </a:t>
+            </a:r>
+            <a:r>
+              <a:rPr lang="en-US" sz="2400" dirty="0" err="1"/>
+              <a:t>phòng</a:t>
+            </a:r>
+            <a:r>
+              <a:rPr lang="en-US" sz="2400" dirty="0"/>
+              <a:t> </a:t>
+            </a:r>
+            <a:r>
+              <a:rPr lang="en-US" sz="2400" dirty="0" err="1"/>
+              <a:t>ngủ</a:t>
+            </a:r>
+            <a:r>
+              <a:rPr lang="en-US" sz="2400" dirty="0"/>
+              <a:t>, </a:t>
+            </a:r>
+            <a:r>
+              <a:rPr lang="en-US" sz="2400" dirty="0" err="1"/>
+              <a:t>số</a:t>
+            </a:r>
+            <a:r>
+              <a:rPr lang="en-US" sz="2400" dirty="0"/>
+              <a:t> </a:t>
+            </a:r>
+            <a:r>
+              <a:rPr lang="en-US" sz="2400" dirty="0" err="1"/>
+              <a:t>phòng</a:t>
+            </a:r>
+            <a:r>
+              <a:rPr lang="en-US" sz="2400" dirty="0"/>
+              <a:t> </a:t>
+            </a:r>
+            <a:r>
+              <a:rPr lang="en-US" sz="2400" dirty="0" err="1"/>
+              <a:t>tắm</a:t>
+            </a:r>
+            <a:r>
+              <a:rPr lang="en-US" sz="2400" dirty="0"/>
+              <a:t>, </a:t>
+            </a:r>
+            <a:r>
+              <a:rPr lang="en-US" sz="2400" dirty="0" err="1"/>
+              <a:t>diện</a:t>
+            </a:r>
+            <a:r>
+              <a:rPr lang="en-US" sz="2400" dirty="0"/>
+              <a:t> </a:t>
+            </a:r>
+            <a:r>
+              <a:rPr lang="en-US" sz="2400" dirty="0" err="1"/>
+              <a:t>tích</a:t>
+            </a:r>
+            <a:r>
+              <a:rPr lang="en-US" sz="2400" dirty="0"/>
+              <a:t>, ....</a:t>
+            </a:r>
+          </a:p>
+          <a:p>
+            <a:r>
+              <a:rPr lang="en-US" sz="2400" dirty="0" err="1"/>
+              <a:t>Cách</a:t>
+            </a:r>
+            <a:r>
+              <a:rPr lang="en-US" sz="2400" dirty="0"/>
+              <a:t> </a:t>
+            </a:r>
+            <a:r>
+              <a:rPr lang="en-US" sz="2400" dirty="0" err="1"/>
+              <a:t>thức</a:t>
+            </a:r>
+            <a:r>
+              <a:rPr lang="en-US" sz="2400" dirty="0"/>
+              <a:t> </a:t>
+            </a:r>
+            <a:r>
+              <a:rPr lang="en-US" sz="2400" dirty="0" err="1"/>
+              <a:t>thu</a:t>
+            </a:r>
+            <a:r>
+              <a:rPr lang="en-US" sz="2400" dirty="0"/>
+              <a:t> </a:t>
+            </a:r>
+            <a:r>
+              <a:rPr lang="en-US" sz="2400" dirty="0" err="1"/>
+              <a:t>thập</a:t>
+            </a:r>
+            <a:r>
+              <a:rPr lang="en-US" sz="2400" dirty="0"/>
+              <a:t>: </a:t>
+            </a:r>
+            <a:r>
+              <a:rPr lang="en-US" sz="2400" dirty="0" err="1"/>
+              <a:t>Sử</a:t>
+            </a:r>
+            <a:r>
+              <a:rPr lang="en-US" sz="2400" dirty="0"/>
+              <a:t> </a:t>
+            </a:r>
+            <a:r>
+              <a:rPr lang="en-US" sz="2400" dirty="0" err="1"/>
+              <a:t>dụng</a:t>
+            </a:r>
+            <a:r>
+              <a:rPr lang="en-US" sz="2400" dirty="0"/>
+              <a:t> Parse HTML</a:t>
+            </a:r>
+          </a:p>
+          <a:p>
+            <a:endParaRPr lang="en-US" sz="2400" dirty="0"/>
+          </a:p>
+          <a:p>
+            <a:r>
+              <a:rPr lang="en-US" sz="2400" b="1" u="sng" dirty="0"/>
+              <a:t>Qui </a:t>
+            </a:r>
+            <a:r>
+              <a:rPr lang="en-US" sz="2400" b="1" u="sng" dirty="0" err="1"/>
+              <a:t>trình</a:t>
+            </a:r>
+            <a:r>
+              <a:rPr lang="en-US" sz="2400" dirty="0"/>
+              <a:t>: </a:t>
+            </a:r>
+            <a:r>
+              <a:rPr lang="en-US" sz="2400" dirty="0" err="1"/>
+              <a:t>Kiểm</a:t>
+            </a:r>
+            <a:r>
+              <a:rPr lang="en-US" sz="2400" dirty="0"/>
+              <a:t> </a:t>
+            </a:r>
+            <a:r>
+              <a:rPr lang="en-US" sz="2400" dirty="0" err="1"/>
+              <a:t>tra</a:t>
+            </a:r>
+            <a:r>
+              <a:rPr lang="en-US" sz="2400" dirty="0"/>
+              <a:t> </a:t>
+            </a:r>
+            <a:r>
+              <a:rPr lang="en-US" sz="2400" dirty="0" err="1"/>
+              <a:t>việc</a:t>
+            </a:r>
+            <a:r>
+              <a:rPr lang="en-US" sz="2400" dirty="0"/>
+              <a:t> </a:t>
+            </a:r>
+            <a:r>
+              <a:rPr lang="en-US" sz="2400" dirty="0" err="1"/>
+              <a:t>thu</a:t>
+            </a:r>
+            <a:r>
+              <a:rPr lang="en-US" sz="2400" dirty="0"/>
+              <a:t> </a:t>
+            </a:r>
+            <a:r>
+              <a:rPr lang="en-US" sz="2400" dirty="0" err="1"/>
+              <a:t>thập</a:t>
+            </a:r>
+            <a:r>
+              <a:rPr lang="en-US" sz="2400" dirty="0"/>
+              <a:t> </a:t>
+            </a:r>
+            <a:r>
+              <a:rPr lang="en-US" sz="2400" dirty="0" err="1"/>
+              <a:t>là</a:t>
+            </a:r>
+            <a:r>
+              <a:rPr lang="en-US" sz="2400" dirty="0"/>
+              <a:t> </a:t>
+            </a:r>
+            <a:r>
+              <a:rPr lang="en-US" sz="2400" dirty="0" err="1"/>
+              <a:t>hợp</a:t>
+            </a:r>
+            <a:r>
+              <a:rPr lang="en-US" sz="2400" dirty="0"/>
+              <a:t> </a:t>
+            </a:r>
+            <a:r>
+              <a:rPr lang="en-US" sz="2400" dirty="0" err="1"/>
+              <a:t>lệ</a:t>
+            </a:r>
+            <a:r>
+              <a:rPr lang="en-US" sz="2400" dirty="0"/>
+              <a:t>  </a:t>
+            </a:r>
+            <a:r>
+              <a:rPr lang="en-US" sz="2400" dirty="0">
+                <a:sym typeface="Wingdings" panose="05000000000000000000" pitchFamily="2" charset="2"/>
+              </a:rPr>
+              <a:t>  Thu </a:t>
+            </a:r>
+            <a:r>
+              <a:rPr lang="en-US" sz="2400" dirty="0" err="1">
+                <a:sym typeface="Wingdings" panose="05000000000000000000" pitchFamily="2" charset="2"/>
+              </a:rPr>
+              <a:t>thập</a:t>
+            </a:r>
+            <a:r>
+              <a:rPr lang="en-US" sz="2400" dirty="0">
+                <a:sym typeface="Wingdings" panose="05000000000000000000" pitchFamily="2" charset="2"/>
+              </a:rPr>
+              <a:t> URL </a:t>
+            </a:r>
+            <a:r>
+              <a:rPr lang="en-US" sz="2400" dirty="0" err="1">
+                <a:sym typeface="Wingdings" panose="05000000000000000000" pitchFamily="2" charset="2"/>
+              </a:rPr>
+              <a:t>các</a:t>
+            </a:r>
+            <a:r>
+              <a:rPr lang="en-US" sz="2400" dirty="0">
+                <a:sym typeface="Wingdings" panose="05000000000000000000" pitchFamily="2" charset="2"/>
+              </a:rPr>
+              <a:t> page     Thu </a:t>
+            </a:r>
+            <a:r>
+              <a:rPr lang="en-US" sz="2400" dirty="0" err="1">
+                <a:sym typeface="Wingdings" panose="05000000000000000000" pitchFamily="2" charset="2"/>
+              </a:rPr>
+              <a:t>thập</a:t>
+            </a:r>
+            <a:r>
+              <a:rPr lang="en-US" sz="2400" dirty="0">
+                <a:sym typeface="Wingdings" panose="05000000000000000000" pitchFamily="2" charset="2"/>
+              </a:rPr>
+              <a:t> URL </a:t>
+            </a:r>
+            <a:r>
+              <a:rPr lang="en-US" sz="2400" dirty="0" err="1">
+                <a:sym typeface="Wingdings" panose="05000000000000000000" pitchFamily="2" charset="2"/>
+              </a:rPr>
+              <a:t>của</a:t>
+            </a:r>
+            <a:r>
+              <a:rPr lang="en-US" sz="2400" dirty="0">
+                <a:sym typeface="Wingdings" panose="05000000000000000000" pitchFamily="2" charset="2"/>
+              </a:rPr>
+              <a:t> </a:t>
+            </a:r>
+            <a:r>
+              <a:rPr lang="en-US" sz="2400" dirty="0" err="1">
+                <a:sym typeface="Wingdings" panose="05000000000000000000" pitchFamily="2" charset="2"/>
+              </a:rPr>
+              <a:t>từng</a:t>
+            </a:r>
+            <a:r>
+              <a:rPr lang="en-US" sz="2400" dirty="0">
+                <a:sym typeface="Wingdings" panose="05000000000000000000" pitchFamily="2" charset="2"/>
+              </a:rPr>
+              <a:t> </a:t>
+            </a:r>
+            <a:r>
+              <a:rPr lang="en-US" sz="2400" dirty="0" err="1">
+                <a:sym typeface="Wingdings" panose="05000000000000000000" pitchFamily="2" charset="2"/>
+              </a:rPr>
+              <a:t>nhà</a:t>
+            </a:r>
+            <a:r>
+              <a:rPr lang="en-US" sz="2400" dirty="0">
+                <a:sym typeface="Wingdings" panose="05000000000000000000" pitchFamily="2" charset="2"/>
+              </a:rPr>
+              <a:t> ở </a:t>
+            </a:r>
+            <a:r>
+              <a:rPr lang="en-US" sz="2400" dirty="0" err="1">
+                <a:sym typeface="Wingdings" panose="05000000000000000000" pitchFamily="2" charset="2"/>
+              </a:rPr>
+              <a:t>từng</a:t>
+            </a:r>
+            <a:r>
+              <a:rPr lang="en-US" sz="2400" dirty="0">
+                <a:sym typeface="Wingdings" panose="05000000000000000000" pitchFamily="2" charset="2"/>
+              </a:rPr>
+              <a:t> page    Thu </a:t>
+            </a:r>
+            <a:r>
+              <a:rPr lang="en-US" sz="2400" dirty="0" err="1">
+                <a:sym typeface="Wingdings" panose="05000000000000000000" pitchFamily="2" charset="2"/>
+              </a:rPr>
+              <a:t>thập</a:t>
+            </a:r>
+            <a:r>
+              <a:rPr lang="en-US" sz="2400" dirty="0">
+                <a:sym typeface="Wingdings" panose="05000000000000000000" pitchFamily="2" charset="2"/>
+              </a:rPr>
+              <a:t> </a:t>
+            </a:r>
+            <a:r>
+              <a:rPr lang="en-US" sz="2400" dirty="0" err="1">
+                <a:sym typeface="Wingdings" panose="05000000000000000000" pitchFamily="2" charset="2"/>
+              </a:rPr>
+              <a:t>thông</a:t>
+            </a:r>
+            <a:r>
+              <a:rPr lang="en-US" sz="2400" dirty="0">
+                <a:sym typeface="Wingdings" panose="05000000000000000000" pitchFamily="2" charset="2"/>
+              </a:rPr>
+              <a:t> tin </a:t>
+            </a:r>
+            <a:r>
+              <a:rPr lang="en-US" sz="2400" dirty="0" err="1">
+                <a:sym typeface="Wingdings" panose="05000000000000000000" pitchFamily="2" charset="2"/>
+              </a:rPr>
+              <a:t>của</a:t>
+            </a:r>
+            <a:r>
+              <a:rPr lang="en-US" sz="2400" dirty="0">
+                <a:sym typeface="Wingdings" panose="05000000000000000000" pitchFamily="2" charset="2"/>
+              </a:rPr>
+              <a:t> </a:t>
+            </a:r>
+            <a:r>
+              <a:rPr lang="en-US" sz="2400" dirty="0" err="1">
+                <a:sym typeface="Wingdings" panose="05000000000000000000" pitchFamily="2" charset="2"/>
+              </a:rPr>
+              <a:t>từng</a:t>
+            </a:r>
+            <a:r>
+              <a:rPr lang="en-US" sz="2400" dirty="0">
+                <a:sym typeface="Wingdings" panose="05000000000000000000" pitchFamily="2" charset="2"/>
+              </a:rPr>
+              <a:t> </a:t>
+            </a:r>
+            <a:r>
+              <a:rPr lang="en-US" sz="2400" dirty="0" err="1">
+                <a:sym typeface="Wingdings" panose="05000000000000000000" pitchFamily="2" charset="2"/>
+              </a:rPr>
+              <a:t>nhà</a:t>
+            </a:r>
+            <a:r>
+              <a:rPr lang="en-US" sz="2400" dirty="0">
+                <a:sym typeface="Wingdings" panose="05000000000000000000" pitchFamily="2" charset="2"/>
+              </a:rPr>
+              <a:t>    </a:t>
+            </a:r>
+            <a:r>
+              <a:rPr lang="en-US" sz="2400" dirty="0" err="1">
+                <a:sym typeface="Wingdings" panose="05000000000000000000" pitchFamily="2" charset="2"/>
+              </a:rPr>
+              <a:t>Lưu</a:t>
+            </a:r>
+            <a:r>
+              <a:rPr lang="en-US" sz="2400" dirty="0">
+                <a:sym typeface="Wingdings" panose="05000000000000000000" pitchFamily="2" charset="2"/>
+              </a:rPr>
+              <a:t> </a:t>
+            </a:r>
+            <a:r>
+              <a:rPr lang="en-US" sz="2400" dirty="0" err="1">
+                <a:sym typeface="Wingdings" panose="05000000000000000000" pitchFamily="2" charset="2"/>
+              </a:rPr>
+              <a:t>vào</a:t>
+            </a:r>
+            <a:r>
+              <a:rPr lang="en-US" sz="2400" dirty="0">
+                <a:sym typeface="Wingdings" panose="05000000000000000000" pitchFamily="2" charset="2"/>
+              </a:rPr>
+              <a:t> file CSV</a:t>
+            </a:r>
+          </a:p>
+          <a:p>
+            <a:endParaRPr lang="en-US" sz="2400" dirty="0"/>
           </a:p>
         </p:txBody>
       </p:sp>
@@ -4631,6 +6678,99 @@
           <p:cNvPr id="2" name="Title 1">
             <a:extLst>
               <a:ext uri="{FF2B5EF4-FFF2-40B4-BE49-F238E27FC236}">
+                <a16:creationId xmlns:a16="http://schemas.microsoft.com/office/drawing/2014/main" id="{E33657BE-7C78-43E1-B13E-B17DCCE9F9AE}"/>
+              </a:ext>
+            </a:extLst>
+          </p:cNvPr>
+          <p:cNvSpPr>
+            <a:spLocks noGrp="1"/>
+          </p:cNvSpPr>
+          <p:nvPr>
+            <p:ph type="title"/>
+          </p:nvPr>
+        </p:nvSpPr>
+        <p:spPr>
+          <a:xfrm>
+            <a:off x="838199" y="365126"/>
+            <a:ext cx="10764915" cy="797850"/>
+          </a:xfrm>
+        </p:spPr>
+        <p:txBody>
+          <a:bodyPr/>
+          <a:lstStyle/>
+          <a:p>
+            <a:r>
+              <a:rPr lang="en-US" sz="4400" dirty="0"/>
+              <a:t>2. THU THẬP DỮ LIỆU</a:t>
+            </a:r>
+            <a:endParaRPr lang="en-US" dirty="0"/>
+          </a:p>
+        </p:txBody>
+      </p:sp>
+      <p:pic>
+        <p:nvPicPr>
+          <p:cNvPr id="5" name="Content Placeholder 4">
+            <a:extLst>
+              <a:ext uri="{FF2B5EF4-FFF2-40B4-BE49-F238E27FC236}">
+                <a16:creationId xmlns:a16="http://schemas.microsoft.com/office/drawing/2014/main" id="{439A0C12-0BA0-4071-BDAC-20797E17E2B1}"/>
+              </a:ext>
+            </a:extLst>
+          </p:cNvPr>
+          <p:cNvPicPr>
+            <a:picLocks noGrp="1" noChangeAspect="1"/>
+          </p:cNvPicPr>
+          <p:nvPr>
+            <p:ph idx="1"/>
+          </p:nvPr>
+        </p:nvPicPr>
+        <p:blipFill>
+          <a:blip r:embed="rId2"/>
+          <a:stretch>
+            <a:fillRect/>
+          </a:stretch>
+        </p:blipFill>
+        <p:spPr>
+          <a:xfrm>
+            <a:off x="1971511" y="1162976"/>
+            <a:ext cx="6784186" cy="5202313"/>
+          </a:xfrm>
+        </p:spPr>
+      </p:pic>
+    </p:spTree>
+    <p:extLst>
+      <p:ext uri="{BB962C8B-B14F-4D97-AF65-F5344CB8AC3E}">
+        <p14:creationId xmlns:p14="http://schemas.microsoft.com/office/powerpoint/2010/main" val="833916804"/>
+      </p:ext>
+    </p:extLst>
+  </p:cSld>
+  <p:clrMapOvr>
+    <a:masterClrMapping/>
+  </p:clrMapOvr>
+</p:sld>
+</file>
+
+<file path=ppt/slides/slide6.xml><?xml version="1.0" encoding="utf-8"?>
+<p:sld xmlns:a="http://schemas.openxmlformats.org/drawingml/2006/main" xmlns:r="http://schemas.openxmlformats.org/officeDocument/2006/relationships" xmlns:p="http://schemas.openxmlformats.org/presentationml/2006/main">
+  <p:cSld>
+    <p:spTree>
+      <p:nvGrpSpPr>
+        <p:cNvPr id="1" name=""/>
+        <p:cNvGrpSpPr/>
+        <p:nvPr/>
+      </p:nvGrpSpPr>
+      <p:grpSpPr>
+        <a:xfrm>
+          <a:off x="0" y="0"/>
+          <a:ext cx="0" cy="0"/>
+          <a:chOff x="0" y="0"/>
+          <a:chExt cx="0" cy="0"/>
+        </a:xfrm>
+      </p:grpSpPr>
+      <p:sp>
+        <p:nvSpPr>
+          <p:cNvPr id="2" name="Title 1">
+            <a:extLst>
+              <a:ext uri="{FF2B5EF4-FFF2-40B4-BE49-F238E27FC236}">
                 <a16:creationId xmlns:a16="http://schemas.microsoft.com/office/drawing/2014/main" id="{9E5D42ED-4E5B-4BAB-8969-949BE50950EB}"/>
               </a:ext>
             </a:extLst>
@@ -4642,7 +6782,12 @@
             <p:ph type="title"/>
           </p:nvPr>
         </p:nvSpPr>
-        <p:spPr/>
+        <p:spPr>
+          <a:xfrm>
+            <a:off x="838200" y="365126"/>
+            <a:ext cx="10515600" cy="957648"/>
+          </a:xfrm>
+        </p:spPr>
         <p:txBody>
           <a:bodyPr>
             <a:normAutofit/>
@@ -4650,18 +6795,19 @@
           <a:lstStyle/>
           <a:p>
             <a:r>
-              <a:rPr lang="en-US" sz="3600" dirty="0"/>
+              <a:rPr lang="en-US" sz="3600"/>
               <a:t>3. KHÁM PHÁ DỮ LIỆU </a:t>
             </a:r>
+            <a:endParaRPr lang="en-US" sz="3600" dirty="0"/>
           </a:p>
         </p:txBody>
       </p:sp>
       <p:sp>
         <p:nvSpPr>
-          <p:cNvPr id="3" name="Content Placeholder 2">
+          <p:cNvPr id="14" name="Content Placeholder 13">
             <a:extLst>
               <a:ext uri="{FF2B5EF4-FFF2-40B4-BE49-F238E27FC236}">
-                <a16:creationId xmlns:a16="http://schemas.microsoft.com/office/drawing/2014/main" id="{09515745-3ED8-45F6-BC64-626BAD21941A}"/>
+                <a16:creationId xmlns:a16="http://schemas.microsoft.com/office/drawing/2014/main" id="{A8D01AA7-01C9-4EC0-A140-6B46C662A5FD}"/>
               </a:ext>
             </a:extLst>
           </p:cNvPr>
@@ -4672,15 +6818,505 @@
             <p:ph idx="1"/>
           </p:nvPr>
         </p:nvSpPr>
-        <p:spPr/>
+        <p:spPr>
+          <a:xfrm>
+            <a:off x="685800" y="1322774"/>
+            <a:ext cx="10668000" cy="4854189"/>
+          </a:xfrm>
+        </p:spPr>
         <p:txBody>
-          <a:bodyPr/>
+          <a:bodyPr>
+            <a:normAutofit/>
+          </a:bodyPr>
           <a:lstStyle/>
           <a:p>
-            <a:endParaRPr lang="en-US"/>
+            <a:r>
+              <a:rPr lang="en-US" sz="2400" dirty="0" err="1"/>
+              <a:t>Dữ</a:t>
+            </a:r>
+            <a:r>
+              <a:rPr lang="en-US" sz="2400" dirty="0"/>
+              <a:t> </a:t>
+            </a:r>
+            <a:r>
+              <a:rPr lang="en-US" sz="2400" dirty="0" err="1"/>
+              <a:t>liệu</a:t>
+            </a:r>
+            <a:r>
+              <a:rPr lang="en-US" sz="2400" dirty="0"/>
+              <a:t> bao </a:t>
+            </a:r>
+            <a:r>
+              <a:rPr lang="en-US" sz="2400" dirty="0" err="1"/>
+              <a:t>gồm</a:t>
+            </a:r>
+            <a:r>
+              <a:rPr lang="en-US" sz="2400" dirty="0"/>
+              <a:t>: </a:t>
+            </a:r>
+            <a:r>
+              <a:rPr lang="en-US" sz="2400" dirty="0" err="1"/>
+              <a:t>Các</a:t>
+            </a:r>
+            <a:r>
+              <a:rPr lang="en-US" sz="2400" dirty="0"/>
+              <a:t> </a:t>
+            </a:r>
+            <a:r>
+              <a:rPr lang="en-US" sz="2400" dirty="0" err="1"/>
+              <a:t>cột</a:t>
+            </a:r>
+            <a:r>
+              <a:rPr lang="en-US" sz="2400" dirty="0"/>
+              <a:t> </a:t>
+            </a:r>
+            <a:r>
+              <a:rPr lang="en-US" sz="2400" dirty="0" err="1"/>
+              <a:t>dạng</a:t>
+            </a:r>
+            <a:r>
+              <a:rPr lang="en-US" sz="2400" dirty="0"/>
+              <a:t> </a:t>
+            </a:r>
+            <a:r>
+              <a:rPr lang="en-US" sz="2400" dirty="0" err="1"/>
+              <a:t>số</a:t>
+            </a:r>
+            <a:r>
+              <a:rPr lang="en-US" sz="2400" dirty="0"/>
+              <a:t>, </a:t>
+            </a:r>
+            <a:r>
+              <a:rPr lang="en-US" sz="2400" dirty="0" err="1"/>
+              <a:t>dạng</a:t>
+            </a:r>
+            <a:r>
+              <a:rPr lang="en-US" sz="2400" dirty="0"/>
+              <a:t> </a:t>
+            </a:r>
+            <a:r>
+              <a:rPr lang="en-US" sz="2400" dirty="0" err="1"/>
+              <a:t>chuỗi</a:t>
+            </a:r>
+            <a:r>
+              <a:rPr lang="en-US" sz="2400" dirty="0"/>
+              <a:t>. </a:t>
+            </a:r>
+            <a:r>
+              <a:rPr lang="en-US" sz="2400" dirty="0" err="1"/>
+              <a:t>Trong</a:t>
+            </a:r>
+            <a:r>
+              <a:rPr lang="en-US" sz="2400" dirty="0"/>
+              <a:t> </a:t>
+            </a:r>
+            <a:r>
+              <a:rPr lang="en-US" sz="2400" dirty="0" err="1"/>
+              <a:t>đó</a:t>
+            </a:r>
+            <a:r>
+              <a:rPr lang="en-US" sz="2400" dirty="0"/>
+              <a:t> </a:t>
+            </a:r>
+            <a:r>
+              <a:rPr lang="en-US" sz="2400" dirty="0" err="1"/>
+              <a:t>có</a:t>
+            </a:r>
+            <a:r>
+              <a:rPr lang="en-US" sz="2400" dirty="0"/>
+              <a:t> </a:t>
+            </a:r>
+            <a:r>
+              <a:rPr lang="en-US" sz="2400" dirty="0" err="1"/>
+              <a:t>những</a:t>
+            </a:r>
+            <a:r>
+              <a:rPr lang="en-US" sz="2400" dirty="0"/>
+              <a:t> </a:t>
+            </a:r>
+            <a:r>
+              <a:rPr lang="en-US" sz="2400" dirty="0" err="1"/>
+              <a:t>cột</a:t>
+            </a:r>
+            <a:r>
+              <a:rPr lang="en-US" sz="2400" dirty="0"/>
+              <a:t> </a:t>
+            </a:r>
+            <a:r>
+              <a:rPr lang="en-US" sz="2400" dirty="0" err="1"/>
+              <a:t>dạng</a:t>
+            </a:r>
+            <a:r>
+              <a:rPr lang="en-US" sz="2400" dirty="0"/>
+              <a:t> </a:t>
+            </a:r>
+            <a:r>
+              <a:rPr lang="en-US" sz="2400" dirty="0" err="1"/>
+              <a:t>số</a:t>
+            </a:r>
+            <a:r>
+              <a:rPr lang="en-US" sz="2400" dirty="0"/>
+              <a:t> </a:t>
+            </a:r>
+            <a:r>
+              <a:rPr lang="en-US" sz="2400" dirty="0" err="1"/>
+              <a:t>nhưng</a:t>
+            </a:r>
+            <a:r>
+              <a:rPr lang="en-US" sz="2400" dirty="0"/>
+              <a:t> </a:t>
+            </a:r>
+            <a:r>
+              <a:rPr lang="en-US" sz="2400" dirty="0" err="1"/>
+              <a:t>được</a:t>
+            </a:r>
+            <a:r>
+              <a:rPr lang="en-US" sz="2400" dirty="0"/>
+              <a:t> </a:t>
+            </a:r>
+            <a:r>
+              <a:rPr lang="en-US" sz="2400" dirty="0" err="1"/>
+              <a:t>thể</a:t>
+            </a:r>
+            <a:r>
+              <a:rPr lang="en-US" sz="2400" dirty="0"/>
+              <a:t> </a:t>
+            </a:r>
+            <a:r>
+              <a:rPr lang="en-US" sz="2400" dirty="0" err="1"/>
+              <a:t>hiện</a:t>
+            </a:r>
+            <a:r>
+              <a:rPr lang="en-US" sz="2400" dirty="0"/>
+              <a:t> </a:t>
+            </a:r>
+            <a:r>
+              <a:rPr lang="en-US" sz="2400" dirty="0" err="1"/>
+              <a:t>bằng</a:t>
+            </a:r>
+            <a:r>
+              <a:rPr lang="en-US" sz="2400" dirty="0"/>
+              <a:t> </a:t>
+            </a:r>
+            <a:r>
+              <a:rPr lang="en-US" sz="2400" dirty="0" err="1"/>
+              <a:t>dạng</a:t>
+            </a:r>
+            <a:r>
+              <a:rPr lang="en-US" sz="2400" dirty="0"/>
+              <a:t> </a:t>
+            </a:r>
+            <a:r>
+              <a:rPr lang="en-US" sz="2400" dirty="0" err="1"/>
+              <a:t>chuỗi</a:t>
+            </a:r>
+            <a:r>
+              <a:rPr lang="en-US" sz="2400" dirty="0"/>
+              <a:t> (</a:t>
+            </a:r>
+            <a:r>
+              <a:rPr lang="en-US" sz="2400" dirty="0" err="1"/>
+              <a:t>vd</a:t>
+            </a:r>
+            <a:r>
+              <a:rPr lang="en-US" sz="2400" dirty="0"/>
+              <a:t>: </a:t>
+            </a:r>
+            <a:r>
+              <a:rPr lang="en-US" sz="2400" dirty="0" err="1"/>
+              <a:t>Diện</a:t>
+            </a:r>
+            <a:r>
+              <a:rPr lang="en-US" sz="2400" dirty="0"/>
+              <a:t> </a:t>
+            </a:r>
+            <a:r>
+              <a:rPr lang="en-US" sz="2400" dirty="0" err="1"/>
+              <a:t>tích</a:t>
+            </a:r>
+            <a:r>
+              <a:rPr lang="en-US" sz="2400" dirty="0"/>
+              <a:t>, </a:t>
+            </a:r>
+            <a:r>
+              <a:rPr lang="en-US" sz="2400" dirty="0" err="1"/>
+              <a:t>giá</a:t>
+            </a:r>
+            <a:r>
+              <a:rPr lang="en-US" sz="2400" dirty="0"/>
+              <a:t> </a:t>
+            </a:r>
+            <a:r>
+              <a:rPr lang="en-US" sz="2400" dirty="0" err="1"/>
+              <a:t>bán</a:t>
+            </a:r>
+            <a:r>
+              <a:rPr lang="en-US" sz="2400" dirty="0"/>
+              <a:t>, …)</a:t>
+            </a:r>
+          </a:p>
+          <a:p>
+            <a:r>
+              <a:rPr lang="en-US" sz="2400" dirty="0" err="1"/>
+              <a:t>Có</a:t>
+            </a:r>
+            <a:r>
+              <a:rPr lang="en-US" sz="2400" dirty="0"/>
+              <a:t> </a:t>
+            </a:r>
+            <a:r>
+              <a:rPr lang="en-US" sz="2400" dirty="0" err="1"/>
+              <a:t>những</a:t>
+            </a:r>
+            <a:r>
+              <a:rPr lang="en-US" sz="2400" dirty="0"/>
+              <a:t> </a:t>
+            </a:r>
+            <a:r>
+              <a:rPr lang="en-US" sz="2400" dirty="0" err="1"/>
+              <a:t>cột</a:t>
+            </a:r>
+            <a:r>
+              <a:rPr lang="en-US" sz="2400" dirty="0"/>
+              <a:t> </a:t>
+            </a:r>
+            <a:r>
+              <a:rPr lang="en-US" sz="2400" dirty="0" err="1"/>
+              <a:t>dạng</a:t>
+            </a:r>
+            <a:r>
+              <a:rPr lang="en-US" sz="2400" dirty="0"/>
+              <a:t> </a:t>
+            </a:r>
+            <a:r>
+              <a:rPr lang="en-US" sz="2400" dirty="0" err="1"/>
+              <a:t>số</a:t>
+            </a:r>
+            <a:r>
+              <a:rPr lang="en-US" sz="2400" dirty="0"/>
+              <a:t> </a:t>
+            </a:r>
+            <a:r>
+              <a:rPr lang="en-US" sz="2400" dirty="0" err="1"/>
+              <a:t>nguyên</a:t>
+            </a:r>
+            <a:r>
+              <a:rPr lang="en-US" sz="2400" dirty="0"/>
+              <a:t> </a:t>
+            </a:r>
+            <a:r>
+              <a:rPr lang="en-US" sz="2400" dirty="0" err="1"/>
+              <a:t>nhưng</a:t>
+            </a:r>
+            <a:r>
+              <a:rPr lang="en-US" sz="2400" dirty="0"/>
+              <a:t> </a:t>
+            </a:r>
+            <a:r>
+              <a:rPr lang="en-US" sz="2400" dirty="0" err="1"/>
+              <a:t>được</a:t>
+            </a:r>
+            <a:r>
+              <a:rPr lang="en-US" sz="2400" dirty="0"/>
+              <a:t> </a:t>
+            </a:r>
+            <a:r>
+              <a:rPr lang="en-US" sz="2400" dirty="0" err="1"/>
+              <a:t>thể</a:t>
+            </a:r>
+            <a:r>
+              <a:rPr lang="en-US" sz="2400" dirty="0"/>
+              <a:t> </a:t>
+            </a:r>
+            <a:r>
+              <a:rPr lang="en-US" sz="2400" dirty="0" err="1"/>
+              <a:t>hiện</a:t>
+            </a:r>
+            <a:r>
+              <a:rPr lang="en-US" sz="2400" dirty="0"/>
+              <a:t> </a:t>
+            </a:r>
+          </a:p>
+          <a:p>
+            <a:pPr marL="0" indent="0">
+              <a:buNone/>
+            </a:pPr>
+            <a:r>
+              <a:rPr lang="en-US" sz="2400" dirty="0" err="1"/>
+              <a:t>dưới</a:t>
+            </a:r>
+            <a:r>
+              <a:rPr lang="en-US" sz="2400" dirty="0"/>
+              <a:t> </a:t>
+            </a:r>
+            <a:r>
+              <a:rPr lang="en-US" sz="2400" dirty="0" err="1"/>
+              <a:t>dạng</a:t>
+            </a:r>
+            <a:r>
+              <a:rPr lang="en-US" sz="2400" dirty="0"/>
+              <a:t> </a:t>
+            </a:r>
+            <a:r>
+              <a:rPr lang="en-US" sz="2400" dirty="0" err="1"/>
+              <a:t>số</a:t>
+            </a:r>
+            <a:r>
+              <a:rPr lang="en-US" sz="2400" dirty="0"/>
+              <a:t> </a:t>
+            </a:r>
+            <a:r>
+              <a:rPr lang="en-US" sz="2400" dirty="0" err="1"/>
+              <a:t>thực</a:t>
+            </a:r>
+            <a:r>
+              <a:rPr lang="en-US" sz="2400" dirty="0"/>
+              <a:t> (</a:t>
+            </a:r>
+            <a:r>
+              <a:rPr lang="en-US" sz="2400" dirty="0" err="1"/>
+              <a:t>vd</a:t>
+            </a:r>
+            <a:r>
+              <a:rPr lang="en-US" sz="2400" dirty="0"/>
+              <a:t>: </a:t>
+            </a:r>
+            <a:r>
+              <a:rPr lang="en-US" sz="2400" dirty="0" err="1"/>
+              <a:t>số</a:t>
+            </a:r>
+            <a:r>
+              <a:rPr lang="en-US" sz="2400" dirty="0"/>
+              <a:t> </a:t>
+            </a:r>
+            <a:r>
+              <a:rPr lang="en-US" sz="2400" dirty="0" err="1"/>
+              <a:t>phòng</a:t>
+            </a:r>
+            <a:r>
+              <a:rPr lang="en-US" sz="2400" dirty="0"/>
+              <a:t> </a:t>
+            </a:r>
+            <a:r>
+              <a:rPr lang="en-US" sz="2400" dirty="0" err="1"/>
+              <a:t>ngủ</a:t>
+            </a:r>
+            <a:r>
+              <a:rPr lang="en-US" sz="2400" dirty="0"/>
+              <a:t>, </a:t>
+            </a:r>
+            <a:r>
+              <a:rPr lang="en-US" sz="2400" dirty="0" err="1"/>
+              <a:t>số</a:t>
+            </a:r>
+            <a:r>
+              <a:rPr lang="en-US" sz="2400" dirty="0"/>
+              <a:t> </a:t>
+            </a:r>
+            <a:r>
+              <a:rPr lang="en-US" sz="2400" dirty="0" err="1"/>
+              <a:t>tầng</a:t>
+            </a:r>
+            <a:r>
+              <a:rPr lang="en-US" sz="2400" dirty="0"/>
+              <a:t>, …)</a:t>
+            </a:r>
+          </a:p>
+          <a:p>
+            <a:r>
+              <a:rPr lang="en-US" sz="2400" dirty="0" err="1"/>
+              <a:t>Các</a:t>
+            </a:r>
+            <a:r>
+              <a:rPr lang="en-US" sz="2400" dirty="0"/>
+              <a:t> </a:t>
+            </a:r>
+            <a:r>
+              <a:rPr lang="en-US" sz="2400" dirty="0" err="1"/>
+              <a:t>giá</a:t>
+            </a:r>
+            <a:r>
+              <a:rPr lang="en-US" sz="2400" dirty="0"/>
+              <a:t> </a:t>
+            </a:r>
+            <a:r>
+              <a:rPr lang="en-US" sz="2400" dirty="0" err="1"/>
+              <a:t>trị</a:t>
+            </a:r>
+            <a:r>
+              <a:rPr lang="en-US" sz="2400" dirty="0"/>
+              <a:t> </a:t>
+            </a:r>
+            <a:r>
+              <a:rPr lang="en-US" sz="2400" dirty="0" err="1"/>
+              <a:t>thiếu</a:t>
+            </a:r>
+            <a:r>
+              <a:rPr lang="en-US" sz="2400" dirty="0"/>
+              <a:t> (missing values)</a:t>
+            </a:r>
+          </a:p>
+          <a:p>
+            <a:r>
+              <a:rPr lang="en-US" sz="2400" dirty="0" err="1"/>
+              <a:t>Các</a:t>
+            </a:r>
+            <a:r>
+              <a:rPr lang="en-US" sz="2400" dirty="0"/>
+              <a:t> </a:t>
+            </a:r>
+            <a:r>
+              <a:rPr lang="en-US" sz="2400" dirty="0" err="1"/>
+              <a:t>giá</a:t>
+            </a:r>
+            <a:r>
+              <a:rPr lang="en-US" sz="2400" dirty="0"/>
+              <a:t> </a:t>
+            </a:r>
+            <a:r>
+              <a:rPr lang="en-US" sz="2400" dirty="0" err="1"/>
+              <a:t>trị</a:t>
+            </a:r>
+            <a:r>
+              <a:rPr lang="en-US" sz="2400" dirty="0"/>
+              <a:t> Yes/No</a:t>
+            </a:r>
+          </a:p>
+          <a:p>
+            <a:endParaRPr lang="en-US" sz="2400" dirty="0"/>
           </a:p>
         </p:txBody>
       </p:sp>
+      <p:pic>
+        <p:nvPicPr>
+          <p:cNvPr id="32" name="Picture 31">
+            <a:extLst>
+              <a:ext uri="{FF2B5EF4-FFF2-40B4-BE49-F238E27FC236}">
+                <a16:creationId xmlns:a16="http://schemas.microsoft.com/office/drawing/2014/main" id="{9A47D39E-4F61-4251-B27E-E9C819B0ACA3}"/>
+              </a:ext>
+            </a:extLst>
+          </p:cNvPr>
+          <p:cNvPicPr>
+            <a:picLocks noChangeAspect="1"/>
+          </p:cNvPicPr>
+          <p:nvPr/>
+        </p:nvPicPr>
+        <p:blipFill>
+          <a:blip r:embed="rId2"/>
+          <a:stretch>
+            <a:fillRect/>
+          </a:stretch>
+        </p:blipFill>
+        <p:spPr>
+          <a:xfrm>
+            <a:off x="7606249" y="2280422"/>
+            <a:ext cx="4204751" cy="4190151"/>
+          </a:xfrm>
+          <a:prstGeom prst="rect">
+            <a:avLst/>
+          </a:prstGeom>
+        </p:spPr>
+      </p:pic>
     </p:spTree>
     <p:extLst>
       <p:ext uri="{BB962C8B-B14F-4D97-AF65-F5344CB8AC3E}">
@@ -4694,7 +7330,7 @@
 </p:sld>
 </file>
 
-<file path=ppt/slides/slide6.xml><?xml version="1.0" encoding="utf-8"?>
+<file path=ppt/slides/slide7.xml><?xml version="1.0" encoding="utf-8"?>
 <p:sld xmlns:a="http://schemas.openxmlformats.org/drawingml/2006/main" xmlns:r="http://schemas.openxmlformats.org/officeDocument/2006/relationships" xmlns:p="http://schemas.openxmlformats.org/presentationml/2006/main">
   <p:cSld>
     <p:spTree>
@@ -4727,9 +7363,16 @@
             <p:ph type="title"/>
           </p:nvPr>
         </p:nvSpPr>
-        <p:spPr/>
+        <p:spPr>
+          <a:xfrm>
+            <a:off x="838200" y="365125"/>
+            <a:ext cx="10144125" cy="644525"/>
+          </a:xfrm>
+        </p:spPr>
         <p:txBody>
-          <a:bodyPr/>
+          <a:bodyPr>
+            <a:normAutofit fontScale="90000"/>
+          </a:bodyPr>
           <a:lstStyle/>
           <a:p>
             <a:r>
@@ -4755,12 +7398,916 @@
             <p:ph idx="1"/>
           </p:nvPr>
         </p:nvSpPr>
-        <p:spPr/>
+        <p:spPr>
+          <a:xfrm>
+            <a:off x="485775" y="1009650"/>
+            <a:ext cx="10868025" cy="5167313"/>
+          </a:xfrm>
+        </p:spPr>
         <p:txBody>
-          <a:bodyPr/>
+          <a:bodyPr>
+            <a:normAutofit/>
+          </a:bodyPr>
           <a:lstStyle/>
           <a:p>
-            <a:endParaRPr lang="en-US"/>
+            <a:r>
+              <a:rPr lang="en-US" sz="2400" dirty="0" err="1"/>
+              <a:t>Trước</a:t>
+            </a:r>
+            <a:r>
+              <a:rPr lang="en-US" sz="2400" dirty="0"/>
+              <a:t> </a:t>
+            </a:r>
+            <a:r>
+              <a:rPr lang="en-US" sz="2400" dirty="0" err="1"/>
+              <a:t>khi</a:t>
+            </a:r>
+            <a:r>
+              <a:rPr lang="en-US" sz="2400" dirty="0"/>
+              <a:t> </a:t>
+            </a:r>
+            <a:r>
+              <a:rPr lang="en-US" sz="2400" dirty="0" err="1"/>
+              <a:t>tiền</a:t>
+            </a:r>
+            <a:r>
+              <a:rPr lang="en-US" sz="2400" dirty="0"/>
+              <a:t> </a:t>
+            </a:r>
+            <a:r>
+              <a:rPr lang="en-US" sz="2400" dirty="0" err="1"/>
+              <a:t>xử</a:t>
+            </a:r>
+            <a:r>
+              <a:rPr lang="en-US" sz="2400" dirty="0"/>
+              <a:t> </a:t>
+            </a:r>
+            <a:r>
+              <a:rPr lang="en-US" sz="2400" dirty="0" err="1"/>
+              <a:t>lý</a:t>
+            </a:r>
+            <a:r>
+              <a:rPr lang="en-US" sz="2400" dirty="0"/>
+              <a:t> ta </a:t>
+            </a:r>
+            <a:r>
+              <a:rPr lang="en-US" sz="2400" dirty="0" err="1"/>
+              <a:t>chuyển</a:t>
+            </a:r>
+            <a:r>
+              <a:rPr lang="en-US" sz="2400" dirty="0"/>
+              <a:t> Output </a:t>
+            </a:r>
+            <a:r>
+              <a:rPr lang="en-US" sz="2400" dirty="0" err="1"/>
+              <a:t>về</a:t>
+            </a:r>
+            <a:r>
+              <a:rPr lang="en-US" sz="2400" dirty="0"/>
+              <a:t> </a:t>
+            </a:r>
+            <a:r>
+              <a:rPr lang="en-US" sz="2400" dirty="0" err="1"/>
+              <a:t>dạng</a:t>
+            </a:r>
+            <a:r>
+              <a:rPr lang="en-US" sz="2400" dirty="0"/>
+              <a:t> </a:t>
+            </a:r>
+            <a:r>
+              <a:rPr lang="en-US" sz="2400" dirty="0" err="1"/>
+              <a:t>chuẩn</a:t>
+            </a:r>
+            <a:r>
+              <a:rPr lang="en-US" sz="2400" dirty="0"/>
+              <a:t> (int, </a:t>
+            </a:r>
+            <a:r>
+              <a:rPr lang="en-US" sz="2400" dirty="0" err="1"/>
+              <a:t>không</a:t>
+            </a:r>
+            <a:r>
+              <a:rPr lang="en-US" sz="2400" dirty="0"/>
+              <a:t> </a:t>
+            </a:r>
+            <a:r>
+              <a:rPr lang="en-US" sz="2400" dirty="0" err="1"/>
+              <a:t>có</a:t>
+            </a:r>
+            <a:r>
+              <a:rPr lang="en-US" sz="2400" dirty="0"/>
+              <a:t> </a:t>
+            </a:r>
+            <a:r>
+              <a:rPr lang="en-US" sz="2400" dirty="0" err="1"/>
+              <a:t>dữ</a:t>
+            </a:r>
+            <a:r>
+              <a:rPr lang="en-US" sz="2400" dirty="0"/>
+              <a:t> </a:t>
+            </a:r>
+            <a:r>
+              <a:rPr lang="en-US" sz="2400" dirty="0" err="1"/>
+              <a:t>liệu</a:t>
+            </a:r>
+            <a:r>
+              <a:rPr lang="en-US" sz="2400" dirty="0"/>
+              <a:t> </a:t>
+            </a:r>
+            <a:r>
+              <a:rPr lang="en-US" sz="2400" dirty="0" err="1"/>
+              <a:t>thiếu</a:t>
+            </a:r>
+            <a:r>
+              <a:rPr lang="en-US" sz="2400" dirty="0"/>
+              <a:t>)</a:t>
+            </a:r>
+          </a:p>
+          <a:p>
+            <a:r>
+              <a:rPr lang="en-US" sz="2400" dirty="0" err="1"/>
+              <a:t>Tiến</a:t>
+            </a:r>
+            <a:r>
+              <a:rPr lang="en-US" sz="2400" dirty="0"/>
+              <a:t> </a:t>
+            </a:r>
+            <a:r>
+              <a:rPr lang="en-US" sz="2400" dirty="0" err="1"/>
+              <a:t>hành</a:t>
+            </a:r>
+            <a:r>
+              <a:rPr lang="en-US" sz="2400" dirty="0"/>
+              <a:t> </a:t>
+            </a:r>
+            <a:r>
+              <a:rPr lang="en-US" sz="2400" dirty="0" err="1"/>
+              <a:t>tách</a:t>
+            </a:r>
+            <a:r>
+              <a:rPr lang="en-US" sz="2400" dirty="0"/>
+              <a:t> </a:t>
+            </a:r>
+            <a:r>
+              <a:rPr lang="en-US" sz="2400" dirty="0" err="1"/>
+              <a:t>bộ</a:t>
+            </a:r>
+            <a:r>
+              <a:rPr lang="en-US" sz="2400" dirty="0"/>
+              <a:t> </a:t>
+            </a:r>
+            <a:r>
+              <a:rPr lang="en-US" sz="2400" dirty="0" err="1"/>
+              <a:t>dữ</a:t>
+            </a:r>
+            <a:r>
+              <a:rPr lang="en-US" sz="2400" dirty="0"/>
+              <a:t> </a:t>
+            </a:r>
+            <a:r>
+              <a:rPr lang="en-US" sz="2400" dirty="0" err="1"/>
+              <a:t>liệu</a:t>
+            </a:r>
+            <a:r>
+              <a:rPr lang="en-US" sz="2400" dirty="0"/>
+              <a:t> </a:t>
+            </a:r>
+            <a:r>
+              <a:rPr lang="en-US" sz="2400" dirty="0" err="1"/>
+              <a:t>thu</a:t>
+            </a:r>
+            <a:r>
+              <a:rPr lang="en-US" sz="2400" dirty="0"/>
+              <a:t> </a:t>
+            </a:r>
+            <a:r>
+              <a:rPr lang="en-US" sz="2400" dirty="0" err="1"/>
+              <a:t>thập</a:t>
+            </a:r>
+            <a:r>
+              <a:rPr lang="en-US" sz="2400" dirty="0"/>
+              <a:t> </a:t>
+            </a:r>
+            <a:r>
+              <a:rPr lang="en-US" sz="2400" dirty="0" err="1"/>
+              <a:t>thành</a:t>
+            </a:r>
+            <a:r>
+              <a:rPr lang="en-US" sz="2400" dirty="0"/>
+              <a:t> 3 </a:t>
+            </a:r>
+            <a:r>
+              <a:rPr lang="en-US" sz="2400" dirty="0" err="1"/>
+              <a:t>tập</a:t>
+            </a:r>
+            <a:r>
+              <a:rPr lang="en-US" sz="2400" dirty="0"/>
+              <a:t> </a:t>
+            </a:r>
+            <a:r>
+              <a:rPr lang="en-US" sz="2400" dirty="0" err="1"/>
+              <a:t>dữ</a:t>
+            </a:r>
+            <a:r>
+              <a:rPr lang="en-US" sz="2400" dirty="0"/>
+              <a:t> </a:t>
+            </a:r>
+            <a:r>
+              <a:rPr lang="en-US" sz="2400" dirty="0" err="1"/>
+              <a:t>liệu</a:t>
+            </a:r>
+            <a:r>
+              <a:rPr lang="en-US" sz="2400" dirty="0"/>
+              <a:t>: train, validation </a:t>
+            </a:r>
+            <a:r>
+              <a:rPr lang="en-US" sz="2400" dirty="0" err="1"/>
+              <a:t>và</a:t>
+            </a:r>
+            <a:r>
+              <a:rPr lang="en-US" sz="2400" dirty="0"/>
+              <a:t> test </a:t>
+            </a:r>
+            <a:r>
+              <a:rPr lang="en-US" sz="2400" dirty="0" err="1"/>
+              <a:t>theo</a:t>
+            </a:r>
+            <a:r>
+              <a:rPr lang="en-US" sz="2400" dirty="0"/>
+              <a:t> </a:t>
+            </a:r>
+            <a:r>
+              <a:rPr lang="en-US" sz="2400" dirty="0" err="1"/>
+              <a:t>tỉ</a:t>
+            </a:r>
+            <a:r>
+              <a:rPr lang="en-US" sz="2400" dirty="0"/>
+              <a:t> </a:t>
+            </a:r>
+            <a:r>
+              <a:rPr lang="en-US" sz="2400" dirty="0" err="1"/>
+              <a:t>lệ</a:t>
+            </a:r>
+            <a:r>
+              <a:rPr lang="en-US" sz="2400" dirty="0"/>
+              <a:t> 70:15:15</a:t>
+            </a:r>
+          </a:p>
+          <a:p>
+            <a:r>
+              <a:rPr lang="en-US" sz="2400" dirty="0"/>
+              <a:t> </a:t>
+            </a:r>
+            <a:r>
+              <a:rPr lang="en-US" sz="2400" dirty="0" err="1"/>
+              <a:t>Tiến</a:t>
+            </a:r>
+            <a:r>
+              <a:rPr lang="en-US" sz="2400" dirty="0"/>
+              <a:t> </a:t>
+            </a:r>
+            <a:r>
+              <a:rPr lang="en-US" sz="2400" dirty="0" err="1"/>
+              <a:t>hành</a:t>
+            </a:r>
+            <a:r>
+              <a:rPr lang="en-US" sz="2400" dirty="0"/>
+              <a:t> </a:t>
+            </a:r>
+            <a:r>
+              <a:rPr lang="en-US" sz="2400" dirty="0" err="1"/>
+              <a:t>tiền</a:t>
+            </a:r>
+            <a:r>
+              <a:rPr lang="en-US" sz="2400" dirty="0"/>
+              <a:t> </a:t>
+            </a:r>
+            <a:r>
+              <a:rPr lang="en-US" sz="2400" dirty="0" err="1"/>
+              <a:t>xử</a:t>
+            </a:r>
+            <a:r>
+              <a:rPr lang="en-US" sz="2400" dirty="0"/>
+              <a:t> </a:t>
+            </a:r>
+            <a:r>
+              <a:rPr lang="en-US" sz="2400" dirty="0" err="1"/>
+              <a:t>lý</a:t>
+            </a:r>
+            <a:endParaRPr lang="en-US" sz="2400" dirty="0"/>
+          </a:p>
+          <a:p>
+            <a:pPr lvl="1"/>
+            <a:r>
+              <a:rPr lang="en-US" dirty="0" err="1"/>
+              <a:t>Xoá</a:t>
+            </a:r>
+            <a:r>
+              <a:rPr lang="en-US" dirty="0"/>
+              <a:t> </a:t>
+            </a:r>
+            <a:r>
+              <a:rPr lang="en-US" dirty="0" err="1"/>
+              <a:t>bỏ</a:t>
+            </a:r>
+            <a:r>
+              <a:rPr lang="en-US" dirty="0"/>
+              <a:t> </a:t>
+            </a:r>
+            <a:r>
+              <a:rPr lang="en-US" dirty="0" err="1"/>
+              <a:t>các</a:t>
+            </a:r>
+            <a:r>
+              <a:rPr lang="en-US" dirty="0"/>
+              <a:t> </a:t>
+            </a:r>
+            <a:r>
+              <a:rPr lang="en-US" dirty="0" err="1"/>
+              <a:t>cột</a:t>
+            </a:r>
+            <a:r>
+              <a:rPr lang="en-US" dirty="0"/>
+              <a:t> </a:t>
+            </a:r>
+            <a:r>
+              <a:rPr lang="en-US" dirty="0" err="1"/>
+              <a:t>có</a:t>
+            </a:r>
+            <a:r>
+              <a:rPr lang="en-US" dirty="0"/>
+              <a:t> missing values &gt;= 50% </a:t>
+            </a:r>
+            <a:r>
+              <a:rPr lang="en-US" dirty="0" err="1"/>
+              <a:t>và</a:t>
+            </a:r>
+            <a:r>
+              <a:rPr lang="en-US" dirty="0"/>
+              <a:t> Yes/No </a:t>
+            </a:r>
+            <a:r>
+              <a:rPr lang="en-US" dirty="0" err="1"/>
+              <a:t>có</a:t>
+            </a:r>
+            <a:r>
+              <a:rPr lang="en-US" dirty="0"/>
+              <a:t> </a:t>
+            </a:r>
+            <a:r>
+              <a:rPr lang="en-US" dirty="0" err="1"/>
+              <a:t>độ</a:t>
+            </a:r>
+            <a:r>
+              <a:rPr lang="en-US" dirty="0"/>
+              <a:t> </a:t>
+            </a:r>
+            <a:r>
+              <a:rPr lang="en-US" dirty="0" err="1"/>
+              <a:t>lệch</a:t>
+            </a:r>
+            <a:r>
+              <a:rPr lang="en-US" dirty="0"/>
+              <a:t> &gt; 95%</a:t>
+            </a:r>
+          </a:p>
+          <a:p>
+            <a:pPr lvl="1"/>
+            <a:r>
+              <a:rPr lang="en-US" dirty="0" err="1"/>
+              <a:t>Các</a:t>
+            </a:r>
+            <a:r>
+              <a:rPr lang="en-US" dirty="0"/>
+              <a:t> </a:t>
+            </a:r>
+            <a:r>
+              <a:rPr lang="en-US" dirty="0" err="1"/>
+              <a:t>cột</a:t>
+            </a:r>
+            <a:r>
+              <a:rPr lang="en-US" dirty="0"/>
+              <a:t> </a:t>
+            </a:r>
+            <a:r>
+              <a:rPr lang="en-US" dirty="0" err="1"/>
+              <a:t>có</a:t>
+            </a:r>
+            <a:r>
+              <a:rPr lang="en-US" dirty="0"/>
+              <a:t> </a:t>
+            </a:r>
+            <a:r>
+              <a:rPr lang="en-US" dirty="0" err="1"/>
+              <a:t>nhiều</a:t>
+            </a:r>
+            <a:r>
+              <a:rPr lang="en-US" dirty="0"/>
+              <a:t> </a:t>
+            </a:r>
+            <a:r>
+              <a:rPr lang="en-US" dirty="0" err="1"/>
+              <a:t>giá</a:t>
+            </a:r>
+            <a:r>
+              <a:rPr lang="en-US" dirty="0"/>
+              <a:t> </a:t>
+            </a:r>
+            <a:r>
+              <a:rPr lang="en-US" dirty="0" err="1"/>
+              <a:t>trị</a:t>
+            </a:r>
+            <a:r>
+              <a:rPr lang="en-US" dirty="0"/>
+              <a:t> (</a:t>
+            </a:r>
+            <a:r>
+              <a:rPr lang="en-US" dirty="0" err="1"/>
+              <a:t>vd</a:t>
+            </a:r>
+            <a:r>
+              <a:rPr lang="en-US" dirty="0"/>
+              <a:t>: </a:t>
+            </a:r>
+            <a:r>
+              <a:rPr lang="en-US" dirty="0" err="1"/>
+              <a:t>Loại</a:t>
+            </a:r>
+            <a:r>
+              <a:rPr lang="en-US" dirty="0"/>
+              <a:t> </a:t>
+            </a:r>
+            <a:r>
+              <a:rPr lang="en-US" dirty="0" err="1"/>
+              <a:t>hình</a:t>
+            </a:r>
+            <a:r>
+              <a:rPr lang="en-US" dirty="0"/>
+              <a:t>, </a:t>
+            </a:r>
+            <a:r>
+              <a:rPr lang="en-US" dirty="0" err="1"/>
+              <a:t>quận</a:t>
+            </a:r>
+            <a:r>
+              <a:rPr lang="en-US" dirty="0"/>
+              <a:t>/</a:t>
+            </a:r>
+            <a:r>
+              <a:rPr lang="en-US" dirty="0" err="1"/>
+              <a:t>huyện</a:t>
+            </a:r>
+            <a:r>
+              <a:rPr lang="en-US" dirty="0"/>
+              <a:t>, …) </a:t>
+            </a:r>
+            <a:r>
+              <a:rPr lang="en-US" dirty="0" err="1"/>
+              <a:t>gom</a:t>
+            </a:r>
+            <a:r>
+              <a:rPr lang="en-US" dirty="0"/>
+              <a:t> </a:t>
+            </a:r>
+            <a:r>
+              <a:rPr lang="en-US" dirty="0" err="1"/>
+              <a:t>nhóm</a:t>
+            </a:r>
+            <a:endParaRPr lang="en-US" dirty="0"/>
+          </a:p>
+          <a:p>
+            <a:pPr lvl="1"/>
+            <a:r>
+              <a:rPr lang="en-US" dirty="0" err="1"/>
+              <a:t>Chuyển</a:t>
+            </a:r>
+            <a:r>
+              <a:rPr lang="en-US" dirty="0"/>
+              <a:t> </a:t>
+            </a:r>
+            <a:r>
+              <a:rPr lang="en-US" dirty="0" err="1"/>
+              <a:t>các</a:t>
+            </a:r>
+            <a:r>
+              <a:rPr lang="en-US" dirty="0"/>
+              <a:t> </a:t>
+            </a:r>
+            <a:r>
+              <a:rPr lang="en-US" dirty="0" err="1"/>
+              <a:t>cột</a:t>
+            </a:r>
+            <a:r>
+              <a:rPr lang="en-US" dirty="0"/>
+              <a:t> </a:t>
+            </a:r>
+            <a:r>
+              <a:rPr lang="en-US" dirty="0" err="1"/>
+              <a:t>về</a:t>
+            </a:r>
+            <a:r>
+              <a:rPr lang="en-US" dirty="0"/>
+              <a:t> </a:t>
+            </a:r>
+            <a:r>
+              <a:rPr lang="en-US" dirty="0" err="1"/>
+              <a:t>đúng</a:t>
+            </a:r>
+            <a:r>
+              <a:rPr lang="en-US" dirty="0"/>
+              <a:t> </a:t>
+            </a:r>
+            <a:r>
+              <a:rPr lang="en-US" dirty="0" err="1"/>
+              <a:t>kiểu</a:t>
+            </a:r>
+            <a:r>
+              <a:rPr lang="en-US" dirty="0"/>
+              <a:t> </a:t>
+            </a:r>
+            <a:r>
+              <a:rPr lang="en-US" dirty="0" err="1"/>
+              <a:t>dữ</a:t>
+            </a:r>
+            <a:r>
+              <a:rPr lang="en-US" dirty="0"/>
+              <a:t> </a:t>
+            </a:r>
+            <a:r>
+              <a:rPr lang="en-US" dirty="0" err="1"/>
+              <a:t>liệu</a:t>
+            </a:r>
+            <a:r>
+              <a:rPr lang="en-US" dirty="0"/>
+              <a:t> </a:t>
+            </a:r>
+            <a:r>
+              <a:rPr lang="en-US" dirty="0" err="1"/>
+              <a:t>phù</a:t>
+            </a:r>
+            <a:r>
+              <a:rPr lang="en-US" dirty="0"/>
+              <a:t> </a:t>
+            </a:r>
+            <a:r>
+              <a:rPr lang="en-US" dirty="0" err="1"/>
+              <a:t>hợp</a:t>
+            </a:r>
+            <a:endParaRPr lang="en-US" dirty="0"/>
+          </a:p>
+          <a:p>
+            <a:pPr lvl="1"/>
+            <a:r>
+              <a:rPr lang="en-US" dirty="0" err="1"/>
+              <a:t>Điền</a:t>
+            </a:r>
+            <a:r>
+              <a:rPr lang="en-US" dirty="0"/>
+              <a:t> </a:t>
+            </a:r>
+            <a:r>
+              <a:rPr lang="en-US" dirty="0" err="1"/>
+              <a:t>các</a:t>
+            </a:r>
+            <a:r>
+              <a:rPr lang="en-US" dirty="0"/>
+              <a:t> </a:t>
+            </a:r>
+            <a:r>
+              <a:rPr lang="en-US" dirty="0" err="1"/>
+              <a:t>giá</a:t>
+            </a:r>
+            <a:r>
+              <a:rPr lang="en-US" dirty="0"/>
+              <a:t> </a:t>
+            </a:r>
+            <a:r>
+              <a:rPr lang="en-US" dirty="0" err="1"/>
+              <a:t>trị</a:t>
+            </a:r>
+            <a:r>
+              <a:rPr lang="en-US" dirty="0"/>
+              <a:t> </a:t>
+            </a:r>
+            <a:r>
+              <a:rPr lang="en-US" dirty="0" err="1"/>
+              <a:t>thiệu</a:t>
+            </a:r>
+            <a:r>
+              <a:rPr lang="en-US" dirty="0"/>
+              <a:t> </a:t>
+            </a:r>
+            <a:r>
+              <a:rPr lang="en-US" dirty="0" err="1"/>
+              <a:t>cho</a:t>
+            </a:r>
+            <a:r>
+              <a:rPr lang="en-US" dirty="0"/>
+              <a:t> </a:t>
+            </a:r>
+            <a:r>
+              <a:rPr lang="en-US" dirty="0" err="1"/>
+              <a:t>các</a:t>
+            </a:r>
+            <a:r>
+              <a:rPr lang="en-US" dirty="0"/>
+              <a:t> </a:t>
+            </a:r>
+            <a:r>
+              <a:rPr lang="en-US" dirty="0" err="1"/>
+              <a:t>cột</a:t>
+            </a:r>
+            <a:r>
+              <a:rPr lang="en-US" dirty="0"/>
+              <a:t> </a:t>
+            </a:r>
+            <a:r>
+              <a:rPr lang="en-US" dirty="0" err="1"/>
+              <a:t>bằng</a:t>
+            </a:r>
+            <a:r>
+              <a:rPr lang="en-US" dirty="0"/>
+              <a:t> </a:t>
+            </a:r>
+            <a:r>
+              <a:rPr lang="en-US" dirty="0" err="1"/>
+              <a:t>các</a:t>
+            </a:r>
+            <a:r>
+              <a:rPr lang="en-US" dirty="0"/>
+              <a:t> </a:t>
+            </a:r>
+            <a:r>
+              <a:rPr lang="en-US" dirty="0" err="1"/>
+              <a:t>cách</a:t>
+            </a:r>
+            <a:endParaRPr lang="en-US" dirty="0"/>
+          </a:p>
+          <a:p>
+            <a:pPr lvl="2"/>
+            <a:r>
+              <a:rPr lang="en-US" dirty="0" err="1"/>
+              <a:t>Đối</a:t>
+            </a:r>
+            <a:r>
+              <a:rPr lang="en-US" dirty="0"/>
+              <a:t> </a:t>
+            </a:r>
+            <a:r>
+              <a:rPr lang="en-US" dirty="0" err="1"/>
+              <a:t>với</a:t>
+            </a:r>
+            <a:r>
+              <a:rPr lang="en-US" dirty="0"/>
+              <a:t> </a:t>
+            </a:r>
+            <a:r>
+              <a:rPr lang="en-US" dirty="0" err="1"/>
+              <a:t>cột</a:t>
+            </a:r>
+            <a:r>
+              <a:rPr lang="en-US" dirty="0"/>
+              <a:t> </a:t>
+            </a:r>
+            <a:r>
+              <a:rPr lang="en-US" dirty="0" err="1"/>
+              <a:t>dạng</a:t>
+            </a:r>
+            <a:r>
+              <a:rPr lang="en-US" dirty="0"/>
+              <a:t> </a:t>
+            </a:r>
+            <a:r>
+              <a:rPr lang="en-US" dirty="0" err="1"/>
+              <a:t>số</a:t>
+            </a:r>
+            <a:r>
+              <a:rPr lang="en-US" dirty="0"/>
+              <a:t> </a:t>
+            </a:r>
+            <a:r>
+              <a:rPr lang="en-US" dirty="0" err="1"/>
+              <a:t>nguyên</a:t>
+            </a:r>
+            <a:r>
+              <a:rPr lang="en-US" dirty="0"/>
+              <a:t>: </a:t>
+            </a:r>
+            <a:r>
+              <a:rPr lang="en-US" dirty="0" err="1"/>
+              <a:t>Điền</a:t>
+            </a:r>
+            <a:r>
+              <a:rPr lang="en-US" dirty="0"/>
+              <a:t> </a:t>
+            </a:r>
+            <a:r>
+              <a:rPr lang="en-US" dirty="0" err="1"/>
+              <a:t>bằng</a:t>
+            </a:r>
+            <a:r>
+              <a:rPr lang="en-US" dirty="0"/>
+              <a:t> median</a:t>
+            </a:r>
+          </a:p>
+          <a:p>
+            <a:pPr lvl="2"/>
+            <a:r>
+              <a:rPr lang="en-US" dirty="0" err="1"/>
+              <a:t>Đối</a:t>
+            </a:r>
+            <a:r>
+              <a:rPr lang="en-US" dirty="0"/>
+              <a:t> </a:t>
+            </a:r>
+            <a:r>
+              <a:rPr lang="en-US" dirty="0" err="1"/>
+              <a:t>với</a:t>
+            </a:r>
+            <a:r>
+              <a:rPr lang="en-US" dirty="0"/>
+              <a:t> </a:t>
+            </a:r>
+            <a:r>
+              <a:rPr lang="en-US" dirty="0" err="1"/>
+              <a:t>cột</a:t>
+            </a:r>
+            <a:r>
+              <a:rPr lang="en-US" dirty="0"/>
+              <a:t> </a:t>
+            </a:r>
+            <a:r>
+              <a:rPr lang="en-US" dirty="0" err="1"/>
+              <a:t>dạng</a:t>
+            </a:r>
+            <a:r>
+              <a:rPr lang="en-US" dirty="0"/>
+              <a:t> </a:t>
+            </a:r>
+            <a:r>
+              <a:rPr lang="en-US" dirty="0" err="1"/>
+              <a:t>số</a:t>
+            </a:r>
+            <a:r>
+              <a:rPr lang="en-US" dirty="0"/>
+              <a:t> </a:t>
+            </a:r>
+            <a:r>
+              <a:rPr lang="en-US" dirty="0" err="1"/>
+              <a:t>thực</a:t>
+            </a:r>
+            <a:r>
+              <a:rPr lang="en-US" dirty="0"/>
+              <a:t>: </a:t>
+            </a:r>
+            <a:r>
+              <a:rPr lang="en-US" dirty="0" err="1"/>
+              <a:t>Điền</a:t>
+            </a:r>
+            <a:r>
+              <a:rPr lang="en-US" dirty="0"/>
+              <a:t> </a:t>
+            </a:r>
+            <a:r>
+              <a:rPr lang="en-US" dirty="0" err="1"/>
+              <a:t>bằng</a:t>
+            </a:r>
+            <a:r>
+              <a:rPr lang="en-US" dirty="0"/>
+              <a:t> mean</a:t>
+            </a:r>
+          </a:p>
+          <a:p>
+            <a:pPr lvl="2"/>
+            <a:r>
+              <a:rPr lang="en-US" dirty="0" err="1"/>
+              <a:t>Đối</a:t>
+            </a:r>
+            <a:r>
+              <a:rPr lang="en-US" dirty="0"/>
+              <a:t> </a:t>
+            </a:r>
+            <a:r>
+              <a:rPr lang="en-US" dirty="0" err="1"/>
+              <a:t>với</a:t>
+            </a:r>
+            <a:r>
+              <a:rPr lang="en-US" dirty="0"/>
+              <a:t> </a:t>
+            </a:r>
+            <a:r>
+              <a:rPr lang="en-US" dirty="0" err="1"/>
+              <a:t>cột</a:t>
+            </a:r>
+            <a:r>
+              <a:rPr lang="en-US" dirty="0"/>
+              <a:t> </a:t>
+            </a:r>
+            <a:r>
+              <a:rPr lang="en-US" dirty="0" err="1"/>
+              <a:t>không</a:t>
+            </a:r>
+            <a:r>
+              <a:rPr lang="en-US" dirty="0"/>
+              <a:t> </a:t>
+            </a:r>
+            <a:r>
+              <a:rPr lang="en-US" dirty="0" err="1"/>
+              <a:t>phải</a:t>
+            </a:r>
+            <a:r>
+              <a:rPr lang="en-US" dirty="0"/>
+              <a:t> </a:t>
+            </a:r>
+            <a:r>
+              <a:rPr lang="en-US" dirty="0" err="1"/>
+              <a:t>dạng</a:t>
+            </a:r>
+            <a:r>
+              <a:rPr lang="en-US" dirty="0"/>
+              <a:t> </a:t>
+            </a:r>
+            <a:r>
+              <a:rPr lang="en-US" dirty="0" err="1"/>
+              <a:t>số</a:t>
+            </a:r>
+            <a:r>
+              <a:rPr lang="en-US" dirty="0"/>
+              <a:t>: </a:t>
+            </a:r>
+            <a:r>
+              <a:rPr lang="en-US" dirty="0" err="1"/>
+              <a:t>Điền</a:t>
+            </a:r>
+            <a:r>
+              <a:rPr lang="en-US" dirty="0"/>
+              <a:t> </a:t>
+            </a:r>
+            <a:r>
+              <a:rPr lang="en-US" dirty="0" err="1"/>
+              <a:t>bằng</a:t>
+            </a:r>
+            <a:r>
+              <a:rPr lang="en-US" dirty="0"/>
+              <a:t> mode </a:t>
+            </a:r>
+            <a:r>
+              <a:rPr lang="en-US" dirty="0" err="1"/>
+              <a:t>và</a:t>
+            </a:r>
+            <a:r>
+              <a:rPr lang="en-US" dirty="0"/>
+              <a:t> </a:t>
+            </a:r>
+            <a:r>
+              <a:rPr lang="en-US" dirty="0" err="1"/>
+              <a:t>dùng</a:t>
+            </a:r>
+            <a:r>
+              <a:rPr lang="en-US" dirty="0"/>
+              <a:t> One-hot </a:t>
+            </a:r>
+            <a:r>
+              <a:rPr lang="en-US" dirty="0" err="1"/>
+              <a:t>đề</a:t>
+            </a:r>
+            <a:r>
+              <a:rPr lang="en-US" dirty="0"/>
+              <a:t> </a:t>
+            </a:r>
+            <a:r>
+              <a:rPr lang="en-US" dirty="0" err="1"/>
+              <a:t>chuyển</a:t>
+            </a:r>
+            <a:r>
+              <a:rPr lang="en-US" dirty="0"/>
+              <a:t> </a:t>
+            </a:r>
+            <a:r>
+              <a:rPr lang="en-US" dirty="0" err="1"/>
+              <a:t>về</a:t>
+            </a:r>
+            <a:r>
+              <a:rPr lang="en-US" dirty="0"/>
+              <a:t> </a:t>
+            </a:r>
+            <a:r>
+              <a:rPr lang="en-US" dirty="0" err="1"/>
+              <a:t>dạng</a:t>
+            </a:r>
+            <a:r>
+              <a:rPr lang="en-US" dirty="0"/>
+              <a:t> </a:t>
+            </a:r>
+            <a:r>
+              <a:rPr lang="en-US" dirty="0" err="1"/>
+              <a:t>số</a:t>
+            </a:r>
+            <a:endParaRPr lang="en-US" dirty="0"/>
+          </a:p>
+          <a:p>
+            <a:pPr lvl="2"/>
+            <a:endParaRPr lang="en-US" dirty="0"/>
           </a:p>
         </p:txBody>
       </p:sp>
@@ -4777,7 +8324,7 @@
 </p:sld>
 </file>
 
-<file path=ppt/slides/slide7.xml><?xml version="1.0" encoding="utf-8"?>
+<file path=ppt/slides/slide8.xml><?xml version="1.0" encoding="utf-8"?>
 <p:sld xmlns:a="http://schemas.openxmlformats.org/drawingml/2006/main" xmlns:r="http://schemas.openxmlformats.org/officeDocument/2006/relationships" xmlns:p="http://schemas.openxmlformats.org/presentationml/2006/main">
   <p:cSld>
     <p:spTree>
@@ -4810,14 +8357,19 @@
             <p:ph type="title"/>
           </p:nvPr>
         </p:nvSpPr>
-        <p:spPr/>
+        <p:spPr>
+          <a:xfrm>
+            <a:off x="838199" y="365125"/>
+            <a:ext cx="10587361" cy="709073"/>
+          </a:xfrm>
+        </p:spPr>
         <p:txBody>
           <a:bodyPr/>
           <a:lstStyle/>
           <a:p>
             <a:r>
               <a:rPr lang="en-US" dirty="0"/>
-              <a:t>5. PHÂN TÍCH DỮ LIỆU</a:t>
+              <a:t>5. MÔ HÌNH HOÁ DỮ LIỆU</a:t>
             </a:r>
           </a:p>
         </p:txBody>
@@ -4838,15 +8390,350 @@
             <p:ph idx="1"/>
           </p:nvPr>
         </p:nvSpPr>
-        <p:spPr/>
+        <p:spPr>
+          <a:xfrm>
+            <a:off x="838200" y="1376038"/>
+            <a:ext cx="10480829" cy="4800925"/>
+          </a:xfrm>
+        </p:spPr>
         <p:txBody>
           <a:bodyPr/>
           <a:lstStyle/>
           <a:p>
-            <a:endParaRPr lang="en-US"/>
+            <a:r>
+              <a:rPr lang="en-US" dirty="0" err="1"/>
+              <a:t>Mô</a:t>
+            </a:r>
+            <a:r>
+              <a:rPr lang="en-US" dirty="0"/>
+              <a:t> </a:t>
+            </a:r>
+            <a:r>
+              <a:rPr lang="en-US" dirty="0" err="1"/>
+              <a:t>hình</a:t>
+            </a:r>
+            <a:r>
+              <a:rPr lang="en-US" dirty="0"/>
+              <a:t> </a:t>
+            </a:r>
+            <a:r>
+              <a:rPr lang="en-US" dirty="0" err="1"/>
+              <a:t>hoá</a:t>
+            </a:r>
+            <a:r>
+              <a:rPr lang="en-US" dirty="0"/>
+              <a:t> </a:t>
+            </a:r>
+            <a:r>
+              <a:rPr lang="en-US" dirty="0" err="1"/>
+              <a:t>theo</a:t>
+            </a:r>
+            <a:r>
+              <a:rPr lang="en-US" dirty="0"/>
+              <a:t> </a:t>
+            </a:r>
+            <a:r>
+              <a:rPr lang="en-US" dirty="0" err="1"/>
+              <a:t>mô</a:t>
+            </a:r>
+            <a:r>
+              <a:rPr lang="en-US" dirty="0"/>
+              <a:t> </a:t>
+            </a:r>
+            <a:r>
+              <a:rPr lang="en-US" dirty="0" err="1"/>
+              <a:t>hình</a:t>
+            </a:r>
+            <a:r>
+              <a:rPr lang="en-US" dirty="0"/>
+              <a:t> </a:t>
+            </a:r>
+            <a:r>
+              <a:rPr lang="en-US" dirty="0" err="1"/>
+              <a:t>NeuralNetwork</a:t>
+            </a:r>
+            <a:r>
+              <a:rPr lang="en-US" dirty="0"/>
+              <a:t> </a:t>
+            </a:r>
+            <a:r>
+              <a:rPr lang="en-US" dirty="0" err="1"/>
+              <a:t>với</a:t>
+            </a:r>
+            <a:r>
+              <a:rPr lang="en-US" dirty="0"/>
+              <a:t> </a:t>
+            </a:r>
+            <a:r>
+              <a:rPr lang="en-US" dirty="0" err="1"/>
+              <a:t>siêu</a:t>
+            </a:r>
+            <a:r>
+              <a:rPr lang="en-US" dirty="0"/>
+              <a:t> </a:t>
+            </a:r>
+            <a:r>
+              <a:rPr lang="en-US" dirty="0" err="1"/>
+              <a:t>tham</a:t>
+            </a:r>
+            <a:r>
+              <a:rPr lang="en-US" dirty="0"/>
+              <a:t> </a:t>
+            </a:r>
+            <a:r>
+              <a:rPr lang="en-US" dirty="0" err="1"/>
+              <a:t>số</a:t>
+            </a:r>
+            <a:r>
+              <a:rPr lang="en-US" dirty="0"/>
+              <a:t> alpha </a:t>
+            </a:r>
+            <a:r>
+              <a:rPr lang="en-US" dirty="0" err="1"/>
+              <a:t>và</a:t>
+            </a:r>
+            <a:r>
+              <a:rPr lang="en-US" dirty="0"/>
+              <a:t> </a:t>
+            </a:r>
+            <a:r>
+              <a:rPr lang="en-US" dirty="0" err="1"/>
+              <a:t>num_top_Loai_hinh</a:t>
+            </a:r>
+            <a:r>
+              <a:rPr lang="en-US" dirty="0"/>
+              <a:t>.</a:t>
+            </a:r>
+          </a:p>
+          <a:p>
+            <a:r>
+              <a:rPr lang="en-US" dirty="0"/>
+              <a:t>Sau </a:t>
+            </a:r>
+            <a:r>
+              <a:rPr lang="en-US" dirty="0" err="1"/>
+              <a:t>quá</a:t>
+            </a:r>
+            <a:r>
+              <a:rPr lang="en-US" dirty="0"/>
+              <a:t> </a:t>
+            </a:r>
+            <a:r>
+              <a:rPr lang="en-US" dirty="0" err="1"/>
+              <a:t>trình</a:t>
+            </a:r>
+            <a:r>
+              <a:rPr lang="en-US" dirty="0"/>
+              <a:t> </a:t>
+            </a:r>
+            <a:r>
+              <a:rPr lang="en-US" dirty="0" err="1"/>
+              <a:t>huấn</a:t>
+            </a:r>
+            <a:r>
+              <a:rPr lang="en-US" dirty="0"/>
+              <a:t> </a:t>
+            </a:r>
+            <a:r>
+              <a:rPr lang="en-US" dirty="0" err="1"/>
+              <a:t>luyện</a:t>
+            </a:r>
+            <a:r>
+              <a:rPr lang="en-US" dirty="0"/>
+              <a:t> </a:t>
+            </a:r>
+            <a:r>
+              <a:rPr lang="en-US" dirty="0" err="1"/>
+              <a:t>sẽ</a:t>
+            </a:r>
+            <a:r>
+              <a:rPr lang="en-US" dirty="0"/>
+              <a:t> </a:t>
+            </a:r>
+            <a:r>
+              <a:rPr lang="en-US" dirty="0" err="1"/>
+              <a:t>chọn</a:t>
+            </a:r>
+            <a:r>
+              <a:rPr lang="en-US" dirty="0"/>
+              <a:t> ra </a:t>
+            </a:r>
+            <a:r>
+              <a:rPr lang="en-US" dirty="0" err="1"/>
+              <a:t>siêu</a:t>
+            </a:r>
+            <a:r>
+              <a:rPr lang="en-US" dirty="0"/>
+              <a:t> </a:t>
+            </a:r>
+            <a:r>
+              <a:rPr lang="en-US" dirty="0" err="1"/>
+              <a:t>tham</a:t>
+            </a:r>
+            <a:r>
+              <a:rPr lang="en-US" dirty="0"/>
+              <a:t> </a:t>
+            </a:r>
+            <a:r>
+              <a:rPr lang="en-US" dirty="0" err="1"/>
+              <a:t>số</a:t>
+            </a:r>
+            <a:r>
+              <a:rPr lang="en-US" dirty="0"/>
+              <a:t> alpha </a:t>
+            </a:r>
+            <a:r>
+              <a:rPr lang="en-US" dirty="0" err="1"/>
+              <a:t>và</a:t>
+            </a:r>
+            <a:r>
+              <a:rPr lang="en-US" dirty="0"/>
+              <a:t> </a:t>
+            </a:r>
+            <a:r>
+              <a:rPr lang="en-US" dirty="0" err="1"/>
+              <a:t>num_top_Loai_hinh</a:t>
+            </a:r>
+            <a:r>
+              <a:rPr lang="en-US" dirty="0"/>
+              <a:t> </a:t>
+            </a:r>
+            <a:r>
+              <a:rPr lang="en-US" dirty="0" err="1"/>
+              <a:t>tốt</a:t>
+            </a:r>
+            <a:r>
+              <a:rPr lang="en-US" dirty="0"/>
+              <a:t> </a:t>
+            </a:r>
+            <a:r>
+              <a:rPr lang="en-US" dirty="0" err="1"/>
+              <a:t>nhất</a:t>
+            </a:r>
+            <a:endParaRPr lang="en-US" dirty="0"/>
+          </a:p>
+          <a:p>
+            <a:r>
+              <a:rPr lang="en-US" dirty="0" err="1"/>
+              <a:t>Từ</a:t>
+            </a:r>
+            <a:r>
+              <a:rPr lang="en-US" dirty="0"/>
+              <a:t> </a:t>
+            </a:r>
+            <a:r>
+              <a:rPr lang="en-US" dirty="0" err="1"/>
+              <a:t>đó</a:t>
+            </a:r>
+            <a:r>
+              <a:rPr lang="en-US" dirty="0"/>
+              <a:t> </a:t>
+            </a:r>
+            <a:r>
+              <a:rPr lang="en-US" dirty="0" err="1"/>
+              <a:t>áp</a:t>
+            </a:r>
+            <a:r>
+              <a:rPr lang="en-US" dirty="0"/>
+              <a:t> </a:t>
+            </a:r>
+            <a:r>
+              <a:rPr lang="en-US" dirty="0" err="1"/>
+              <a:t>dụng</a:t>
+            </a:r>
+            <a:r>
+              <a:rPr lang="en-US" dirty="0"/>
+              <a:t> </a:t>
+            </a:r>
+            <a:r>
+              <a:rPr lang="en-US" dirty="0" err="1"/>
+              <a:t>để</a:t>
+            </a:r>
+            <a:r>
+              <a:rPr lang="en-US" dirty="0"/>
+              <a:t> </a:t>
+            </a:r>
+            <a:r>
+              <a:rPr lang="en-US" dirty="0" err="1"/>
+              <a:t>dự</a:t>
+            </a:r>
+            <a:r>
+              <a:rPr lang="en-US" dirty="0"/>
+              <a:t> </a:t>
+            </a:r>
+            <a:r>
+              <a:rPr lang="en-US" dirty="0" err="1"/>
+              <a:t>đoán</a:t>
+            </a:r>
+            <a:r>
+              <a:rPr lang="en-US" dirty="0"/>
+              <a:t> </a:t>
+            </a:r>
+            <a:r>
+              <a:rPr lang="en-US" dirty="0" err="1"/>
+              <a:t>trên</a:t>
+            </a:r>
+            <a:r>
+              <a:rPr lang="en-US" dirty="0"/>
+              <a:t> </a:t>
+            </a:r>
+            <a:r>
+              <a:rPr lang="en-US" dirty="0" err="1"/>
+              <a:t>bộ</a:t>
+            </a:r>
+            <a:r>
+              <a:rPr lang="en-US" dirty="0"/>
+              <a:t> </a:t>
+            </a:r>
+            <a:r>
+              <a:rPr lang="en-US" dirty="0" err="1"/>
+              <a:t>dữ</a:t>
+            </a:r>
+            <a:r>
+              <a:rPr lang="en-US" dirty="0"/>
+              <a:t> </a:t>
+            </a:r>
+            <a:r>
+              <a:rPr lang="en-US" dirty="0" err="1"/>
+              <a:t>liệu</a:t>
+            </a:r>
+            <a:r>
+              <a:rPr lang="en-US" dirty="0"/>
+              <a:t> test</a:t>
+            </a:r>
           </a:p>
         </p:txBody>
       </p:sp>
+      <p:pic>
+        <p:nvPicPr>
+          <p:cNvPr id="6" name="Picture 5">
+            <a:extLst>
+              <a:ext uri="{FF2B5EF4-FFF2-40B4-BE49-F238E27FC236}">
+                <a16:creationId xmlns:a16="http://schemas.microsoft.com/office/drawing/2014/main" id="{9DBCBEFE-EAEB-4B91-9823-7D50773D7B27}"/>
+              </a:ext>
+            </a:extLst>
+          </p:cNvPr>
+          <p:cNvPicPr>
+            <a:picLocks noChangeAspect="1"/>
+          </p:cNvPicPr>
+          <p:nvPr/>
+        </p:nvPicPr>
+        <p:blipFill>
+          <a:blip r:embed="rId2"/>
+          <a:stretch>
+            <a:fillRect/>
+          </a:stretch>
+        </p:blipFill>
+        <p:spPr>
+          <a:xfrm>
+            <a:off x="3195962" y="3648722"/>
+            <a:ext cx="5094057" cy="2688040"/>
+          </a:xfrm>
+          <a:prstGeom prst="rect">
+            <a:avLst/>
+          </a:prstGeom>
+        </p:spPr>
+      </p:pic>
     </p:spTree>
     <p:extLst>
       <p:ext uri="{BB962C8B-B14F-4D97-AF65-F5344CB8AC3E}">
@@ -4860,7 +8747,7 @@
 </p:sld>
 </file>
 
-<file path=ppt/slides/slide8.xml><?xml version="1.0" encoding="utf-8"?>
+<file path=ppt/slides/slide9.xml><?xml version="1.0" encoding="utf-8"?>
 <p:sld xmlns:a="http://schemas.openxmlformats.org/drawingml/2006/main" xmlns:r="http://schemas.openxmlformats.org/officeDocument/2006/relationships" xmlns:p="http://schemas.openxmlformats.org/presentationml/2006/main">
   <p:cSld>
     <p:spTree>
@@ -4929,99 +8816,330 @@
           <a:bodyPr/>
           <a:lstStyle/>
           <a:p>
+            <a:r>
+              <a:rPr lang="en-US" dirty="0"/>
+              <a:t>Sau </a:t>
+            </a:r>
+            <a:r>
+              <a:rPr lang="en-US" dirty="0" err="1"/>
+              <a:t>quá</a:t>
+            </a:r>
+            <a:r>
+              <a:rPr lang="en-US" dirty="0"/>
+              <a:t> </a:t>
+            </a:r>
+            <a:r>
+              <a:rPr lang="en-US" dirty="0" err="1"/>
+              <a:t>trình</a:t>
+            </a:r>
+            <a:r>
+              <a:rPr lang="en-US" dirty="0"/>
+              <a:t> </a:t>
+            </a:r>
+            <a:r>
+              <a:rPr lang="en-US" dirty="0" err="1"/>
+              <a:t>học</a:t>
+            </a:r>
+            <a:r>
+              <a:rPr lang="en-US" dirty="0"/>
+              <a:t>, </a:t>
+            </a:r>
+            <a:r>
+              <a:rPr lang="en-US" dirty="0" err="1"/>
+              <a:t>có</a:t>
+            </a:r>
+            <a:r>
+              <a:rPr lang="en-US" dirty="0"/>
+              <a:t> </a:t>
+            </a:r>
+            <a:r>
+              <a:rPr lang="en-US" dirty="0" err="1"/>
+              <a:t>thể</a:t>
+            </a:r>
+            <a:r>
+              <a:rPr lang="en-US" dirty="0"/>
+              <a:t> </a:t>
+            </a:r>
+            <a:r>
+              <a:rPr lang="en-US" dirty="0" err="1"/>
+              <a:t>dự</a:t>
+            </a:r>
+            <a:r>
+              <a:rPr lang="en-US" dirty="0"/>
+              <a:t> </a:t>
+            </a:r>
+            <a:r>
+              <a:rPr lang="en-US" dirty="0" err="1"/>
+              <a:t>đoán</a:t>
+            </a:r>
+            <a:r>
+              <a:rPr lang="en-US" dirty="0"/>
+              <a:t> </a:t>
+            </a:r>
+            <a:r>
+              <a:rPr lang="en-US" dirty="0" err="1"/>
+              <a:t>giá</a:t>
+            </a:r>
+            <a:r>
+              <a:rPr lang="en-US" dirty="0"/>
+              <a:t> </a:t>
+            </a:r>
+            <a:r>
+              <a:rPr lang="en-US" dirty="0" err="1"/>
+              <a:t>một</a:t>
+            </a:r>
+            <a:r>
+              <a:rPr lang="en-US" dirty="0"/>
+              <a:t> </a:t>
+            </a:r>
+            <a:r>
+              <a:rPr lang="en-US" dirty="0" err="1"/>
+              <a:t>ngôi</a:t>
+            </a:r>
+            <a:r>
+              <a:rPr lang="en-US" dirty="0"/>
+              <a:t> </a:t>
+            </a:r>
+            <a:r>
+              <a:rPr lang="en-US" dirty="0" err="1"/>
+              <a:t>nhà</a:t>
+            </a:r>
+            <a:r>
+              <a:rPr lang="en-US" dirty="0"/>
+              <a:t> ở TP HCM </a:t>
+            </a:r>
+            <a:r>
+              <a:rPr lang="en-US" dirty="0" err="1"/>
+              <a:t>thông</a:t>
+            </a:r>
+            <a:r>
+              <a:rPr lang="en-US" dirty="0"/>
+              <a:t> qua </a:t>
+            </a:r>
+            <a:r>
+              <a:rPr lang="en-US" dirty="0" err="1"/>
+              <a:t>các</a:t>
+            </a:r>
+            <a:r>
+              <a:rPr lang="en-US" dirty="0"/>
+              <a:t> </a:t>
+            </a:r>
+            <a:r>
+              <a:rPr lang="en-US" dirty="0" err="1"/>
+              <a:t>thông</a:t>
+            </a:r>
+            <a:r>
+              <a:rPr lang="en-US" dirty="0"/>
+              <a:t> </a:t>
+            </a:r>
+            <a:r>
+              <a:rPr lang="en-US" dirty="0" err="1"/>
+              <a:t>số</a:t>
+            </a:r>
+            <a:r>
+              <a:rPr lang="en-US" dirty="0"/>
+              <a:t> </a:t>
+            </a:r>
+            <a:r>
+              <a:rPr lang="en-US" dirty="0" err="1"/>
+              <a:t>cơ</a:t>
+            </a:r>
+            <a:r>
+              <a:rPr lang="en-US" dirty="0"/>
+              <a:t> </a:t>
+            </a:r>
+            <a:r>
+              <a:rPr lang="en-US" dirty="0" err="1"/>
+              <a:t>bản</a:t>
+            </a:r>
+            <a:r>
+              <a:rPr lang="en-US" dirty="0"/>
+              <a:t> </a:t>
+            </a:r>
+            <a:r>
+              <a:rPr lang="en-US" dirty="0" err="1"/>
+              <a:t>với</a:t>
+            </a:r>
+            <a:r>
+              <a:rPr lang="en-US" dirty="0"/>
+              <a:t> </a:t>
+            </a:r>
+            <a:r>
+              <a:rPr lang="en-US" dirty="0" err="1"/>
+              <a:t>độ</a:t>
+            </a:r>
+            <a:r>
+              <a:rPr lang="en-US" dirty="0"/>
+              <a:t> </a:t>
+            </a:r>
+            <a:r>
+              <a:rPr lang="en-US" dirty="0" err="1"/>
+              <a:t>sai</a:t>
+            </a:r>
+            <a:r>
+              <a:rPr lang="en-US" dirty="0"/>
+              <a:t> </a:t>
+            </a:r>
+            <a:r>
+              <a:rPr lang="en-US" dirty="0" err="1"/>
+              <a:t>số</a:t>
+            </a:r>
+            <a:r>
+              <a:rPr lang="en-US" dirty="0"/>
+              <a:t> </a:t>
+            </a:r>
+            <a:r>
+              <a:rPr lang="en-US" dirty="0" err="1"/>
+              <a:t>khoảng</a:t>
+            </a:r>
+            <a:r>
+              <a:rPr lang="en-US" dirty="0"/>
+              <a:t> 25%</a:t>
+            </a:r>
+          </a:p>
+          <a:p>
+            <a:endParaRPr lang="en-US" dirty="0"/>
+          </a:p>
+          <a:p>
+            <a:r>
+              <a:rPr lang="en-US" dirty="0" err="1"/>
+              <a:t>Nhóm</a:t>
+            </a:r>
+            <a:r>
+              <a:rPr lang="en-US" dirty="0"/>
+              <a:t> </a:t>
+            </a:r>
+            <a:r>
+              <a:rPr lang="en-US" dirty="0" err="1"/>
+              <a:t>tự</a:t>
+            </a:r>
+            <a:r>
+              <a:rPr lang="en-US" dirty="0"/>
+              <a:t> </a:t>
+            </a:r>
+            <a:r>
+              <a:rPr lang="en-US" dirty="0" err="1"/>
+              <a:t>đánh</a:t>
+            </a:r>
+            <a:r>
+              <a:rPr lang="en-US" dirty="0"/>
+              <a:t> </a:t>
+            </a:r>
+            <a:r>
+              <a:rPr lang="en-US" dirty="0" err="1"/>
+              <a:t>giá</a:t>
+            </a:r>
+            <a:r>
+              <a:rPr lang="en-US" dirty="0"/>
+              <a:t>			</a:t>
+            </a:r>
+            <a:r>
+              <a:rPr lang="en-US" dirty="0" err="1"/>
+              <a:t>Hàm</a:t>
+            </a:r>
+            <a:r>
+              <a:rPr lang="en-US" dirty="0"/>
+              <a:t> </a:t>
+            </a:r>
+            <a:r>
+              <a:rPr lang="en-US" dirty="0" err="1"/>
+              <a:t>đánh</a:t>
+            </a:r>
+            <a:r>
+              <a:rPr lang="en-US" dirty="0"/>
+              <a:t> </a:t>
+            </a:r>
+            <a:r>
+              <a:rPr lang="en-US" dirty="0" err="1"/>
+              <a:t>giá</a:t>
+            </a:r>
+            <a:r>
+              <a:rPr lang="en-US" dirty="0"/>
+              <a:t> </a:t>
+            </a:r>
+            <a:r>
+              <a:rPr lang="en-US" dirty="0" err="1"/>
+              <a:t>thuật</a:t>
+            </a:r>
+            <a:r>
+              <a:rPr lang="en-US" dirty="0"/>
+              <a:t> </a:t>
+            </a:r>
+            <a:r>
+              <a:rPr lang="en-US" dirty="0" err="1"/>
+              <a:t>toán</a:t>
+            </a:r>
+            <a:endParaRPr lang="en-US" dirty="0"/>
+          </a:p>
+          <a:p>
             <a:endParaRPr lang="en-US" dirty="0"/>
           </a:p>
         </p:txBody>
       </p:sp>
+      <p:pic>
+        <p:nvPicPr>
+          <p:cNvPr id="6" name="Picture 5">
+            <a:extLst>
+              <a:ext uri="{FF2B5EF4-FFF2-40B4-BE49-F238E27FC236}">
+                <a16:creationId xmlns:a16="http://schemas.microsoft.com/office/drawing/2014/main" id="{2BB05A40-071B-4908-977D-0168E1CD1FE4}"/>
+              </a:ext>
+            </a:extLst>
+          </p:cNvPr>
+          <p:cNvPicPr>
+            <a:picLocks noChangeAspect="1"/>
+          </p:cNvPicPr>
+          <p:nvPr/>
+        </p:nvPicPr>
+        <p:blipFill>
+          <a:blip r:embed="rId2"/>
+          <a:stretch>
+            <a:fillRect/>
+          </a:stretch>
+        </p:blipFill>
+        <p:spPr>
+          <a:xfrm>
+            <a:off x="838200" y="3758109"/>
+            <a:ext cx="4045531" cy="1004941"/>
+          </a:xfrm>
+          <a:prstGeom prst="rect">
+            <a:avLst/>
+          </a:prstGeom>
+        </p:spPr>
+      </p:pic>
+      <p:pic>
+        <p:nvPicPr>
+          <p:cNvPr id="8" name="Picture 7">
+            <a:extLst>
+              <a:ext uri="{FF2B5EF4-FFF2-40B4-BE49-F238E27FC236}">
+                <a16:creationId xmlns:a16="http://schemas.microsoft.com/office/drawing/2014/main" id="{1249E3A0-B9A5-4B18-95DE-9FD8639536FC}"/>
+              </a:ext>
+            </a:extLst>
+          </p:cNvPr>
+          <p:cNvPicPr>
+            <a:picLocks noChangeAspect="1"/>
+          </p:cNvPicPr>
+          <p:nvPr/>
+        </p:nvPicPr>
+        <p:blipFill>
+          <a:blip r:embed="rId3"/>
+          <a:stretch>
+            <a:fillRect/>
+          </a:stretch>
+        </p:blipFill>
+        <p:spPr>
+          <a:xfrm>
+            <a:off x="5892113" y="3758109"/>
+            <a:ext cx="5057132" cy="1004941"/>
+          </a:xfrm>
+          <a:prstGeom prst="rect">
+            <a:avLst/>
+          </a:prstGeom>
+        </p:spPr>
+      </p:pic>
     </p:spTree>
     <p:extLst>
       <p:ext uri="{BB962C8B-B14F-4D97-AF65-F5344CB8AC3E}">
         <p14:creationId xmlns:p14="http://schemas.microsoft.com/office/powerpoint/2010/main" val="2931203277"/>
-      </p:ext>
-    </p:extLst>
-  </p:cSld>
-  <p:clrMapOvr>
-    <a:masterClrMapping/>
-  </p:clrMapOvr>
-</p:sld>
-</file>
-
-<file path=ppt/slides/slide9.xml><?xml version="1.0" encoding="utf-8"?>
-<p:sld xmlns:a="http://schemas.openxmlformats.org/drawingml/2006/main" xmlns:r="http://schemas.openxmlformats.org/officeDocument/2006/relationships" xmlns:p="http://schemas.openxmlformats.org/presentationml/2006/main">
-  <p:cSld>
-    <p:spTree>
-      <p:nvGrpSpPr>
-        <p:cNvPr id="1" name=""/>
-        <p:cNvGrpSpPr/>
-        <p:nvPr/>
-      </p:nvGrpSpPr>
-      <p:grpSpPr>
-        <a:xfrm>
-          <a:off x="0" y="0"/>
-          <a:ext cx="0" cy="0"/>
-          <a:chOff x="0" y="0"/>
-          <a:chExt cx="0" cy="0"/>
-        </a:xfrm>
-      </p:grpSpPr>
-      <p:sp>
-        <p:nvSpPr>
-          <p:cNvPr id="2" name="Title 1">
-            <a:extLst>
-              <a:ext uri="{FF2B5EF4-FFF2-40B4-BE49-F238E27FC236}">
-                <a16:creationId xmlns:a16="http://schemas.microsoft.com/office/drawing/2014/main" id="{CB9CA0A3-9467-44C8-9A6A-614498D2580F}"/>
-              </a:ext>
-            </a:extLst>
-          </p:cNvPr>
-          <p:cNvSpPr>
-            <a:spLocks noGrp="1"/>
-          </p:cNvSpPr>
-          <p:nvPr>
-            <p:ph type="title"/>
-          </p:nvPr>
-        </p:nvSpPr>
-        <p:spPr/>
-        <p:txBody>
-          <a:bodyPr>
-            <a:normAutofit/>
-          </a:bodyPr>
-          <a:lstStyle/>
-          <a:p>
-            <a:r>
-              <a:rPr lang="en-US" dirty="0"/>
-              <a:t>TRUYỀN THÔNG KẾT QUẢ, ĐƯA RA QUYẾT ĐỊNH</a:t>
-            </a:r>
-          </a:p>
-        </p:txBody>
-      </p:sp>
-      <p:sp>
-        <p:nvSpPr>
-          <p:cNvPr id="3" name="Content Placeholder 2">
-            <a:extLst>
-              <a:ext uri="{FF2B5EF4-FFF2-40B4-BE49-F238E27FC236}">
-                <a16:creationId xmlns:a16="http://schemas.microsoft.com/office/drawing/2014/main" id="{3AB3627B-788E-4220-9FF4-E27AD7DAED2A}"/>
-              </a:ext>
-            </a:extLst>
-          </p:cNvPr>
-          <p:cNvSpPr>
-            <a:spLocks noGrp="1"/>
-          </p:cNvSpPr>
-          <p:nvPr>
-            <p:ph idx="1"/>
-          </p:nvPr>
-        </p:nvSpPr>
-        <p:spPr/>
-        <p:txBody>
-          <a:bodyPr/>
-          <a:lstStyle/>
-          <a:p>
-            <a:endParaRPr lang="en-US"/>
-          </a:p>
-        </p:txBody>
-      </p:sp>
-    </p:spTree>
-    <p:extLst>
-      <p:ext uri="{BB962C8B-B14F-4D97-AF65-F5344CB8AC3E}">
-        <p14:creationId xmlns:p14="http://schemas.microsoft.com/office/powerpoint/2010/main" val="3404310540"/>
       </p:ext>
     </p:extLst>
   </p:cSld>
@@ -5230,4 +9348,299 @@
     </a:ext>
   </a:extLst>
 </a:theme>
+</file>
+
+<file path=ppt/theme/theme2.xml><?xml version="1.0" encoding="utf-8"?>
+<a:theme xmlns:a="http://schemas.openxmlformats.org/drawingml/2006/main" name="Office Theme">
+  <a:themeElements>
+    <a:clrScheme name="Office">
+      <a:dk1>
+        <a:sysClr val="windowText" lastClr="000000"/>
+      </a:dk1>
+      <a:lt1>
+        <a:sysClr val="window" lastClr="FFFFFF"/>
+      </a:lt1>
+      <a:dk2>
+        <a:srgbClr val="44546A"/>
+      </a:dk2>
+      <a:lt2>
+        <a:srgbClr val="E7E6E6"/>
+      </a:lt2>
+      <a:accent1>
+        <a:srgbClr val="4472C4"/>
+      </a:accent1>
+      <a:accent2>
+        <a:srgbClr val="ED7D31"/>
+      </a:accent2>
+      <a:accent3>
+        <a:srgbClr val="A5A5A5"/>
+      </a:accent3>
+      <a:accent4>
+        <a:srgbClr val="FFC000"/>
+      </a:accent4>
+      <a:accent5>
+        <a:srgbClr val="5B9BD5"/>
+      </a:accent5>
+      <a:accent6>
+        <a:srgbClr val="70AD47"/>
+      </a:accent6>
+      <a:hlink>
+        <a:srgbClr val="0563C1"/>
+      </a:hlink>
+      <a:folHlink>
+        <a:srgbClr val="954F72"/>
+      </a:folHlink>
+    </a:clrScheme>
+    <a:fontScheme name="Office">
+      <a:majorFont>
+        <a:latin typeface="Calibri Light" panose="020F0302020204030204"/>
+        <a:ea typeface=""/>
+        <a:cs typeface=""/>
+        <a:font script="Jpan" typeface="游ゴシック Light"/>
+        <a:font script="Hang" typeface="맑은 고딕"/>
+        <a:font script="Hans" typeface="等线 Light"/>
+        <a:font script="Hant" typeface="新細明體"/>
+        <a:font script="Arab" typeface="Times New Roman"/>
+        <a:font script="Hebr" typeface="Times New Roman"/>
+        <a:font script="Thai" typeface="Angsana New"/>
+        <a:font script="Ethi" typeface="Nyala"/>
+        <a:font script="Beng" typeface="Vrinda"/>
+        <a:font script="Gujr" typeface="Shruti"/>
+        <a:font script="Khmr" typeface="MoolBoran"/>
+        <a:font script="Knda" typeface="Tunga"/>
+        <a:font script="Guru" typeface="Raavi"/>
+        <a:font script="Cans" typeface="Euphemia"/>
+        <a:font script="Cher" typeface="Plantagenet Cherokee"/>
+        <a:font script="Yiii" typeface="Microsoft Yi Baiti"/>
+        <a:font script="Tibt" typeface="Microsoft Himalaya"/>
+        <a:font script="Thaa" typeface="MV Boli"/>
+        <a:font script="Deva" typeface="Mangal"/>
+        <a:font script="Telu" typeface="Gautami"/>
+        <a:font script="Taml" typeface="Latha"/>
+        <a:font script="Syrc" typeface="Estrangelo Edessa"/>
+        <a:font script="Orya" typeface="Kalinga"/>
+        <a:font script="Mlym" typeface="Kartika"/>
+        <a:font script="Laoo" typeface="DokChampa"/>
+        <a:font script="Sinh" typeface="Iskoola Pota"/>
+        <a:font script="Mong" typeface="Mongolian Baiti"/>
+        <a:font script="Viet" typeface="Times New Roman"/>
+        <a:font script="Uigh" typeface="Microsoft Uighur"/>
+        <a:font script="Geor" typeface="Sylfaen"/>
+        <a:font script="Armn" typeface="Arial"/>
+        <a:font script="Bugi" typeface="Leelawadee UI"/>
+        <a:font script="Bopo" typeface="Microsoft JhengHei"/>
+        <a:font script="Java" typeface="Javanese Text"/>
+        <a:font script="Lisu" typeface="Segoe UI"/>
+        <a:font script="Mymr" typeface="Myanmar Text"/>
+        <a:font script="Nkoo" typeface="Ebrima"/>
+        <a:font script="Olck" typeface="Nirmala UI"/>
+        <a:font script="Osma" typeface="Ebrima"/>
+        <a:font script="Phag" typeface="Phagspa"/>
+        <a:font script="Syrn" typeface="Estrangelo Edessa"/>
+        <a:font script="Syrj" typeface="Estrangelo Edessa"/>
+        <a:font script="Syre" typeface="Estrangelo Edessa"/>
+        <a:font script="Sora" typeface="Nirmala UI"/>
+        <a:font script="Tale" typeface="Microsoft Tai Le"/>
+        <a:font script="Talu" typeface="Microsoft New Tai Lue"/>
+        <a:font script="Tfng" typeface="Ebrima"/>
+      </a:majorFont>
+      <a:minorFont>
+        <a:latin typeface="Calibri" panose="020F0502020204030204"/>
+        <a:ea typeface=""/>
+        <a:cs typeface=""/>
+        <a:font script="Jpan" typeface="游ゴシック"/>
+        <a:font script="Hang" typeface="맑은 고딕"/>
+        <a:font script="Hans" typeface="等线"/>
+        <a:font script="Hant" typeface="新細明體"/>
+        <a:font script="Arab" typeface="Arial"/>
+        <a:font script="Hebr" typeface="Arial"/>
+        <a:font script="Thai" typeface="Cordia New"/>
+        <a:font script="Ethi" typeface="Nyala"/>
+        <a:font script="Beng" typeface="Vrinda"/>
+        <a:font script="Gujr" typeface="Shruti"/>
+        <a:font script="Khmr" typeface="DaunPenh"/>
+        <a:font script="Knda" typeface="Tunga"/>
+        <a:font script="Guru" typeface="Raavi"/>
+        <a:font script="Cans" typeface="Euphemia"/>
+        <a:font script="Cher" typeface="Plantagenet Cherokee"/>
+        <a:font script="Yiii" typeface="Microsoft Yi Baiti"/>
+        <a:font script="Tibt" typeface="Microsoft Himalaya"/>
+        <a:font script="Thaa" typeface="MV Boli"/>
+        <a:font script="Deva" typeface="Mangal"/>
+        <a:font script="Telu" typeface="Gautami"/>
+        <a:font script="Taml" typeface="Latha"/>
+        <a:font script="Syrc" typeface="Estrangelo Edessa"/>
+        <a:font script="Orya" typeface="Kalinga"/>
+        <a:font script="Mlym" typeface="Kartika"/>
+        <a:font script="Laoo" typeface="DokChampa"/>
+        <a:font script="Sinh" typeface="Iskoola Pota"/>
+        <a:font script="Mong" typeface="Mongolian Baiti"/>
+        <a:font script="Viet" typeface="Arial"/>
+        <a:font script="Uigh" typeface="Microsoft Uighur"/>
+        <a:font script="Geor" typeface="Sylfaen"/>
+        <a:font script="Armn" typeface="Arial"/>
+        <a:font script="Bugi" typeface="Leelawadee UI"/>
+        <a:font script="Bopo" typeface="Microsoft JhengHei"/>
+        <a:font script="Java" typeface="Javanese Text"/>
+        <a:font script="Lisu" typeface="Segoe UI"/>
+        <a:font script="Mymr" typeface="Myanmar Text"/>
+        <a:font script="Nkoo" typeface="Ebrima"/>
+        <a:font script="Olck" typeface="Nirmala UI"/>
+        <a:font script="Osma" typeface="Ebrima"/>
+        <a:font script="Phag" typeface="Phagspa"/>
+        <a:font script="Syrn" typeface="Estrangelo Edessa"/>
+        <a:font script="Syrj" typeface="Estrangelo Edessa"/>
+        <a:font script="Syre" typeface="Estrangelo Edessa"/>
+        <a:font script="Sora" typeface="Nirmala UI"/>
+        <a:font script="Tale" typeface="Microsoft Tai Le"/>
+        <a:font script="Talu" typeface="Microsoft New Tai Lue"/>
+        <a:font script="Tfng" typeface="Ebrima"/>
+      </a:minorFont>
+    </a:fontScheme>
+    <a:fmtScheme name="Office">
+      <a:fillStyleLst>
+        <a:solidFill>
+          <a:schemeClr val="phClr"/>
+        </a:solidFill>
+        <a:gradFill rotWithShape="1">
+          <a:gsLst>
+            <a:gs pos="0">
+              <a:schemeClr val="phClr">
+                <a:lumMod val="110000"/>
+                <a:satMod val="105000"/>
+                <a:tint val="67000"/>
+              </a:schemeClr>
+            </a:gs>
+            <a:gs pos="50000">
+              <a:schemeClr val="phClr">
+                <a:lumMod val="105000"/>
+                <a:satMod val="103000"/>
+                <a:tint val="73000"/>
+              </a:schemeClr>
+            </a:gs>
+            <a:gs pos="100000">
+              <a:schemeClr val="phClr">
+                <a:lumMod val="105000"/>
+                <a:satMod val="109000"/>
+                <a:tint val="81000"/>
+              </a:schemeClr>
+            </a:gs>
+          </a:gsLst>
+          <a:lin ang="5400000" scaled="0"/>
+        </a:gradFill>
+        <a:gradFill rotWithShape="1">
+          <a:gsLst>
+            <a:gs pos="0">
+              <a:schemeClr val="phClr">
+                <a:satMod val="103000"/>
+                <a:lumMod val="102000"/>
+                <a:tint val="94000"/>
+              </a:schemeClr>
+            </a:gs>
+            <a:gs pos="50000">
+              <a:schemeClr val="phClr">
+                <a:satMod val="110000"/>
+                <a:lumMod val="100000"/>
+                <a:shade val="100000"/>
+              </a:schemeClr>
+            </a:gs>
+            <a:gs pos="100000">
+              <a:schemeClr val="phClr">
+                <a:lumMod val="99000"/>
+                <a:satMod val="120000"/>
+                <a:shade val="78000"/>
+              </a:schemeClr>
+            </a:gs>
+          </a:gsLst>
+          <a:lin ang="5400000" scaled="0"/>
+        </a:gradFill>
+      </a:fillStyleLst>
+      <a:lnStyleLst>
+        <a:ln w="6350" cap="flat" cmpd="sng" algn="ctr">
+          <a:solidFill>
+            <a:schemeClr val="phClr"/>
+          </a:solidFill>
+          <a:prstDash val="solid"/>
+          <a:miter lim="800000"/>
+        </a:ln>
+        <a:ln w="12700" cap="flat" cmpd="sng" algn="ctr">
+          <a:solidFill>
+            <a:schemeClr val="phClr"/>
+          </a:solidFill>
+          <a:prstDash val="solid"/>
+          <a:miter lim="800000"/>
+        </a:ln>
+        <a:ln w="19050" cap="flat" cmpd="sng" algn="ctr">
+          <a:solidFill>
+            <a:schemeClr val="phClr"/>
+          </a:solidFill>
+          <a:prstDash val="solid"/>
+          <a:miter lim="800000"/>
+        </a:ln>
+      </a:lnStyleLst>
+      <a:effectStyleLst>
+        <a:effectStyle>
+          <a:effectLst/>
+        </a:effectStyle>
+        <a:effectStyle>
+          <a:effectLst/>
+        </a:effectStyle>
+        <a:effectStyle>
+          <a:effectLst>
+            <a:outerShdw blurRad="57150" dist="19050" dir="5400000" algn="ctr" rotWithShape="0">
+              <a:srgbClr val="000000">
+                <a:alpha val="63000"/>
+              </a:srgbClr>
+            </a:outerShdw>
+          </a:effectLst>
+        </a:effectStyle>
+      </a:effectStyleLst>
+      <a:bgFillStyleLst>
+        <a:solidFill>
+          <a:schemeClr val="phClr"/>
+        </a:solidFill>
+        <a:solidFill>
+          <a:schemeClr val="phClr">
+            <a:tint val="95000"/>
+            <a:satMod val="170000"/>
+          </a:schemeClr>
+        </a:solidFill>
+        <a:gradFill rotWithShape="1">
+          <a:gsLst>
+            <a:gs pos="0">
+              <a:schemeClr val="phClr">
+                <a:tint val="93000"/>
+                <a:satMod val="150000"/>
+                <a:shade val="98000"/>
+                <a:lumMod val="102000"/>
+              </a:schemeClr>
+            </a:gs>
+            <a:gs pos="50000">
+              <a:schemeClr val="phClr">
+                <a:tint val="98000"/>
+                <a:satMod val="130000"/>
+                <a:shade val="90000"/>
+                <a:lumMod val="103000"/>
+              </a:schemeClr>
+            </a:gs>
+            <a:gs pos="100000">
+              <a:schemeClr val="phClr">
+                <a:shade val="63000"/>
+                <a:satMod val="120000"/>
+              </a:schemeClr>
+            </a:gs>
+          </a:gsLst>
+          <a:lin ang="5400000" scaled="0"/>
+        </a:gradFill>
+      </a:bgFillStyleLst>
+    </a:fmtScheme>
+  </a:themeElements>
+  <a:objectDefaults/>
+  <a:extraClrSchemeLst/>
+  <a:extLst>
+    <a:ext uri="{05A4C25C-085E-4340-85A3-A5531E510DB2}">
+      <thm15:themeFamily xmlns:thm15="http://schemas.microsoft.com/office/thememl/2012/main" name="Office Theme" id="{62F939B6-93AF-4DB8-9C6B-D6C7DFDC589F}" vid="{4A3C46E8-61CC-4603-A589-7422A47A8E4A}"/>
+    </a:ext>
+  </a:extLst>
+</a:theme>
 </file>